--- a/_week4_Kaggle Dataset-predicting house prices.pptx
+++ b/_week4_Kaggle Dataset-predicting house prices.pptx
@@ -9,21 +9,22 @@
     <p:sldId id="257" r:id="rId3"/>
     <p:sldId id="258" r:id="rId4"/>
     <p:sldId id="259" r:id="rId5"/>
-    <p:sldId id="260" r:id="rId6"/>
-    <p:sldId id="261" r:id="rId7"/>
-    <p:sldId id="262" r:id="rId8"/>
-    <p:sldId id="263" r:id="rId9"/>
-    <p:sldId id="264" r:id="rId10"/>
-    <p:sldId id="270" r:id="rId11"/>
+    <p:sldId id="275" r:id="rId6"/>
+    <p:sldId id="260" r:id="rId7"/>
+    <p:sldId id="261" r:id="rId8"/>
+    <p:sldId id="262" r:id="rId9"/>
+    <p:sldId id="263" r:id="rId10"/>
+    <p:sldId id="264" r:id="rId11"/>
     <p:sldId id="265" r:id="rId12"/>
-    <p:sldId id="266" r:id="rId13"/>
-    <p:sldId id="267" r:id="rId14"/>
-    <p:sldId id="268" r:id="rId15"/>
-    <p:sldId id="269" r:id="rId16"/>
-    <p:sldId id="271" r:id="rId17"/>
-    <p:sldId id="272" r:id="rId18"/>
-    <p:sldId id="273" r:id="rId19"/>
-    <p:sldId id="274" r:id="rId20"/>
+    <p:sldId id="276" r:id="rId13"/>
+    <p:sldId id="266" r:id="rId14"/>
+    <p:sldId id="267" r:id="rId15"/>
+    <p:sldId id="268" r:id="rId16"/>
+    <p:sldId id="269" r:id="rId17"/>
+    <p:sldId id="271" r:id="rId18"/>
+    <p:sldId id="272" r:id="rId19"/>
+    <p:sldId id="273" r:id="rId20"/>
+    <p:sldId id="274" r:id="rId21"/>
   </p:sldIdLst>
   <p:sldSz cx="12192000" cy="6858000"/>
   <p:notesSz cx="6858000" cy="9144000"/>
@@ -6466,7 +6467,7 @@
 <dgm:dataModel xmlns:dgm="http://schemas.openxmlformats.org/drawingml/2006/diagram" xmlns:a="http://schemas.openxmlformats.org/drawingml/2006/main">
   <dgm:ptLst>
     <dgm:pt modelId="{C344E851-1F4B-4BFF-8884-ACD45FEE834D}" type="doc">
-      <dgm:prSet loTypeId="urn:microsoft.com/office/officeart/2008/layout/LinedList" loCatId="list" qsTypeId="urn:microsoft.com/office/officeart/2005/8/quickstyle/simple1" qsCatId="simple" csTypeId="urn:microsoft.com/office/officeart/2005/8/colors/accent1_2" csCatId="accent1"/>
+      <dgm:prSet loTypeId="urn:microsoft.com/office/officeart/2008/layout/LinedList" loCatId="list" qsTypeId="urn:microsoft.com/office/officeart/2005/8/quickstyle/simple1" qsCatId="simple" csTypeId="urn:microsoft.com/office/officeart/2005/8/colors/accent1_2" csCatId="accent1" phldr="1"/>
       <dgm:spPr/>
       <dgm:t>
         <a:bodyPr/>
@@ -6484,10 +6485,16 @@
         <a:lstStyle/>
         <a:p>
           <a:r>
-            <a:rPr lang="en-US" b="0" i="0" baseline="0"/>
-            <a:t>Skewness: 1.882876 Kurtosis: 6.536282 </a:t>
+            <a:rPr lang="en-US" b="0" i="0" baseline="0" dirty="0"/>
+            <a:t>Skewness: 1.882876 </a:t>
           </a:r>
-          <a:endParaRPr lang="en-US"/>
+        </a:p>
+        <a:p>
+          <a:r>
+            <a:rPr lang="en-US" b="0" i="0" baseline="0" dirty="0"/>
+            <a:t>Kurtosis: 6.536282 </a:t>
+          </a:r>
+          <a:endParaRPr lang="en-US" dirty="0"/>
         </a:p>
       </dgm:t>
     </dgm:pt>
@@ -6520,11 +6527,14 @@
         <a:bodyPr/>
         <a:lstStyle/>
         <a:p>
+          <a:pPr>
+            <a:buFont typeface="Arial" panose="020B0604020202020204" pitchFamily="34" charset="0"/>
+            <a:buChar char="•"/>
+          </a:pPr>
           <a:r>
-            <a:rPr lang="en-US" b="0" i="0" baseline="0"/>
-            <a:t>Looks like a normal distribution? Not quite! </a:t>
+            <a:rPr lang="en-US" b="0" i="0" dirty="0"/>
+            <a:t>Positive skewness (1.882876) suggests a distribution skewed to the right.</a:t>
           </a:r>
-          <a:endParaRPr lang="en-US"/>
         </a:p>
       </dgm:t>
     </dgm:pt>
@@ -6550,7 +6560,7 @@
         </a:p>
       </dgm:t>
     </dgm:pt>
-    <dgm:pt modelId="{22B69B74-7BE3-4839-A242-19B083008F63}">
+    <dgm:pt modelId="{50EF3C3D-5048-4E1D-9C44-1875F85ABFD0}">
       <dgm:prSet/>
       <dgm:spPr/>
       <dgm:t>
@@ -6558,14 +6568,18 @@
         <a:lstStyle/>
         <a:p>
           <a:r>
-            <a:rPr lang="en-US" b="0" i="0" baseline="0"/>
-            <a:t>Looking at the kurtosis score, </a:t>
+            <a:rPr lang="en-US" b="0" i="0" dirty="0"/>
+            <a:t>Positive kurtosis (6.536282) indicates heavier tails and more outliers compared to a normal distribution.</a:t>
           </a:r>
-          <a:endParaRPr lang="en-US"/>
+          <a:r>
+            <a:rPr lang="en-US" b="0" i="0" baseline="0" dirty="0"/>
+            <a:t> </a:t>
+          </a:r>
+          <a:endParaRPr lang="en-US" dirty="0"/>
         </a:p>
       </dgm:t>
     </dgm:pt>
-    <dgm:pt modelId="{27B37056-E7F8-47CD-AC0C-52DFD08F1AB1}" type="parTrans" cxnId="{50F08DBE-B106-481D-856B-B2000EBFE7F2}">
+    <dgm:pt modelId="{DB2FB5C9-1894-4B56-A2E3-478A730068AB}" type="parTrans" cxnId="{784C7B8F-2B3C-4574-BFBE-85E72433A6D1}">
       <dgm:prSet/>
       <dgm:spPr/>
       <dgm:t>
@@ -6576,7 +6590,7 @@
         </a:p>
       </dgm:t>
     </dgm:pt>
-    <dgm:pt modelId="{FA6FE954-DD26-44D7-B2A6-188DB84BC764}" type="sibTrans" cxnId="{50F08DBE-B106-481D-856B-B2000EBFE7F2}">
+    <dgm:pt modelId="{DC3CC6D9-9530-4A7F-ADF8-73B38521A976}" type="sibTrans" cxnId="{784C7B8F-2B3C-4574-BFBE-85E72433A6D1}">
       <dgm:prSet/>
       <dgm:spPr/>
       <dgm:t>
@@ -6587,7 +6601,7 @@
         </a:p>
       </dgm:t>
     </dgm:pt>
-    <dgm:pt modelId="{50EF3C3D-5048-4E1D-9C44-1875F85ABFD0}">
+    <dgm:pt modelId="{9B279EB0-C96B-4650-9176-19D714D5C77F}">
       <dgm:prSet/>
       <dgm:spPr/>
       <dgm:t>
@@ -6595,14 +6609,16 @@
         <a:lstStyle/>
         <a:p>
           <a:r>
-            <a:rPr lang="en-US" b="0" i="0" baseline="0"/>
-            <a:t>we can see that there is a very nice peak. </a:t>
+            <a:rPr lang="en-US" dirty="0"/>
+            <a:t>Should we fix this?</a:t>
           </a:r>
-          <a:endParaRPr lang="en-US"/>
+        </a:p>
+        <a:p>
+          <a:endParaRPr lang="en-US" dirty="0"/>
         </a:p>
       </dgm:t>
     </dgm:pt>
-    <dgm:pt modelId="{DB2FB5C9-1894-4B56-A2E3-478A730068AB}" type="parTrans" cxnId="{784C7B8F-2B3C-4574-BFBE-85E72433A6D1}">
+    <dgm:pt modelId="{61BFB260-CB49-4A74-83DA-AD6B92CFE99D}" type="parTrans" cxnId="{3219EE65-87ED-41BC-A74D-8BF07F0917DF}">
       <dgm:prSet/>
       <dgm:spPr/>
       <dgm:t>
@@ -6613,192 +6629,7 @@
         </a:p>
       </dgm:t>
     </dgm:pt>
-    <dgm:pt modelId="{DC3CC6D9-9530-4A7F-ADF8-73B38521A976}" type="sibTrans" cxnId="{784C7B8F-2B3C-4574-BFBE-85E72433A6D1}">
-      <dgm:prSet/>
-      <dgm:spPr/>
-      <dgm:t>
-        <a:bodyPr/>
-        <a:lstStyle/>
-        <a:p>
-          <a:endParaRPr lang="en-US"/>
-        </a:p>
-      </dgm:t>
-    </dgm:pt>
-    <dgm:pt modelId="{9B279EB0-C96B-4650-9176-19D714D5C77F}">
-      <dgm:prSet/>
-      <dgm:spPr/>
-      <dgm:t>
-        <a:bodyPr/>
-        <a:lstStyle/>
-        <a:p>
-          <a:r>
-            <a:rPr lang="en-US" b="0" i="0" baseline="0"/>
-            <a:t>However, looking at the skewness score, </a:t>
-          </a:r>
-          <a:endParaRPr lang="en-US"/>
-        </a:p>
-      </dgm:t>
-    </dgm:pt>
-    <dgm:pt modelId="{61BFB260-CB49-4A74-83DA-AD6B92CFE99D}" type="parTrans" cxnId="{3219EE65-87ED-41BC-A74D-8BF07F0917DF}">
-      <dgm:prSet/>
-      <dgm:spPr/>
-      <dgm:t>
-        <a:bodyPr/>
-        <a:lstStyle/>
-        <a:p>
-          <a:endParaRPr lang="en-US"/>
-        </a:p>
-      </dgm:t>
-    </dgm:pt>
     <dgm:pt modelId="{72ABFFCD-07FF-4363-91F2-9BCED14FF145}" type="sibTrans" cxnId="{3219EE65-87ED-41BC-A74D-8BF07F0917DF}">
-      <dgm:prSet/>
-      <dgm:spPr/>
-      <dgm:t>
-        <a:bodyPr/>
-        <a:lstStyle/>
-        <a:p>
-          <a:endParaRPr lang="en-US"/>
-        </a:p>
-      </dgm:t>
-    </dgm:pt>
-    <dgm:pt modelId="{E57802EC-1EE3-4067-BCFE-B5E1E7A75CC0}">
-      <dgm:prSet/>
-      <dgm:spPr/>
-      <dgm:t>
-        <a:bodyPr/>
-        <a:lstStyle/>
-        <a:p>
-          <a:r>
-            <a:rPr lang="en-US" b="0" i="0" baseline="0"/>
-            <a:t>we can see that the sale prices deviate from the </a:t>
-          </a:r>
-          <a:endParaRPr lang="en-US"/>
-        </a:p>
-      </dgm:t>
-    </dgm:pt>
-    <dgm:pt modelId="{A57B29CA-0F74-40CE-8028-CBCF7738F4F7}" type="parTrans" cxnId="{439C916C-E85E-4893-A804-19D54431CF22}">
-      <dgm:prSet/>
-      <dgm:spPr/>
-      <dgm:t>
-        <a:bodyPr/>
-        <a:lstStyle/>
-        <a:p>
-          <a:endParaRPr lang="en-US"/>
-        </a:p>
-      </dgm:t>
-    </dgm:pt>
-    <dgm:pt modelId="{D24C51E7-FD84-45D3-A1D4-998032D575BF}" type="sibTrans" cxnId="{439C916C-E85E-4893-A804-19D54431CF22}">
-      <dgm:prSet/>
-      <dgm:spPr/>
-      <dgm:t>
-        <a:bodyPr/>
-        <a:lstStyle/>
-        <a:p>
-          <a:endParaRPr lang="en-US"/>
-        </a:p>
-      </dgm:t>
-    </dgm:pt>
-    <dgm:pt modelId="{7D43824B-D5D9-4BE0-B20C-C5381EE0C846}">
-      <dgm:prSet/>
-      <dgm:spPr/>
-      <dgm:t>
-        <a:bodyPr/>
-        <a:lstStyle/>
-        <a:p>
-          <a:r>
-            <a:rPr lang="en-US" b="0" i="0" baseline="0"/>
-            <a:t>normal distribution. </a:t>
-          </a:r>
-          <a:endParaRPr lang="en-US"/>
-        </a:p>
-      </dgm:t>
-    </dgm:pt>
-    <dgm:pt modelId="{6BE096AD-7CE1-4F81-A350-1F2748F68579}" type="parTrans" cxnId="{EFF2D71B-0025-48DC-B82E-654752EFBCA4}">
-      <dgm:prSet/>
-      <dgm:spPr/>
-      <dgm:t>
-        <a:bodyPr/>
-        <a:lstStyle/>
-        <a:p>
-          <a:endParaRPr lang="en-US"/>
-        </a:p>
-      </dgm:t>
-    </dgm:pt>
-    <dgm:pt modelId="{70DFA78D-5A3A-4A0B-B042-62CDAFD53C37}" type="sibTrans" cxnId="{EFF2D71B-0025-48DC-B82E-654752EFBCA4}">
-      <dgm:prSet/>
-      <dgm:spPr/>
-      <dgm:t>
-        <a:bodyPr/>
-        <a:lstStyle/>
-        <a:p>
-          <a:endParaRPr lang="en-US"/>
-        </a:p>
-      </dgm:t>
-    </dgm:pt>
-    <dgm:pt modelId="{2FDB1C41-2874-4FA3-A095-E77383BDA706}">
-      <dgm:prSet/>
-      <dgm:spPr/>
-      <dgm:t>
-        <a:bodyPr/>
-        <a:lstStyle/>
-        <a:p>
-          <a:r>
-            <a:rPr lang="en-US" b="0" i="0" baseline="0"/>
-            <a:t>Going to have to fix this later! </a:t>
-          </a:r>
-          <a:endParaRPr lang="en-US"/>
-        </a:p>
-      </dgm:t>
-    </dgm:pt>
-    <dgm:pt modelId="{B99C71FA-D607-4862-9C2B-37071477A405}" type="parTrans" cxnId="{D97B0F13-B5BC-4C98-A6CD-51970BE49BEA}">
-      <dgm:prSet/>
-      <dgm:spPr/>
-      <dgm:t>
-        <a:bodyPr/>
-        <a:lstStyle/>
-        <a:p>
-          <a:endParaRPr lang="en-US"/>
-        </a:p>
-      </dgm:t>
-    </dgm:pt>
-    <dgm:pt modelId="{8B4873DE-3C48-42C0-A47D-5E69C3F179B8}" type="sibTrans" cxnId="{D97B0F13-B5BC-4C98-A6CD-51970BE49BEA}">
-      <dgm:prSet/>
-      <dgm:spPr/>
-      <dgm:t>
-        <a:bodyPr/>
-        <a:lstStyle/>
-        <a:p>
-          <a:endParaRPr lang="en-US"/>
-        </a:p>
-      </dgm:t>
-    </dgm:pt>
-    <dgm:pt modelId="{C124D80E-322B-476D-AF92-167DD5EBB4AC}">
-      <dgm:prSet/>
-      <dgm:spPr/>
-      <dgm:t>
-        <a:bodyPr/>
-        <a:lstStyle/>
-        <a:p>
-          <a:r>
-            <a:rPr lang="en-US" b="0" i="0" baseline="0"/>
-            <a:t>We want our data to be as "normal" as possible.</a:t>
-          </a:r>
-          <a:endParaRPr lang="en-US"/>
-        </a:p>
-      </dgm:t>
-    </dgm:pt>
-    <dgm:pt modelId="{1B796592-3A1B-4E4B-9471-951275715E2C}" type="parTrans" cxnId="{A2A46C77-CF05-4541-A94F-5017103D75DE}">
-      <dgm:prSet/>
-      <dgm:spPr/>
-      <dgm:t>
-        <a:bodyPr/>
-        <a:lstStyle/>
-        <a:p>
-          <a:endParaRPr lang="en-US"/>
-        </a:p>
-      </dgm:t>
-    </dgm:pt>
-    <dgm:pt modelId="{2084D840-687D-4BFA-B89B-56594BE69EEC}" type="sibTrans" cxnId="{A2A46C77-CF05-4541-A94F-5017103D75DE}">
       <dgm:prSet/>
       <dgm:spPr/>
       <dgm:t>
@@ -6820,7 +6651,7 @@
       <dgm:spPr/>
     </dgm:pt>
     <dgm:pt modelId="{A2929C2C-7168-447E-A3C5-CD03FF17D429}" type="pres">
-      <dgm:prSet presAssocID="{9F24595D-0257-4828-B980-E17305E932F5}" presName="thickLine" presStyleLbl="alignNode1" presStyleIdx="0" presStyleCnt="9"/>
+      <dgm:prSet presAssocID="{9F24595D-0257-4828-B980-E17305E932F5}" presName="thickLine" presStyleLbl="alignNode1" presStyleIdx="0" presStyleCnt="4"/>
       <dgm:spPr/>
     </dgm:pt>
     <dgm:pt modelId="{63917F28-14E7-45E0-95B5-ED90261195AE}" type="pres">
@@ -6828,7 +6659,7 @@
       <dgm:spPr/>
     </dgm:pt>
     <dgm:pt modelId="{B98F1EF3-540B-4955-B654-598E2BB18376}" type="pres">
-      <dgm:prSet presAssocID="{9F24595D-0257-4828-B980-E17305E932F5}" presName="tx1" presStyleLbl="revTx" presStyleIdx="0" presStyleCnt="9"/>
+      <dgm:prSet presAssocID="{9F24595D-0257-4828-B980-E17305E932F5}" presName="tx1" presStyleLbl="revTx" presStyleIdx="0" presStyleCnt="4"/>
       <dgm:spPr/>
     </dgm:pt>
     <dgm:pt modelId="{EB5277C7-290E-433D-A9F1-CC6CA01B115C}" type="pres">
@@ -6836,7 +6667,7 @@
       <dgm:spPr/>
     </dgm:pt>
     <dgm:pt modelId="{3DFB0BA8-1170-4480-9529-EBE94C39C211}" type="pres">
-      <dgm:prSet presAssocID="{375F48C0-3C2B-48A5-884F-CA6068A3826C}" presName="thickLine" presStyleLbl="alignNode1" presStyleIdx="1" presStyleCnt="9"/>
+      <dgm:prSet presAssocID="{375F48C0-3C2B-48A5-884F-CA6068A3826C}" presName="thickLine" presStyleLbl="alignNode1" presStyleIdx="1" presStyleCnt="4"/>
       <dgm:spPr/>
     </dgm:pt>
     <dgm:pt modelId="{4A4CA3BE-7897-4A62-AEF4-A647C2F12C3C}" type="pres">
@@ -6844,31 +6675,15 @@
       <dgm:spPr/>
     </dgm:pt>
     <dgm:pt modelId="{9AF4D4A4-CA32-4233-A7C7-F75134191BCA}" type="pres">
-      <dgm:prSet presAssocID="{375F48C0-3C2B-48A5-884F-CA6068A3826C}" presName="tx1" presStyleLbl="revTx" presStyleIdx="1" presStyleCnt="9"/>
+      <dgm:prSet presAssocID="{375F48C0-3C2B-48A5-884F-CA6068A3826C}" presName="tx1" presStyleLbl="revTx" presStyleIdx="1" presStyleCnt="4"/>
       <dgm:spPr/>
     </dgm:pt>
     <dgm:pt modelId="{461BB0A5-6BD6-4697-9C05-7E0884440ADC}" type="pres">
       <dgm:prSet presAssocID="{375F48C0-3C2B-48A5-884F-CA6068A3826C}" presName="vert1" presStyleCnt="0"/>
       <dgm:spPr/>
     </dgm:pt>
-    <dgm:pt modelId="{042C8736-F779-4058-9E1D-7F781D3EE129}" type="pres">
-      <dgm:prSet presAssocID="{22B69B74-7BE3-4839-A242-19B083008F63}" presName="thickLine" presStyleLbl="alignNode1" presStyleIdx="2" presStyleCnt="9"/>
-      <dgm:spPr/>
-    </dgm:pt>
-    <dgm:pt modelId="{ED746423-7E5D-4EB2-9751-3E07A03A056A}" type="pres">
-      <dgm:prSet presAssocID="{22B69B74-7BE3-4839-A242-19B083008F63}" presName="horz1" presStyleCnt="0"/>
-      <dgm:spPr/>
-    </dgm:pt>
-    <dgm:pt modelId="{4A66B6F5-DD7A-4837-8A2B-754A240BC171}" type="pres">
-      <dgm:prSet presAssocID="{22B69B74-7BE3-4839-A242-19B083008F63}" presName="tx1" presStyleLbl="revTx" presStyleIdx="2" presStyleCnt="9"/>
-      <dgm:spPr/>
-    </dgm:pt>
-    <dgm:pt modelId="{B3ABEEB4-3711-4573-B949-32BE8982267E}" type="pres">
-      <dgm:prSet presAssocID="{22B69B74-7BE3-4839-A242-19B083008F63}" presName="vert1" presStyleCnt="0"/>
-      <dgm:spPr/>
-    </dgm:pt>
     <dgm:pt modelId="{9EDC87C0-9F4D-4266-8053-A1F3E7839871}" type="pres">
-      <dgm:prSet presAssocID="{50EF3C3D-5048-4E1D-9C44-1875F85ABFD0}" presName="thickLine" presStyleLbl="alignNode1" presStyleIdx="3" presStyleCnt="9"/>
+      <dgm:prSet presAssocID="{50EF3C3D-5048-4E1D-9C44-1875F85ABFD0}" presName="thickLine" presStyleLbl="alignNode1" presStyleIdx="2" presStyleCnt="4"/>
       <dgm:spPr/>
     </dgm:pt>
     <dgm:pt modelId="{6480C094-A8F2-4DC7-BEFF-1488391AC84C}" type="pres">
@@ -6876,7 +6691,7 @@
       <dgm:spPr/>
     </dgm:pt>
     <dgm:pt modelId="{33C9D16E-2D6B-4C2D-A85E-686CB5BF9A54}" type="pres">
-      <dgm:prSet presAssocID="{50EF3C3D-5048-4E1D-9C44-1875F85ABFD0}" presName="tx1" presStyleLbl="revTx" presStyleIdx="3" presStyleCnt="9"/>
+      <dgm:prSet presAssocID="{50EF3C3D-5048-4E1D-9C44-1875F85ABFD0}" presName="tx1" presStyleLbl="revTx" presStyleIdx="2" presStyleCnt="4"/>
       <dgm:spPr/>
     </dgm:pt>
     <dgm:pt modelId="{8D72790A-FD6E-4052-AFD9-76408D5014B8}" type="pres">
@@ -6884,7 +6699,7 @@
       <dgm:spPr/>
     </dgm:pt>
     <dgm:pt modelId="{FAB5EBFF-8C23-4798-8FF9-DB84FDA143DA}" type="pres">
-      <dgm:prSet presAssocID="{9B279EB0-C96B-4650-9176-19D714D5C77F}" presName="thickLine" presStyleLbl="alignNode1" presStyleIdx="4" presStyleCnt="9"/>
+      <dgm:prSet presAssocID="{9B279EB0-C96B-4650-9176-19D714D5C77F}" presName="thickLine" presStyleLbl="alignNode1" presStyleIdx="3" presStyleCnt="4"/>
       <dgm:spPr/>
     </dgm:pt>
     <dgm:pt modelId="{D7857591-CB98-40A7-9439-5A4CA61241FA}" type="pres">
@@ -6892,95 +6707,21 @@
       <dgm:spPr/>
     </dgm:pt>
     <dgm:pt modelId="{60F3C680-50A0-4F62-BA45-4838E850C0E6}" type="pres">
-      <dgm:prSet presAssocID="{9B279EB0-C96B-4650-9176-19D714D5C77F}" presName="tx1" presStyleLbl="revTx" presStyleIdx="4" presStyleCnt="9"/>
+      <dgm:prSet presAssocID="{9B279EB0-C96B-4650-9176-19D714D5C77F}" presName="tx1" presStyleLbl="revTx" presStyleIdx="3" presStyleCnt="4"/>
       <dgm:spPr/>
     </dgm:pt>
     <dgm:pt modelId="{E35F8E4C-5859-46E2-AC12-39F0DE9E6E6D}" type="pres">
       <dgm:prSet presAssocID="{9B279EB0-C96B-4650-9176-19D714D5C77F}" presName="vert1" presStyleCnt="0"/>
       <dgm:spPr/>
     </dgm:pt>
-    <dgm:pt modelId="{6C8A9C93-30B3-4815-A490-AB7308332F35}" type="pres">
-      <dgm:prSet presAssocID="{E57802EC-1EE3-4067-BCFE-B5E1E7A75CC0}" presName="thickLine" presStyleLbl="alignNode1" presStyleIdx="5" presStyleCnt="9"/>
-      <dgm:spPr/>
-    </dgm:pt>
-    <dgm:pt modelId="{ACF22602-9488-49C1-8C7F-DD6BD12DE00E}" type="pres">
-      <dgm:prSet presAssocID="{E57802EC-1EE3-4067-BCFE-B5E1E7A75CC0}" presName="horz1" presStyleCnt="0"/>
-      <dgm:spPr/>
-    </dgm:pt>
-    <dgm:pt modelId="{5F724F34-DDB7-4B30-A53B-A3FA19609BB5}" type="pres">
-      <dgm:prSet presAssocID="{E57802EC-1EE3-4067-BCFE-B5E1E7A75CC0}" presName="tx1" presStyleLbl="revTx" presStyleIdx="5" presStyleCnt="9"/>
-      <dgm:spPr/>
-    </dgm:pt>
-    <dgm:pt modelId="{7BB9A4EE-D379-44B3-AF98-D87F1DECFD3B}" type="pres">
-      <dgm:prSet presAssocID="{E57802EC-1EE3-4067-BCFE-B5E1E7A75CC0}" presName="vert1" presStyleCnt="0"/>
-      <dgm:spPr/>
-    </dgm:pt>
-    <dgm:pt modelId="{2ECA5D7E-EF24-4B72-8711-A75C4358236C}" type="pres">
-      <dgm:prSet presAssocID="{7D43824B-D5D9-4BE0-B20C-C5381EE0C846}" presName="thickLine" presStyleLbl="alignNode1" presStyleIdx="6" presStyleCnt="9"/>
-      <dgm:spPr/>
-    </dgm:pt>
-    <dgm:pt modelId="{2DF4ECA5-424C-40EC-97D2-7885822541C8}" type="pres">
-      <dgm:prSet presAssocID="{7D43824B-D5D9-4BE0-B20C-C5381EE0C846}" presName="horz1" presStyleCnt="0"/>
-      <dgm:spPr/>
-    </dgm:pt>
-    <dgm:pt modelId="{916532A1-6FAA-4507-93E5-4D437BA3B26E}" type="pres">
-      <dgm:prSet presAssocID="{7D43824B-D5D9-4BE0-B20C-C5381EE0C846}" presName="tx1" presStyleLbl="revTx" presStyleIdx="6" presStyleCnt="9"/>
-      <dgm:spPr/>
-    </dgm:pt>
-    <dgm:pt modelId="{57A4D8E6-648E-4FD1-A217-1B58053C4F43}" type="pres">
-      <dgm:prSet presAssocID="{7D43824B-D5D9-4BE0-B20C-C5381EE0C846}" presName="vert1" presStyleCnt="0"/>
-      <dgm:spPr/>
-    </dgm:pt>
-    <dgm:pt modelId="{CA32BE81-3B9A-48F5-ADE6-98AE1DB8148F}" type="pres">
-      <dgm:prSet presAssocID="{2FDB1C41-2874-4FA3-A095-E77383BDA706}" presName="thickLine" presStyleLbl="alignNode1" presStyleIdx="7" presStyleCnt="9"/>
-      <dgm:spPr/>
-    </dgm:pt>
-    <dgm:pt modelId="{EE93F403-28B3-4379-A9CA-15279991033A}" type="pres">
-      <dgm:prSet presAssocID="{2FDB1C41-2874-4FA3-A095-E77383BDA706}" presName="horz1" presStyleCnt="0"/>
-      <dgm:spPr/>
-    </dgm:pt>
-    <dgm:pt modelId="{407811F1-AE14-4B58-B4B2-BC9C792E3BCD}" type="pres">
-      <dgm:prSet presAssocID="{2FDB1C41-2874-4FA3-A095-E77383BDA706}" presName="tx1" presStyleLbl="revTx" presStyleIdx="7" presStyleCnt="9"/>
-      <dgm:spPr/>
-    </dgm:pt>
-    <dgm:pt modelId="{B254512C-95EC-4784-9A63-F44A6AD7583C}" type="pres">
-      <dgm:prSet presAssocID="{2FDB1C41-2874-4FA3-A095-E77383BDA706}" presName="vert1" presStyleCnt="0"/>
-      <dgm:spPr/>
-    </dgm:pt>
-    <dgm:pt modelId="{229282F4-6BE4-49C3-990C-5456E6B9C2BA}" type="pres">
-      <dgm:prSet presAssocID="{C124D80E-322B-476D-AF92-167DD5EBB4AC}" presName="thickLine" presStyleLbl="alignNode1" presStyleIdx="8" presStyleCnt="9"/>
-      <dgm:spPr/>
-    </dgm:pt>
-    <dgm:pt modelId="{B3F7B350-6936-4312-9F2C-19988335A945}" type="pres">
-      <dgm:prSet presAssocID="{C124D80E-322B-476D-AF92-167DD5EBB4AC}" presName="horz1" presStyleCnt="0"/>
-      <dgm:spPr/>
-    </dgm:pt>
-    <dgm:pt modelId="{D17E2E16-CC90-48EA-BA8C-7BDC04733392}" type="pres">
-      <dgm:prSet presAssocID="{C124D80E-322B-476D-AF92-167DD5EBB4AC}" presName="tx1" presStyleLbl="revTx" presStyleIdx="8" presStyleCnt="9"/>
-      <dgm:spPr/>
-    </dgm:pt>
-    <dgm:pt modelId="{8E5BD59E-8761-4721-8C40-DF76F56DA2F6}" type="pres">
-      <dgm:prSet presAssocID="{C124D80E-322B-476D-AF92-167DD5EBB4AC}" presName="vert1" presStyleCnt="0"/>
-      <dgm:spPr/>
-    </dgm:pt>
   </dgm:ptLst>
   <dgm:cxnLst>
-    <dgm:cxn modelId="{D97B0F13-B5BC-4C98-A6CD-51970BE49BEA}" srcId="{C344E851-1F4B-4BFF-8884-ACD45FEE834D}" destId="{2FDB1C41-2874-4FA3-A095-E77383BDA706}" srcOrd="7" destOrd="0" parTransId="{B99C71FA-D607-4862-9C2B-37071477A405}" sibTransId="{8B4873DE-3C48-42C0-A47D-5E69C3F179B8}"/>
-    <dgm:cxn modelId="{04041018-07D2-4328-AA78-ED88C32FBA1C}" type="presOf" srcId="{E57802EC-1EE3-4067-BCFE-B5E1E7A75CC0}" destId="{5F724F34-DDB7-4B30-A53B-A3FA19609BB5}" srcOrd="0" destOrd="0" presId="urn:microsoft.com/office/officeart/2008/layout/LinedList"/>
-    <dgm:cxn modelId="{EFF2D71B-0025-48DC-B82E-654752EFBCA4}" srcId="{C344E851-1F4B-4BFF-8884-ACD45FEE834D}" destId="{7D43824B-D5D9-4BE0-B20C-C5381EE0C846}" srcOrd="6" destOrd="0" parTransId="{6BE096AD-7CE1-4F81-A350-1F2748F68579}" sibTransId="{70DFA78D-5A3A-4A0B-B042-62CDAFD53C37}"/>
     <dgm:cxn modelId="{1428535C-5E44-45C8-A103-E412CE3DB008}" srcId="{C344E851-1F4B-4BFF-8884-ACD45FEE834D}" destId="{9F24595D-0257-4828-B980-E17305E932F5}" srcOrd="0" destOrd="0" parTransId="{0E1462EF-844B-4044-8A38-2DCDBA55CA1C}" sibTransId="{637A7158-5B7B-414F-88E9-B75DB8BCFF95}"/>
     <dgm:cxn modelId="{8185B965-7F3B-43EE-B48C-60A1E3DDB738}" type="presOf" srcId="{50EF3C3D-5048-4E1D-9C44-1875F85ABFD0}" destId="{33C9D16E-2D6B-4C2D-A85E-686CB5BF9A54}" srcOrd="0" destOrd="0" presId="urn:microsoft.com/office/officeart/2008/layout/LinedList"/>
-    <dgm:cxn modelId="{3219EE65-87ED-41BC-A74D-8BF07F0917DF}" srcId="{C344E851-1F4B-4BFF-8884-ACD45FEE834D}" destId="{9B279EB0-C96B-4650-9176-19D714D5C77F}" srcOrd="4" destOrd="0" parTransId="{61BFB260-CB49-4A74-83DA-AD6B92CFE99D}" sibTransId="{72ABFFCD-07FF-4363-91F2-9BCED14FF145}"/>
+    <dgm:cxn modelId="{3219EE65-87ED-41BC-A74D-8BF07F0917DF}" srcId="{C344E851-1F4B-4BFF-8884-ACD45FEE834D}" destId="{9B279EB0-C96B-4650-9176-19D714D5C77F}" srcOrd="3" destOrd="0" parTransId="{61BFB260-CB49-4A74-83DA-AD6B92CFE99D}" sibTransId="{72ABFFCD-07FF-4363-91F2-9BCED14FF145}"/>
     <dgm:cxn modelId="{B5871F47-EBE0-4BCA-B0C5-C26AE883A278}" type="presOf" srcId="{375F48C0-3C2B-48A5-884F-CA6068A3826C}" destId="{9AF4D4A4-CA32-4233-A7C7-F75134191BCA}" srcOrd="0" destOrd="0" presId="urn:microsoft.com/office/officeart/2008/layout/LinedList"/>
-    <dgm:cxn modelId="{439C916C-E85E-4893-A804-19D54431CF22}" srcId="{C344E851-1F4B-4BFF-8884-ACD45FEE834D}" destId="{E57802EC-1EE3-4067-BCFE-B5E1E7A75CC0}" srcOrd="5" destOrd="0" parTransId="{A57B29CA-0F74-40CE-8028-CBCF7738F4F7}" sibTransId="{D24C51E7-FD84-45D3-A1D4-998032D575BF}"/>
     <dgm:cxn modelId="{8094DB73-D13F-4128-AB32-0F654F8C7E43}" type="presOf" srcId="{9B279EB0-C96B-4650-9176-19D714D5C77F}" destId="{60F3C680-50A0-4F62-BA45-4838E850C0E6}" srcOrd="0" destOrd="0" presId="urn:microsoft.com/office/officeart/2008/layout/LinedList"/>
-    <dgm:cxn modelId="{A2A46C77-CF05-4541-A94F-5017103D75DE}" srcId="{C344E851-1F4B-4BFF-8884-ACD45FEE834D}" destId="{C124D80E-322B-476D-AF92-167DD5EBB4AC}" srcOrd="8" destOrd="0" parTransId="{1B796592-3A1B-4E4B-9471-951275715E2C}" sibTransId="{2084D840-687D-4BFA-B89B-56594BE69EEC}"/>
-    <dgm:cxn modelId="{784C7B8F-2B3C-4574-BFBE-85E72433A6D1}" srcId="{C344E851-1F4B-4BFF-8884-ACD45FEE834D}" destId="{50EF3C3D-5048-4E1D-9C44-1875F85ABFD0}" srcOrd="3" destOrd="0" parTransId="{DB2FB5C9-1894-4B56-A2E3-478A730068AB}" sibTransId="{DC3CC6D9-9530-4A7F-ADF8-73B38521A976}"/>
-    <dgm:cxn modelId="{2F9A6694-6A38-4F48-9231-1E6E5CDEC3D6}" type="presOf" srcId="{7D43824B-D5D9-4BE0-B20C-C5381EE0C846}" destId="{916532A1-6FAA-4507-93E5-4D437BA3B26E}" srcOrd="0" destOrd="0" presId="urn:microsoft.com/office/officeart/2008/layout/LinedList"/>
-    <dgm:cxn modelId="{E931B0A0-C4DD-450A-B517-CCDA380D5908}" type="presOf" srcId="{2FDB1C41-2874-4FA3-A095-E77383BDA706}" destId="{407811F1-AE14-4B58-B4B2-BC9C792E3BCD}" srcOrd="0" destOrd="0" presId="urn:microsoft.com/office/officeart/2008/layout/LinedList"/>
-    <dgm:cxn modelId="{9198B7BA-3D9C-44E4-8DE4-ECEBD3DD9D8D}" type="presOf" srcId="{C124D80E-322B-476D-AF92-167DD5EBB4AC}" destId="{D17E2E16-CC90-48EA-BA8C-7BDC04733392}" srcOrd="0" destOrd="0" presId="urn:microsoft.com/office/officeart/2008/layout/LinedList"/>
-    <dgm:cxn modelId="{50F08DBE-B106-481D-856B-B2000EBFE7F2}" srcId="{C344E851-1F4B-4BFF-8884-ACD45FEE834D}" destId="{22B69B74-7BE3-4839-A242-19B083008F63}" srcOrd="2" destOrd="0" parTransId="{27B37056-E7F8-47CD-AC0C-52DFD08F1AB1}" sibTransId="{FA6FE954-DD26-44D7-B2A6-188DB84BC764}"/>
-    <dgm:cxn modelId="{B99ECBCD-328A-4431-AA35-651C2A53A17F}" type="presOf" srcId="{22B69B74-7BE3-4839-A242-19B083008F63}" destId="{4A66B6F5-DD7A-4837-8A2B-754A240BC171}" srcOrd="0" destOrd="0" presId="urn:microsoft.com/office/officeart/2008/layout/LinedList"/>
+    <dgm:cxn modelId="{784C7B8F-2B3C-4574-BFBE-85E72433A6D1}" srcId="{C344E851-1F4B-4BFF-8884-ACD45FEE834D}" destId="{50EF3C3D-5048-4E1D-9C44-1875F85ABFD0}" srcOrd="2" destOrd="0" parTransId="{DB2FB5C9-1894-4B56-A2E3-478A730068AB}" sibTransId="{DC3CC6D9-9530-4A7F-ADF8-73B38521A976}"/>
     <dgm:cxn modelId="{5CBEB9D4-0652-42C5-98DB-3ABD5FC0FE1A}" type="presOf" srcId="{C344E851-1F4B-4BFF-8884-ACD45FEE834D}" destId="{D1C18762-8714-4607-B58D-8B129FFBF32F}" srcOrd="0" destOrd="0" presId="urn:microsoft.com/office/officeart/2008/layout/LinedList"/>
     <dgm:cxn modelId="{9702FAD4-4B2A-49F0-9480-E1614519A81B}" type="presOf" srcId="{9F24595D-0257-4828-B980-E17305E932F5}" destId="{B98F1EF3-540B-4955-B654-598E2BB18376}" srcOrd="0" destOrd="0" presId="urn:microsoft.com/office/officeart/2008/layout/LinedList"/>
     <dgm:cxn modelId="{2B8432E5-60E0-4654-BAAC-0E0CC88E500D}" srcId="{C344E851-1F4B-4BFF-8884-ACD45FEE834D}" destId="{375F48C0-3C2B-48A5-884F-CA6068A3826C}" srcOrd="1" destOrd="0" parTransId="{938D0FFB-2BE7-4B3D-B041-3509E9E52A01}" sibTransId="{75F70D80-DA35-43E9-A3B2-70B31554AA6C}"/>
@@ -6992,34 +6733,14 @@
     <dgm:cxn modelId="{7360FE91-80DE-4413-A30A-AF7590708400}" type="presParOf" srcId="{D1C18762-8714-4607-B58D-8B129FFBF32F}" destId="{4A4CA3BE-7897-4A62-AEF4-A647C2F12C3C}" srcOrd="3" destOrd="0" presId="urn:microsoft.com/office/officeart/2008/layout/LinedList"/>
     <dgm:cxn modelId="{7144CC7C-A91D-4686-9349-67E0ABF2F590}" type="presParOf" srcId="{4A4CA3BE-7897-4A62-AEF4-A647C2F12C3C}" destId="{9AF4D4A4-CA32-4233-A7C7-F75134191BCA}" srcOrd="0" destOrd="0" presId="urn:microsoft.com/office/officeart/2008/layout/LinedList"/>
     <dgm:cxn modelId="{CAF3929B-B0F2-4926-B3BB-9969A6EA0168}" type="presParOf" srcId="{4A4CA3BE-7897-4A62-AEF4-A647C2F12C3C}" destId="{461BB0A5-6BD6-4697-9C05-7E0884440ADC}" srcOrd="1" destOrd="0" presId="urn:microsoft.com/office/officeart/2008/layout/LinedList"/>
-    <dgm:cxn modelId="{D38AEA5F-21EE-4BB1-99F9-893DE16F62B8}" type="presParOf" srcId="{D1C18762-8714-4607-B58D-8B129FFBF32F}" destId="{042C8736-F779-4058-9E1D-7F781D3EE129}" srcOrd="4" destOrd="0" presId="urn:microsoft.com/office/officeart/2008/layout/LinedList"/>
-    <dgm:cxn modelId="{90B70900-C394-4682-8942-A1F7E7DC6E56}" type="presParOf" srcId="{D1C18762-8714-4607-B58D-8B129FFBF32F}" destId="{ED746423-7E5D-4EB2-9751-3E07A03A056A}" srcOrd="5" destOrd="0" presId="urn:microsoft.com/office/officeart/2008/layout/LinedList"/>
-    <dgm:cxn modelId="{32413E54-9A43-457F-9E0B-D45C86741B8A}" type="presParOf" srcId="{ED746423-7E5D-4EB2-9751-3E07A03A056A}" destId="{4A66B6F5-DD7A-4837-8A2B-754A240BC171}" srcOrd="0" destOrd="0" presId="urn:microsoft.com/office/officeart/2008/layout/LinedList"/>
-    <dgm:cxn modelId="{6B4D95B5-B426-4026-B6A8-D868A4048713}" type="presParOf" srcId="{ED746423-7E5D-4EB2-9751-3E07A03A056A}" destId="{B3ABEEB4-3711-4573-B949-32BE8982267E}" srcOrd="1" destOrd="0" presId="urn:microsoft.com/office/officeart/2008/layout/LinedList"/>
-    <dgm:cxn modelId="{85F8C97F-CD9D-40A5-9340-E94787D99828}" type="presParOf" srcId="{D1C18762-8714-4607-B58D-8B129FFBF32F}" destId="{9EDC87C0-9F4D-4266-8053-A1F3E7839871}" srcOrd="6" destOrd="0" presId="urn:microsoft.com/office/officeart/2008/layout/LinedList"/>
-    <dgm:cxn modelId="{297B0C60-2475-46C1-AFFA-E2850B42D269}" type="presParOf" srcId="{D1C18762-8714-4607-B58D-8B129FFBF32F}" destId="{6480C094-A8F2-4DC7-BEFF-1488391AC84C}" srcOrd="7" destOrd="0" presId="urn:microsoft.com/office/officeart/2008/layout/LinedList"/>
+    <dgm:cxn modelId="{85F8C97F-CD9D-40A5-9340-E94787D99828}" type="presParOf" srcId="{D1C18762-8714-4607-B58D-8B129FFBF32F}" destId="{9EDC87C0-9F4D-4266-8053-A1F3E7839871}" srcOrd="4" destOrd="0" presId="urn:microsoft.com/office/officeart/2008/layout/LinedList"/>
+    <dgm:cxn modelId="{297B0C60-2475-46C1-AFFA-E2850B42D269}" type="presParOf" srcId="{D1C18762-8714-4607-B58D-8B129FFBF32F}" destId="{6480C094-A8F2-4DC7-BEFF-1488391AC84C}" srcOrd="5" destOrd="0" presId="urn:microsoft.com/office/officeart/2008/layout/LinedList"/>
     <dgm:cxn modelId="{F1646B44-E438-46C8-B471-52FA7BDA300F}" type="presParOf" srcId="{6480C094-A8F2-4DC7-BEFF-1488391AC84C}" destId="{33C9D16E-2D6B-4C2D-A85E-686CB5BF9A54}" srcOrd="0" destOrd="0" presId="urn:microsoft.com/office/officeart/2008/layout/LinedList"/>
     <dgm:cxn modelId="{AAD30A8E-95DE-4CEF-91EB-6CBDFDD1BD8D}" type="presParOf" srcId="{6480C094-A8F2-4DC7-BEFF-1488391AC84C}" destId="{8D72790A-FD6E-4052-AFD9-76408D5014B8}" srcOrd="1" destOrd="0" presId="urn:microsoft.com/office/officeart/2008/layout/LinedList"/>
-    <dgm:cxn modelId="{E90A7F3E-B017-4B73-9DBC-34AB3DABD060}" type="presParOf" srcId="{D1C18762-8714-4607-B58D-8B129FFBF32F}" destId="{FAB5EBFF-8C23-4798-8FF9-DB84FDA143DA}" srcOrd="8" destOrd="0" presId="urn:microsoft.com/office/officeart/2008/layout/LinedList"/>
-    <dgm:cxn modelId="{5862B17E-E940-47F3-BB79-2F9912591388}" type="presParOf" srcId="{D1C18762-8714-4607-B58D-8B129FFBF32F}" destId="{D7857591-CB98-40A7-9439-5A4CA61241FA}" srcOrd="9" destOrd="0" presId="urn:microsoft.com/office/officeart/2008/layout/LinedList"/>
+    <dgm:cxn modelId="{E90A7F3E-B017-4B73-9DBC-34AB3DABD060}" type="presParOf" srcId="{D1C18762-8714-4607-B58D-8B129FFBF32F}" destId="{FAB5EBFF-8C23-4798-8FF9-DB84FDA143DA}" srcOrd="6" destOrd="0" presId="urn:microsoft.com/office/officeart/2008/layout/LinedList"/>
+    <dgm:cxn modelId="{5862B17E-E940-47F3-BB79-2F9912591388}" type="presParOf" srcId="{D1C18762-8714-4607-B58D-8B129FFBF32F}" destId="{D7857591-CB98-40A7-9439-5A4CA61241FA}" srcOrd="7" destOrd="0" presId="urn:microsoft.com/office/officeart/2008/layout/LinedList"/>
     <dgm:cxn modelId="{6C99BF53-F23E-4F34-BA20-E3BE59412C31}" type="presParOf" srcId="{D7857591-CB98-40A7-9439-5A4CA61241FA}" destId="{60F3C680-50A0-4F62-BA45-4838E850C0E6}" srcOrd="0" destOrd="0" presId="urn:microsoft.com/office/officeart/2008/layout/LinedList"/>
     <dgm:cxn modelId="{3DD8D7DB-451D-4A8C-8A50-A28E4961274A}" type="presParOf" srcId="{D7857591-CB98-40A7-9439-5A4CA61241FA}" destId="{E35F8E4C-5859-46E2-AC12-39F0DE9E6E6D}" srcOrd="1" destOrd="0" presId="urn:microsoft.com/office/officeart/2008/layout/LinedList"/>
-    <dgm:cxn modelId="{7C178506-0AA9-485D-8601-2649B6CBD861}" type="presParOf" srcId="{D1C18762-8714-4607-B58D-8B129FFBF32F}" destId="{6C8A9C93-30B3-4815-A490-AB7308332F35}" srcOrd="10" destOrd="0" presId="urn:microsoft.com/office/officeart/2008/layout/LinedList"/>
-    <dgm:cxn modelId="{A663A1DD-5180-461C-9BA4-A93DF10E02C6}" type="presParOf" srcId="{D1C18762-8714-4607-B58D-8B129FFBF32F}" destId="{ACF22602-9488-49C1-8C7F-DD6BD12DE00E}" srcOrd="11" destOrd="0" presId="urn:microsoft.com/office/officeart/2008/layout/LinedList"/>
-    <dgm:cxn modelId="{97C84707-7068-4ADA-B247-969BB99EB8B7}" type="presParOf" srcId="{ACF22602-9488-49C1-8C7F-DD6BD12DE00E}" destId="{5F724F34-DDB7-4B30-A53B-A3FA19609BB5}" srcOrd="0" destOrd="0" presId="urn:microsoft.com/office/officeart/2008/layout/LinedList"/>
-    <dgm:cxn modelId="{3157CC61-5599-4E4B-818B-610C11CBEDF3}" type="presParOf" srcId="{ACF22602-9488-49C1-8C7F-DD6BD12DE00E}" destId="{7BB9A4EE-D379-44B3-AF98-D87F1DECFD3B}" srcOrd="1" destOrd="0" presId="urn:microsoft.com/office/officeart/2008/layout/LinedList"/>
-    <dgm:cxn modelId="{DFBE8E13-8A22-4095-AFB9-487CAFD344A3}" type="presParOf" srcId="{D1C18762-8714-4607-B58D-8B129FFBF32F}" destId="{2ECA5D7E-EF24-4B72-8711-A75C4358236C}" srcOrd="12" destOrd="0" presId="urn:microsoft.com/office/officeart/2008/layout/LinedList"/>
-    <dgm:cxn modelId="{204B9DFC-822E-4CE6-82F9-D53CE04F5D9D}" type="presParOf" srcId="{D1C18762-8714-4607-B58D-8B129FFBF32F}" destId="{2DF4ECA5-424C-40EC-97D2-7885822541C8}" srcOrd="13" destOrd="0" presId="urn:microsoft.com/office/officeart/2008/layout/LinedList"/>
-    <dgm:cxn modelId="{24299C66-866B-477F-B652-0C39E64192F2}" type="presParOf" srcId="{2DF4ECA5-424C-40EC-97D2-7885822541C8}" destId="{916532A1-6FAA-4507-93E5-4D437BA3B26E}" srcOrd="0" destOrd="0" presId="urn:microsoft.com/office/officeart/2008/layout/LinedList"/>
-    <dgm:cxn modelId="{30E4D969-251D-49FA-A7C1-AE14F1EEE2D9}" type="presParOf" srcId="{2DF4ECA5-424C-40EC-97D2-7885822541C8}" destId="{57A4D8E6-648E-4FD1-A217-1B58053C4F43}" srcOrd="1" destOrd="0" presId="urn:microsoft.com/office/officeart/2008/layout/LinedList"/>
-    <dgm:cxn modelId="{F706BD36-48D2-4B94-8517-E9A73227C4FF}" type="presParOf" srcId="{D1C18762-8714-4607-B58D-8B129FFBF32F}" destId="{CA32BE81-3B9A-48F5-ADE6-98AE1DB8148F}" srcOrd="14" destOrd="0" presId="urn:microsoft.com/office/officeart/2008/layout/LinedList"/>
-    <dgm:cxn modelId="{D9F1406A-D8AE-4C6C-930A-B5EA65724242}" type="presParOf" srcId="{D1C18762-8714-4607-B58D-8B129FFBF32F}" destId="{EE93F403-28B3-4379-A9CA-15279991033A}" srcOrd="15" destOrd="0" presId="urn:microsoft.com/office/officeart/2008/layout/LinedList"/>
-    <dgm:cxn modelId="{C1E2D843-9197-4F9C-8491-AE6E685773EE}" type="presParOf" srcId="{EE93F403-28B3-4379-A9CA-15279991033A}" destId="{407811F1-AE14-4B58-B4B2-BC9C792E3BCD}" srcOrd="0" destOrd="0" presId="urn:microsoft.com/office/officeart/2008/layout/LinedList"/>
-    <dgm:cxn modelId="{9FC1E623-74A4-4F5A-B973-7C0BD69A768C}" type="presParOf" srcId="{EE93F403-28B3-4379-A9CA-15279991033A}" destId="{B254512C-95EC-4784-9A63-F44A6AD7583C}" srcOrd="1" destOrd="0" presId="urn:microsoft.com/office/officeart/2008/layout/LinedList"/>
-    <dgm:cxn modelId="{762AB9FF-52F8-4AE1-A4A6-CF52561923D5}" type="presParOf" srcId="{D1C18762-8714-4607-B58D-8B129FFBF32F}" destId="{229282F4-6BE4-49C3-990C-5456E6B9C2BA}" srcOrd="16" destOrd="0" presId="urn:microsoft.com/office/officeart/2008/layout/LinedList"/>
-    <dgm:cxn modelId="{B0FB2237-3652-4408-ABA9-2A9225B5AF82}" type="presParOf" srcId="{D1C18762-8714-4607-B58D-8B129FFBF32F}" destId="{B3F7B350-6936-4312-9F2C-19988335A945}" srcOrd="17" destOrd="0" presId="urn:microsoft.com/office/officeart/2008/layout/LinedList"/>
-    <dgm:cxn modelId="{56DA3753-E59A-4D6C-844D-445175EF9BB9}" type="presParOf" srcId="{B3F7B350-6936-4312-9F2C-19988335A945}" destId="{D17E2E16-CC90-48EA-BA8C-7BDC04733392}" srcOrd="0" destOrd="0" presId="urn:microsoft.com/office/officeart/2008/layout/LinedList"/>
-    <dgm:cxn modelId="{395D7CDA-B0EF-4323-9762-38A0F99B6F71}" type="presParOf" srcId="{B3F7B350-6936-4312-9F2C-19988335A945}" destId="{8E5BD59E-8761-4721-8C40-DF76F56DA2F6}" srcOrd="1" destOrd="0" presId="urn:microsoft.com/office/officeart/2008/layout/LinedList"/>
   </dgm:cxnLst>
   <dgm:bg/>
   <dgm:whole/>
@@ -7641,8 +7362,8 @@
 <file path=ppt/diagrams/data4.xml><?xml version="1.0" encoding="utf-8"?>
 <dgm:dataModel xmlns:dgm="http://schemas.openxmlformats.org/drawingml/2006/diagram" xmlns:a="http://schemas.openxmlformats.org/drawingml/2006/main">
   <dgm:ptLst>
-    <dgm:pt modelId="{C93F5B6A-231F-416D-9728-71E4141FF2A9}" type="doc">
-      <dgm:prSet loTypeId="urn:microsoft.com/office/officeart/2005/8/layout/vList2" loCatId="list" qsTypeId="urn:microsoft.com/office/officeart/2005/8/quickstyle/simple1" qsCatId="simple" csTypeId="urn:microsoft.com/office/officeart/2005/8/colors/accent1_2" csCatId="accent1"/>
+    <dgm:pt modelId="{30676BCD-5868-43AF-957F-CBBFC3A91319}" type="doc">
+      <dgm:prSet loTypeId="urn:microsoft.com/office/officeart/2005/8/layout/vList2" loCatId="list" qsTypeId="urn:microsoft.com/office/officeart/2005/8/quickstyle/simple1" qsCatId="simple" csTypeId="urn:microsoft.com/office/officeart/2005/8/colors/accent1_2" csCatId="accent1" phldr="1"/>
       <dgm:spPr/>
       <dgm:t>
         <a:bodyPr/>
@@ -7652,266 +7373,18 @@
         </a:p>
       </dgm:t>
     </dgm:pt>
-    <dgm:pt modelId="{A1F5F391-87D5-4B70-AC6B-C0499253D31C}">
-      <dgm:prSet/>
+    <dgm:pt modelId="{46916E5D-CD6C-42E2-A6E4-5430D633666D}">
+      <dgm:prSet custT="1"/>
       <dgm:spPr/>
       <dgm:t>
         <a:bodyPr/>
         <a:lstStyle/>
         <a:p>
           <a:r>
-            <a:rPr lang="en-US" b="1" i="0"/>
-            <a:t>3. Multivariable Analysis</a:t>
+            <a:rPr lang="en-US" sz="2800" b="1" i="0" dirty="0"/>
+            <a:t>Impute Missing Data and Clean Data</a:t>
           </a:r>
-          <a:endParaRPr lang="en-US"/>
-        </a:p>
-      </dgm:t>
-    </dgm:pt>
-    <dgm:pt modelId="{A59B7B77-D7EA-4FC5-B2D3-9087DCD7E7DB}" type="parTrans" cxnId="{535B78CE-AD49-48A5-B787-F0E5B8EF63DE}">
-      <dgm:prSet/>
-      <dgm:spPr/>
-      <dgm:t>
-        <a:bodyPr/>
-        <a:lstStyle/>
-        <a:p>
-          <a:endParaRPr lang="en-US"/>
-        </a:p>
-      </dgm:t>
-    </dgm:pt>
-    <dgm:pt modelId="{B3A74F2E-E3B9-49E9-BC3B-29F2BF0EAF7C}" type="sibTrans" cxnId="{535B78CE-AD49-48A5-B787-F0E5B8EF63DE}">
-      <dgm:prSet/>
-      <dgm:spPr/>
-      <dgm:t>
-        <a:bodyPr/>
-        <a:lstStyle/>
-        <a:p>
-          <a:endParaRPr lang="en-US"/>
-        </a:p>
-      </dgm:t>
-    </dgm:pt>
-    <dgm:pt modelId="{E33A27F9-469F-4A1B-AFB8-5C572D4945CE}">
-      <dgm:prSet/>
-      <dgm:spPr/>
-      <dgm:t>
-        <a:bodyPr/>
-        <a:lstStyle/>
-        <a:p>
-          <a:r>
-            <a:rPr lang="en-US" b="0" i="0"/>
-            <a:t>Let's check out all the variables! There are two types of features in housing data, categorical and numerical.</a:t>
-          </a:r>
-          <a:endParaRPr lang="en-US"/>
-        </a:p>
-      </dgm:t>
-    </dgm:pt>
-    <dgm:pt modelId="{D172EF4C-1143-48A6-A5B6-6B7808DF3D8C}" type="parTrans" cxnId="{9B4AC2F1-5BF1-4A84-9947-B478325031FF}">
-      <dgm:prSet/>
-      <dgm:spPr/>
-      <dgm:t>
-        <a:bodyPr/>
-        <a:lstStyle/>
-        <a:p>
-          <a:endParaRPr lang="en-US"/>
-        </a:p>
-      </dgm:t>
-    </dgm:pt>
-    <dgm:pt modelId="{891D7E8F-935E-46EC-B8F9-7144DF195CC2}" type="sibTrans" cxnId="{9B4AC2F1-5BF1-4A84-9947-B478325031FF}">
-      <dgm:prSet/>
-      <dgm:spPr/>
-      <dgm:t>
-        <a:bodyPr/>
-        <a:lstStyle/>
-        <a:p>
-          <a:endParaRPr lang="en-US"/>
-        </a:p>
-      </dgm:t>
-    </dgm:pt>
-    <dgm:pt modelId="{B7B6D73A-ADEE-4554-89D9-618EEB4228A4}">
-      <dgm:prSet/>
-      <dgm:spPr/>
-      <dgm:t>
-        <a:bodyPr/>
-        <a:lstStyle/>
-        <a:p>
-          <a:r>
-            <a:rPr lang="en-US" b="0" i="0"/>
-            <a:t>Categorical data is just like it sounds. It is in categories. It isn't necessarily linear, but it follows some kind of pattern. For example, take a feature of "Downtown". The response is either "Near", "Far", "Yes", and "No". Back then, living in downtown usually meant that you couldn't afford to live in uptown. Thus, it could be implied that downtown establishments cost less to live in. However, today, that is not the case. (Thank you, hipsters!) So we can't really establish any particular order of response to be "better" or "worse" than the other.</a:t>
-          </a:r>
-          <a:endParaRPr lang="en-US"/>
-        </a:p>
-      </dgm:t>
-    </dgm:pt>
-    <dgm:pt modelId="{1552BB39-2DFD-4325-B7A2-92675BC3529C}" type="parTrans" cxnId="{9D72CF8A-8B01-4B9F-9C22-6A0300E4A328}">
-      <dgm:prSet/>
-      <dgm:spPr/>
-      <dgm:t>
-        <a:bodyPr/>
-        <a:lstStyle/>
-        <a:p>
-          <a:endParaRPr lang="en-US"/>
-        </a:p>
-      </dgm:t>
-    </dgm:pt>
-    <dgm:pt modelId="{7B0FDA60-87B0-4BA1-9129-9A92AABFE04B}" type="sibTrans" cxnId="{9D72CF8A-8B01-4B9F-9C22-6A0300E4A328}">
-      <dgm:prSet/>
-      <dgm:spPr/>
-      <dgm:t>
-        <a:bodyPr/>
-        <a:lstStyle/>
-        <a:p>
-          <a:endParaRPr lang="en-US"/>
-        </a:p>
-      </dgm:t>
-    </dgm:pt>
-    <dgm:pt modelId="{7CB4427F-5C22-4447-978D-C3A7A1D7DF5E}">
-      <dgm:prSet/>
-      <dgm:spPr/>
-      <dgm:t>
-        <a:bodyPr/>
-        <a:lstStyle/>
-        <a:p>
-          <a:r>
-            <a:rPr lang="en-US" b="0" i="0"/>
-            <a:t>Numerical data is data in number form. (Who could have thought!) These features are in a linear relationship with each other. For example, a 2,000 square foot place is 2 times "bigger" than a 1,000 square foot place. Plain and simple. Simple and clean.</a:t>
-          </a:r>
-          <a:endParaRPr lang="en-US"/>
-        </a:p>
-      </dgm:t>
-    </dgm:pt>
-    <dgm:pt modelId="{804D1B26-299F-4F2E-8BB1-443A4EA8EC02}" type="parTrans" cxnId="{FCB7D1BD-9E2B-4D71-A861-1B10A2F71325}">
-      <dgm:prSet/>
-      <dgm:spPr/>
-      <dgm:t>
-        <a:bodyPr/>
-        <a:lstStyle/>
-        <a:p>
-          <a:endParaRPr lang="en-US"/>
-        </a:p>
-      </dgm:t>
-    </dgm:pt>
-    <dgm:pt modelId="{338976FB-21B6-41A3-BEBF-0F09D260246D}" type="sibTrans" cxnId="{FCB7D1BD-9E2B-4D71-A861-1B10A2F71325}">
-      <dgm:prSet/>
-      <dgm:spPr/>
-      <dgm:t>
-        <a:bodyPr/>
-        <a:lstStyle/>
-        <a:p>
-          <a:endParaRPr lang="en-US"/>
-        </a:p>
-      </dgm:t>
-    </dgm:pt>
-    <dgm:pt modelId="{70988861-3815-476E-9A40-8B0B7F217588}" type="pres">
-      <dgm:prSet presAssocID="{C93F5B6A-231F-416D-9728-71E4141FF2A9}" presName="linear" presStyleCnt="0">
-        <dgm:presLayoutVars>
-          <dgm:animLvl val="lvl"/>
-          <dgm:resizeHandles val="exact"/>
-        </dgm:presLayoutVars>
-      </dgm:prSet>
-      <dgm:spPr/>
-    </dgm:pt>
-    <dgm:pt modelId="{2FBCCD87-C22E-4060-94BB-A913FC5075E7}" type="pres">
-      <dgm:prSet presAssocID="{A1F5F391-87D5-4B70-AC6B-C0499253D31C}" presName="parentText" presStyleLbl="node1" presStyleIdx="0" presStyleCnt="4">
-        <dgm:presLayoutVars>
-          <dgm:chMax val="0"/>
-          <dgm:bulletEnabled val="1"/>
-        </dgm:presLayoutVars>
-      </dgm:prSet>
-      <dgm:spPr/>
-    </dgm:pt>
-    <dgm:pt modelId="{CCB81D2D-2651-4540-8660-C9F73376C701}" type="pres">
-      <dgm:prSet presAssocID="{B3A74F2E-E3B9-49E9-BC3B-29F2BF0EAF7C}" presName="spacer" presStyleCnt="0"/>
-      <dgm:spPr/>
-    </dgm:pt>
-    <dgm:pt modelId="{78C776C2-2F6E-4E81-A07E-13393B021E6E}" type="pres">
-      <dgm:prSet presAssocID="{E33A27F9-469F-4A1B-AFB8-5C572D4945CE}" presName="parentText" presStyleLbl="node1" presStyleIdx="1" presStyleCnt="4">
-        <dgm:presLayoutVars>
-          <dgm:chMax val="0"/>
-          <dgm:bulletEnabled val="1"/>
-        </dgm:presLayoutVars>
-      </dgm:prSet>
-      <dgm:spPr/>
-    </dgm:pt>
-    <dgm:pt modelId="{F83DCFC6-C0FA-405A-A729-7B604AED3233}" type="pres">
-      <dgm:prSet presAssocID="{891D7E8F-935E-46EC-B8F9-7144DF195CC2}" presName="spacer" presStyleCnt="0"/>
-      <dgm:spPr/>
-    </dgm:pt>
-    <dgm:pt modelId="{AD31426F-D732-4BE5-BA45-D7B0F9270F3A}" type="pres">
-      <dgm:prSet presAssocID="{B7B6D73A-ADEE-4554-89D9-618EEB4228A4}" presName="parentText" presStyleLbl="node1" presStyleIdx="2" presStyleCnt="4">
-        <dgm:presLayoutVars>
-          <dgm:chMax val="0"/>
-          <dgm:bulletEnabled val="1"/>
-        </dgm:presLayoutVars>
-      </dgm:prSet>
-      <dgm:spPr/>
-    </dgm:pt>
-    <dgm:pt modelId="{5E83D291-8629-4AC3-AC33-CF38A62D572B}" type="pres">
-      <dgm:prSet presAssocID="{7B0FDA60-87B0-4BA1-9129-9A92AABFE04B}" presName="spacer" presStyleCnt="0"/>
-      <dgm:spPr/>
-    </dgm:pt>
-    <dgm:pt modelId="{86793850-2512-464C-8F56-CF7A484BF15E}" type="pres">
-      <dgm:prSet presAssocID="{7CB4427F-5C22-4447-978D-C3A7A1D7DF5E}" presName="parentText" presStyleLbl="node1" presStyleIdx="3" presStyleCnt="4">
-        <dgm:presLayoutVars>
-          <dgm:chMax val="0"/>
-          <dgm:bulletEnabled val="1"/>
-        </dgm:presLayoutVars>
-      </dgm:prSet>
-      <dgm:spPr/>
-    </dgm:pt>
-  </dgm:ptLst>
-  <dgm:cxnLst>
-    <dgm:cxn modelId="{CCF6A835-9638-46B2-AE96-5F183E3CB1E8}" type="presOf" srcId="{E33A27F9-469F-4A1B-AFB8-5C572D4945CE}" destId="{78C776C2-2F6E-4E81-A07E-13393B021E6E}" srcOrd="0" destOrd="0" presId="urn:microsoft.com/office/officeart/2005/8/layout/vList2"/>
-    <dgm:cxn modelId="{9D72CF8A-8B01-4B9F-9C22-6A0300E4A328}" srcId="{C93F5B6A-231F-416D-9728-71E4141FF2A9}" destId="{B7B6D73A-ADEE-4554-89D9-618EEB4228A4}" srcOrd="2" destOrd="0" parTransId="{1552BB39-2DFD-4325-B7A2-92675BC3529C}" sibTransId="{7B0FDA60-87B0-4BA1-9129-9A92AABFE04B}"/>
-    <dgm:cxn modelId="{599CFB8B-6643-455D-B861-2BB1DBB5626E}" type="presOf" srcId="{C93F5B6A-231F-416D-9728-71E4141FF2A9}" destId="{70988861-3815-476E-9A40-8B0B7F217588}" srcOrd="0" destOrd="0" presId="urn:microsoft.com/office/officeart/2005/8/layout/vList2"/>
-    <dgm:cxn modelId="{FCB7D1BD-9E2B-4D71-A861-1B10A2F71325}" srcId="{C93F5B6A-231F-416D-9728-71E4141FF2A9}" destId="{7CB4427F-5C22-4447-978D-C3A7A1D7DF5E}" srcOrd="3" destOrd="0" parTransId="{804D1B26-299F-4F2E-8BB1-443A4EA8EC02}" sibTransId="{338976FB-21B6-41A3-BEBF-0F09D260246D}"/>
-    <dgm:cxn modelId="{C7292DBF-058C-415B-8554-795333D4C53F}" type="presOf" srcId="{B7B6D73A-ADEE-4554-89D9-618EEB4228A4}" destId="{AD31426F-D732-4BE5-BA45-D7B0F9270F3A}" srcOrd="0" destOrd="0" presId="urn:microsoft.com/office/officeart/2005/8/layout/vList2"/>
-    <dgm:cxn modelId="{535B78CE-AD49-48A5-B787-F0E5B8EF63DE}" srcId="{C93F5B6A-231F-416D-9728-71E4141FF2A9}" destId="{A1F5F391-87D5-4B70-AC6B-C0499253D31C}" srcOrd="0" destOrd="0" parTransId="{A59B7B77-D7EA-4FC5-B2D3-9087DCD7E7DB}" sibTransId="{B3A74F2E-E3B9-49E9-BC3B-29F2BF0EAF7C}"/>
-    <dgm:cxn modelId="{B2796DE8-B7E6-41EF-B916-7C843EAE91B8}" type="presOf" srcId="{7CB4427F-5C22-4447-978D-C3A7A1D7DF5E}" destId="{86793850-2512-464C-8F56-CF7A484BF15E}" srcOrd="0" destOrd="0" presId="urn:microsoft.com/office/officeart/2005/8/layout/vList2"/>
-    <dgm:cxn modelId="{C9F784E9-1288-4B68-B52B-EC12AB65FA87}" type="presOf" srcId="{A1F5F391-87D5-4B70-AC6B-C0499253D31C}" destId="{2FBCCD87-C22E-4060-94BB-A913FC5075E7}" srcOrd="0" destOrd="0" presId="urn:microsoft.com/office/officeart/2005/8/layout/vList2"/>
-    <dgm:cxn modelId="{9B4AC2F1-5BF1-4A84-9947-B478325031FF}" srcId="{C93F5B6A-231F-416D-9728-71E4141FF2A9}" destId="{E33A27F9-469F-4A1B-AFB8-5C572D4945CE}" srcOrd="1" destOrd="0" parTransId="{D172EF4C-1143-48A6-A5B6-6B7808DF3D8C}" sibTransId="{891D7E8F-935E-46EC-B8F9-7144DF195CC2}"/>
-    <dgm:cxn modelId="{8C6DBFCD-808D-45C9-B027-8DCFB1E3B409}" type="presParOf" srcId="{70988861-3815-476E-9A40-8B0B7F217588}" destId="{2FBCCD87-C22E-4060-94BB-A913FC5075E7}" srcOrd="0" destOrd="0" presId="urn:microsoft.com/office/officeart/2005/8/layout/vList2"/>
-    <dgm:cxn modelId="{6B6A9242-6F1E-4774-933C-7ADBBDCAF9C4}" type="presParOf" srcId="{70988861-3815-476E-9A40-8B0B7F217588}" destId="{CCB81D2D-2651-4540-8660-C9F73376C701}" srcOrd="1" destOrd="0" presId="urn:microsoft.com/office/officeart/2005/8/layout/vList2"/>
-    <dgm:cxn modelId="{2822F0D2-95A8-43DB-A227-1BF5222BFCEF}" type="presParOf" srcId="{70988861-3815-476E-9A40-8B0B7F217588}" destId="{78C776C2-2F6E-4E81-A07E-13393B021E6E}" srcOrd="2" destOrd="0" presId="urn:microsoft.com/office/officeart/2005/8/layout/vList2"/>
-    <dgm:cxn modelId="{9025F1CB-4804-4303-B086-5726B6D270B8}" type="presParOf" srcId="{70988861-3815-476E-9A40-8B0B7F217588}" destId="{F83DCFC6-C0FA-405A-A729-7B604AED3233}" srcOrd="3" destOrd="0" presId="urn:microsoft.com/office/officeart/2005/8/layout/vList2"/>
-    <dgm:cxn modelId="{AC4D8751-D6FC-47EC-96EB-96098D147309}" type="presParOf" srcId="{70988861-3815-476E-9A40-8B0B7F217588}" destId="{AD31426F-D732-4BE5-BA45-D7B0F9270F3A}" srcOrd="4" destOrd="0" presId="urn:microsoft.com/office/officeart/2005/8/layout/vList2"/>
-    <dgm:cxn modelId="{5E898B75-9E4F-42B8-B81D-C919196A6BDB}" type="presParOf" srcId="{70988861-3815-476E-9A40-8B0B7F217588}" destId="{5E83D291-8629-4AC3-AC33-CF38A62D572B}" srcOrd="5" destOrd="0" presId="urn:microsoft.com/office/officeart/2005/8/layout/vList2"/>
-    <dgm:cxn modelId="{C8F01651-F3BF-4929-B3E5-0D334EC763FA}" type="presParOf" srcId="{70988861-3815-476E-9A40-8B0B7F217588}" destId="{86793850-2512-464C-8F56-CF7A484BF15E}" srcOrd="6" destOrd="0" presId="urn:microsoft.com/office/officeart/2005/8/layout/vList2"/>
-  </dgm:cxnLst>
-  <dgm:bg/>
-  <dgm:whole/>
-  <dgm:extLst>
-    <a:ext uri="http://schemas.microsoft.com/office/drawing/2008/diagram">
-      <dsp:dataModelExt xmlns:dsp="http://schemas.microsoft.com/office/drawing/2008/diagram" relId="rId6" minVer="http://schemas.openxmlformats.org/drawingml/2006/diagram"/>
-    </a:ext>
-  </dgm:extLst>
-</dgm:dataModel>
-</file>
-
-<file path=ppt/diagrams/data5.xml><?xml version="1.0" encoding="utf-8"?>
-<dgm:dataModel xmlns:dgm="http://schemas.openxmlformats.org/drawingml/2006/diagram" xmlns:a="http://schemas.openxmlformats.org/drawingml/2006/main">
-  <dgm:ptLst>
-    <dgm:pt modelId="{30676BCD-5868-43AF-957F-CBBFC3A91319}" type="doc">
-      <dgm:prSet loTypeId="urn:microsoft.com/office/officeart/2005/8/layout/vList2" loCatId="list" qsTypeId="urn:microsoft.com/office/officeart/2005/8/quickstyle/simple1" qsCatId="simple" csTypeId="urn:microsoft.com/office/officeart/2005/8/colors/accent1_2" csCatId="accent1"/>
-      <dgm:spPr/>
-      <dgm:t>
-        <a:bodyPr/>
-        <a:lstStyle/>
-        <a:p>
-          <a:endParaRPr lang="en-US"/>
-        </a:p>
-      </dgm:t>
-    </dgm:pt>
-    <dgm:pt modelId="{46916E5D-CD6C-42E2-A6E4-5430D633666D}">
-      <dgm:prSet/>
-      <dgm:spPr/>
-      <dgm:t>
-        <a:bodyPr/>
-        <a:lstStyle/>
-        <a:p>
-          <a:r>
-            <a:rPr lang="en-US" b="1" i="0"/>
-            <a:t>4. Impute Missing Data and Clean Data</a:t>
-          </a:r>
-          <a:endParaRPr lang="en-US"/>
+          <a:endParaRPr lang="en-US" sz="2800" dirty="0"/>
         </a:p>
       </dgm:t>
     </dgm:pt>
@@ -8056,10 +7529,10 @@
         <a:lstStyle/>
         <a:p>
           <a:r>
-            <a:rPr lang="en-US" b="0" i="0"/>
+            <a:rPr lang="en-US" b="0" i="0" dirty="0"/>
             <a:t>The answer to these questions is important for practical reasons because missing data can imply a reduction of the sample size. This can prevent us from proceeding with the analysis. Moreover, from a substantive perspective, we need to ensure that the missing data process is not biased and hiding an inconvenient truth.</a:t>
           </a:r>
-          <a:endParaRPr lang="en-US"/>
+          <a:endParaRPr lang="en-US" dirty="0"/>
         </a:p>
       </dgm:t>
     </dgm:pt>
@@ -8242,11 +7715,11 @@
 </dgm:dataModel>
 </file>
 
-<file path=ppt/diagrams/data6.xml><?xml version="1.0" encoding="utf-8"?>
+<file path=ppt/diagrams/data5.xml><?xml version="1.0" encoding="utf-8"?>
 <dgm:dataModel xmlns:dgm="http://schemas.openxmlformats.org/drawingml/2006/diagram" xmlns:a="http://schemas.openxmlformats.org/drawingml/2006/main">
   <dgm:ptLst>
     <dgm:pt modelId="{42FEBA49-F01D-43CF-A256-A211EFA6CFBE}" type="doc">
-      <dgm:prSet loTypeId="urn:microsoft.com/office/officeart/2005/8/layout/vList2" loCatId="list" qsTypeId="urn:microsoft.com/office/officeart/2005/8/quickstyle/simple1" qsCatId="simple" csTypeId="urn:microsoft.com/office/officeart/2005/8/colors/accent1_2" csCatId="accent1"/>
+      <dgm:prSet loTypeId="urn:microsoft.com/office/officeart/2005/8/layout/vList2" loCatId="list" qsTypeId="urn:microsoft.com/office/officeart/2005/8/quickstyle/simple1" qsCatId="simple" csTypeId="urn:microsoft.com/office/officeart/2005/8/colors/accent1_2" csCatId="accent1" phldr="1"/>
       <dgm:spPr/>
       <dgm:t>
         <a:bodyPr/>
@@ -8257,17 +7730,17 @@
       </dgm:t>
     </dgm:pt>
     <dgm:pt modelId="{E877CBF4-02A9-46C1-97BB-031FB309E98A}">
-      <dgm:prSet/>
+      <dgm:prSet custT="1"/>
       <dgm:spPr/>
       <dgm:t>
         <a:bodyPr/>
         <a:lstStyle/>
         <a:p>
           <a:r>
-            <a:rPr lang="en-US" b="1" i="0"/>
-            <a:t>5. Feature Transformation/Engineering</a:t>
+            <a:rPr lang="en-US" sz="2800" b="1" i="0" dirty="0"/>
+            <a:t>Feature Transformation/Engineering</a:t>
           </a:r>
-          <a:endParaRPr lang="en-US"/>
+          <a:endParaRPr lang="en-US" sz="2800" dirty="0"/>
         </a:p>
       </dgm:t>
     </dgm:pt>
@@ -8478,153 +7951,6 @@
         </a:p>
       </dgm:t>
     </dgm:pt>
-    <dgm:pt modelId="{17EB7B5D-27E7-4BF2-8AED-51E4DDF1BDE4}">
-      <dgm:prSet/>
-      <dgm:spPr/>
-      <dgm:t>
-        <a:bodyPr/>
-        <a:lstStyle/>
-        <a:p>
-          <a:r>
-            <a:rPr lang="en-US" b="0" i="0"/>
-            <a:t>45 1-1/2 STORY - UNFINISHED ALL AGES</a:t>
-          </a:r>
-          <a:endParaRPr lang="en-US"/>
-        </a:p>
-      </dgm:t>
-    </dgm:pt>
-    <dgm:pt modelId="{025F879D-4CA0-44DB-8CBA-9B89828EFF19}" type="parTrans" cxnId="{3F845BE1-D4D3-4BD0-B494-D38C210A9F92}">
-      <dgm:prSet/>
-      <dgm:spPr/>
-      <dgm:t>
-        <a:bodyPr/>
-        <a:lstStyle/>
-        <a:p>
-          <a:endParaRPr lang="en-US"/>
-        </a:p>
-      </dgm:t>
-    </dgm:pt>
-    <dgm:pt modelId="{8962AC2B-AA64-403F-B1A7-388702F60A9E}" type="sibTrans" cxnId="{3F845BE1-D4D3-4BD0-B494-D38C210A9F92}">
-      <dgm:prSet/>
-      <dgm:spPr/>
-      <dgm:t>
-        <a:bodyPr/>
-        <a:lstStyle/>
-        <a:p>
-          <a:endParaRPr lang="en-US"/>
-        </a:p>
-      </dgm:t>
-    </dgm:pt>
-    <dgm:pt modelId="{7DE48444-0C93-41B0-A55A-50F9012F4F0F}">
-      <dgm:prSet/>
-      <dgm:spPr/>
-      <dgm:t>
-        <a:bodyPr/>
-        <a:lstStyle/>
-        <a:p>
-          <a:r>
-            <a:rPr lang="en-US" b="0" i="0"/>
-            <a:t>50 1-1/2 STORY FINISHED ALL AGES</a:t>
-          </a:r>
-          <a:endParaRPr lang="en-US"/>
-        </a:p>
-      </dgm:t>
-    </dgm:pt>
-    <dgm:pt modelId="{CCBE74E3-64D5-4EE1-B2CE-76A2A4AC6081}" type="parTrans" cxnId="{F28BA336-A355-46CC-A752-633B4C98EFAD}">
-      <dgm:prSet/>
-      <dgm:spPr/>
-      <dgm:t>
-        <a:bodyPr/>
-        <a:lstStyle/>
-        <a:p>
-          <a:endParaRPr lang="en-US"/>
-        </a:p>
-      </dgm:t>
-    </dgm:pt>
-    <dgm:pt modelId="{FC388143-C64E-43B4-B7A7-00A28C49E64F}" type="sibTrans" cxnId="{F28BA336-A355-46CC-A752-633B4C98EFAD}">
-      <dgm:prSet/>
-      <dgm:spPr/>
-      <dgm:t>
-        <a:bodyPr/>
-        <a:lstStyle/>
-        <a:p>
-          <a:endParaRPr lang="en-US"/>
-        </a:p>
-      </dgm:t>
-    </dgm:pt>
-    <dgm:pt modelId="{5DCC82DF-D800-44B4-B8B1-E28AE53E2741}">
-      <dgm:prSet/>
-      <dgm:spPr/>
-      <dgm:t>
-        <a:bodyPr/>
-        <a:lstStyle/>
-        <a:p>
-          <a:r>
-            <a:rPr lang="en-US" b="0" i="0"/>
-            <a:t>So, the average is a 57 type. What does that mean? Is a 90 type 3 times better than a 30 type? This feature was interpreted as numerical when it is actually categorical. The types listed here are codes, not values. Thus, we need to feature transformation with this and many other features.</a:t>
-          </a:r>
-          <a:endParaRPr lang="en-US"/>
-        </a:p>
-      </dgm:t>
-    </dgm:pt>
-    <dgm:pt modelId="{CD6EB10A-FB54-4151-8F6A-D519D6418DEE}" type="parTrans" cxnId="{1B5726B6-5FFF-4872-918E-B95395510734}">
-      <dgm:prSet/>
-      <dgm:spPr/>
-      <dgm:t>
-        <a:bodyPr/>
-        <a:lstStyle/>
-        <a:p>
-          <a:endParaRPr lang="en-US"/>
-        </a:p>
-      </dgm:t>
-    </dgm:pt>
-    <dgm:pt modelId="{D67B7231-DD5F-4842-AA2F-2628748D8474}" type="sibTrans" cxnId="{1B5726B6-5FFF-4872-918E-B95395510734}">
-      <dgm:prSet/>
-      <dgm:spPr/>
-      <dgm:t>
-        <a:bodyPr/>
-        <a:lstStyle/>
-        <a:p>
-          <a:endParaRPr lang="en-US"/>
-        </a:p>
-      </dgm:t>
-    </dgm:pt>
-    <dgm:pt modelId="{C21C91D9-5816-4CC2-B919-0EE6558702FC}">
-      <dgm:prSet/>
-      <dgm:spPr/>
-      <dgm:t>
-        <a:bodyPr/>
-        <a:lstStyle/>
-        <a:p>
-          <a:r>
-            <a:rPr lang="en-US"/>
-            <a:t>Make it a string (categorical)</a:t>
-          </a:r>
-        </a:p>
-      </dgm:t>
-    </dgm:pt>
-    <dgm:pt modelId="{D37A2F03-CE8F-4D3B-8A5C-151E3FDBD759}" type="parTrans" cxnId="{1F3A2F12-4707-4315-9AB3-1538E05E5EE8}">
-      <dgm:prSet/>
-      <dgm:spPr/>
-      <dgm:t>
-        <a:bodyPr/>
-        <a:lstStyle/>
-        <a:p>
-          <a:endParaRPr lang="en-US"/>
-        </a:p>
-      </dgm:t>
-    </dgm:pt>
-    <dgm:pt modelId="{5551BEB3-BCFD-4635-BBD4-F789255119AE}" type="sibTrans" cxnId="{1F3A2F12-4707-4315-9AB3-1538E05E5EE8}">
-      <dgm:prSet/>
-      <dgm:spPr/>
-      <dgm:t>
-        <a:bodyPr/>
-        <a:lstStyle/>
-        <a:p>
-          <a:endParaRPr lang="en-US"/>
-        </a:p>
-      </dgm:t>
-    </dgm:pt>
     <dgm:pt modelId="{93999C8F-BFC4-49F8-A60E-6B8E95D704DD}" type="pres">
       <dgm:prSet presAssocID="{42FEBA49-F01D-43CF-A256-A211EFA6CFBE}" presName="linear" presStyleCnt="0">
         <dgm:presLayoutVars>
@@ -8635,7 +7961,7 @@
       <dgm:spPr/>
     </dgm:pt>
     <dgm:pt modelId="{C8ECF35D-2BE7-461C-AB42-72B669EC16E3}" type="pres">
-      <dgm:prSet presAssocID="{E877CBF4-02A9-46C1-97BB-031FB309E98A}" presName="parentText" presStyleLbl="node1" presStyleIdx="0" presStyleCnt="10">
+      <dgm:prSet presAssocID="{E877CBF4-02A9-46C1-97BB-031FB309E98A}" presName="parentText" presStyleLbl="node1" presStyleIdx="0" presStyleCnt="6">
         <dgm:presLayoutVars>
           <dgm:chMax val="0"/>
           <dgm:bulletEnabled val="1"/>
@@ -8648,7 +7974,7 @@
       <dgm:spPr/>
     </dgm:pt>
     <dgm:pt modelId="{96E103A5-AE33-4EF2-B319-BE097F7F4612}" type="pres">
-      <dgm:prSet presAssocID="{8B46D8F9-888C-4B22-9C1F-20E194839D65}" presName="parentText" presStyleLbl="node1" presStyleIdx="1" presStyleCnt="10">
+      <dgm:prSet presAssocID="{8B46D8F9-888C-4B22-9C1F-20E194839D65}" presName="parentText" presStyleLbl="node1" presStyleIdx="1" presStyleCnt="6">
         <dgm:presLayoutVars>
           <dgm:chMax val="0"/>
           <dgm:bulletEnabled val="1"/>
@@ -8661,7 +7987,7 @@
       <dgm:spPr/>
     </dgm:pt>
     <dgm:pt modelId="{0EA589F7-DF05-42EA-9960-A22B9826A982}" type="pres">
-      <dgm:prSet presAssocID="{11A468E4-0A27-46F2-9804-21CCD9BF786E}" presName="parentText" presStyleLbl="node1" presStyleIdx="2" presStyleCnt="10">
+      <dgm:prSet presAssocID="{11A468E4-0A27-46F2-9804-21CCD9BF786E}" presName="parentText" presStyleLbl="node1" presStyleIdx="2" presStyleCnt="6">
         <dgm:presLayoutVars>
           <dgm:chMax val="0"/>
           <dgm:bulletEnabled val="1"/>
@@ -8674,7 +8000,7 @@
       <dgm:spPr/>
     </dgm:pt>
     <dgm:pt modelId="{6FEF0670-6E24-4A10-8A4E-65F634C3DD75}" type="pres">
-      <dgm:prSet presAssocID="{A9E63369-DF01-477A-A362-8937495B1695}" presName="parentText" presStyleLbl="node1" presStyleIdx="3" presStyleCnt="10">
+      <dgm:prSet presAssocID="{A9E63369-DF01-477A-A362-8937495B1695}" presName="parentText" presStyleLbl="node1" presStyleIdx="3" presStyleCnt="6">
         <dgm:presLayoutVars>
           <dgm:chMax val="0"/>
           <dgm:bulletEnabled val="1"/>
@@ -8687,7 +8013,7 @@
       <dgm:spPr/>
     </dgm:pt>
     <dgm:pt modelId="{A079DF4C-B73E-44A8-9FFE-BE13DC3C5BFE}" type="pres">
-      <dgm:prSet presAssocID="{2AE59275-F62F-4508-8F28-66CCE05B1D6A}" presName="parentText" presStyleLbl="node1" presStyleIdx="4" presStyleCnt="10">
+      <dgm:prSet presAssocID="{2AE59275-F62F-4508-8F28-66CCE05B1D6A}" presName="parentText" presStyleLbl="node1" presStyleIdx="4" presStyleCnt="6">
         <dgm:presLayoutVars>
           <dgm:chMax val="0"/>
           <dgm:bulletEnabled val="1"/>
@@ -8700,7 +8026,7 @@
       <dgm:spPr/>
     </dgm:pt>
     <dgm:pt modelId="{F6F515DF-432D-45D0-8782-9743F35FFA0A}" type="pres">
-      <dgm:prSet presAssocID="{5DCE94FC-905E-4D69-A065-6564EF53E11D}" presName="parentText" presStyleLbl="node1" presStyleIdx="5" presStyleCnt="10">
+      <dgm:prSet presAssocID="{5DCE94FC-905E-4D69-A065-6564EF53E11D}" presName="parentText" presStyleLbl="node1" presStyleIdx="5" presStyleCnt="6">
         <dgm:presLayoutVars>
           <dgm:chMax val="0"/>
           <dgm:bulletEnabled val="1"/>
@@ -8708,79 +8034,19 @@
       </dgm:prSet>
       <dgm:spPr/>
     </dgm:pt>
-    <dgm:pt modelId="{A826CD92-8B66-420B-897B-C72B175AF3D2}" type="pres">
-      <dgm:prSet presAssocID="{BEA27F59-9CDE-498D-B826-CACD61EFAA2D}" presName="spacer" presStyleCnt="0"/>
-      <dgm:spPr/>
-    </dgm:pt>
-    <dgm:pt modelId="{FEE049F3-BD2F-437F-9FCC-29AD5CB9049F}" type="pres">
-      <dgm:prSet presAssocID="{17EB7B5D-27E7-4BF2-8AED-51E4DDF1BDE4}" presName="parentText" presStyleLbl="node1" presStyleIdx="6" presStyleCnt="10">
-        <dgm:presLayoutVars>
-          <dgm:chMax val="0"/>
-          <dgm:bulletEnabled val="1"/>
-        </dgm:presLayoutVars>
-      </dgm:prSet>
-      <dgm:spPr/>
-    </dgm:pt>
-    <dgm:pt modelId="{D956D69C-BB1A-49F7-A315-DECC9462C605}" type="pres">
-      <dgm:prSet presAssocID="{8962AC2B-AA64-403F-B1A7-388702F60A9E}" presName="spacer" presStyleCnt="0"/>
-      <dgm:spPr/>
-    </dgm:pt>
-    <dgm:pt modelId="{637E642D-1278-4EED-B2C3-3DB2E38E6942}" type="pres">
-      <dgm:prSet presAssocID="{7DE48444-0C93-41B0-A55A-50F9012F4F0F}" presName="parentText" presStyleLbl="node1" presStyleIdx="7" presStyleCnt="10">
-        <dgm:presLayoutVars>
-          <dgm:chMax val="0"/>
-          <dgm:bulletEnabled val="1"/>
-        </dgm:presLayoutVars>
-      </dgm:prSet>
-      <dgm:spPr/>
-    </dgm:pt>
-    <dgm:pt modelId="{90F8E121-268A-4E9B-AF77-F492189AC806}" type="pres">
-      <dgm:prSet presAssocID="{FC388143-C64E-43B4-B7A7-00A28C49E64F}" presName="spacer" presStyleCnt="0"/>
-      <dgm:spPr/>
-    </dgm:pt>
-    <dgm:pt modelId="{66C7FF95-8AD8-49D7-BDC7-E47CFC5BEB76}" type="pres">
-      <dgm:prSet presAssocID="{5DCC82DF-D800-44B4-B8B1-E28AE53E2741}" presName="parentText" presStyleLbl="node1" presStyleIdx="8" presStyleCnt="10">
-        <dgm:presLayoutVars>
-          <dgm:chMax val="0"/>
-          <dgm:bulletEnabled val="1"/>
-        </dgm:presLayoutVars>
-      </dgm:prSet>
-      <dgm:spPr/>
-    </dgm:pt>
-    <dgm:pt modelId="{F51BA0A7-A053-4BC2-B1D9-C8B2DCA454B9}" type="pres">
-      <dgm:prSet presAssocID="{D67B7231-DD5F-4842-AA2F-2628748D8474}" presName="spacer" presStyleCnt="0"/>
-      <dgm:spPr/>
-    </dgm:pt>
-    <dgm:pt modelId="{8F69C2E4-7F4F-47F7-8AC4-19EC206E56DA}" type="pres">
-      <dgm:prSet presAssocID="{C21C91D9-5816-4CC2-B919-0EE6558702FC}" presName="parentText" presStyleLbl="node1" presStyleIdx="9" presStyleCnt="10">
-        <dgm:presLayoutVars>
-          <dgm:chMax val="0"/>
-          <dgm:bulletEnabled val="1"/>
-        </dgm:presLayoutVars>
-      </dgm:prSet>
-      <dgm:spPr/>
-    </dgm:pt>
   </dgm:ptLst>
   <dgm:cxnLst>
-    <dgm:cxn modelId="{1F3A2F12-4707-4315-9AB3-1538E05E5EE8}" srcId="{42FEBA49-F01D-43CF-A256-A211EFA6CFBE}" destId="{C21C91D9-5816-4CC2-B919-0EE6558702FC}" srcOrd="9" destOrd="0" parTransId="{D37A2F03-CE8F-4D3B-8A5C-151E3FDBD759}" sibTransId="{5551BEB3-BCFD-4635-BBD4-F789255119AE}"/>
     <dgm:cxn modelId="{6CB0AF20-A1E7-4AF0-AC8B-6FE6766C434B}" srcId="{42FEBA49-F01D-43CF-A256-A211EFA6CFBE}" destId="{A9E63369-DF01-477A-A362-8937495B1695}" srcOrd="3" destOrd="0" parTransId="{4F83EA4F-3051-4A6F-B173-9D80D41ABAAC}" sibTransId="{91FA5DCF-471E-4F0C-9AB0-DDF3AA5A39C4}"/>
-    <dgm:cxn modelId="{ECA63421-7145-499E-99D3-371459D4EEA1}" type="presOf" srcId="{17EB7B5D-27E7-4BF2-8AED-51E4DDF1BDE4}" destId="{FEE049F3-BD2F-437F-9FCC-29AD5CB9049F}" srcOrd="0" destOrd="0" presId="urn:microsoft.com/office/officeart/2005/8/layout/vList2"/>
-    <dgm:cxn modelId="{3578052A-2172-4D38-8ADE-425D4333C72E}" type="presOf" srcId="{C21C91D9-5816-4CC2-B919-0EE6558702FC}" destId="{8F69C2E4-7F4F-47F7-8AC4-19EC206E56DA}" srcOrd="0" destOrd="0" presId="urn:microsoft.com/office/officeart/2005/8/layout/vList2"/>
     <dgm:cxn modelId="{3D044731-82CE-446E-B7FC-7CF5116D3CA2}" type="presOf" srcId="{E877CBF4-02A9-46C1-97BB-031FB309E98A}" destId="{C8ECF35D-2BE7-461C-AB42-72B669EC16E3}" srcOrd="0" destOrd="0" presId="urn:microsoft.com/office/officeart/2005/8/layout/vList2"/>
-    <dgm:cxn modelId="{F28BA336-A355-46CC-A752-633B4C98EFAD}" srcId="{42FEBA49-F01D-43CF-A256-A211EFA6CFBE}" destId="{7DE48444-0C93-41B0-A55A-50F9012F4F0F}" srcOrd="7" destOrd="0" parTransId="{CCBE74E3-64D5-4EE1-B2CE-76A2A4AC6081}" sibTransId="{FC388143-C64E-43B4-B7A7-00A28C49E64F}"/>
     <dgm:cxn modelId="{06903171-A4A4-436F-84DB-3B6F51945EEC}" srcId="{42FEBA49-F01D-43CF-A256-A211EFA6CFBE}" destId="{E877CBF4-02A9-46C1-97BB-031FB309E98A}" srcOrd="0" destOrd="0" parTransId="{DA08B96A-DAE8-4FE3-87FD-7CD514544B52}" sibTransId="{A3E945E3-62A2-4FC4-927D-771B0D0949B7}"/>
-    <dgm:cxn modelId="{AD754B77-F269-449D-B7AF-0D03B3857486}" type="presOf" srcId="{7DE48444-0C93-41B0-A55A-50F9012F4F0F}" destId="{637E642D-1278-4EED-B2C3-3DB2E38E6942}" srcOrd="0" destOrd="0" presId="urn:microsoft.com/office/officeart/2005/8/layout/vList2"/>
     <dgm:cxn modelId="{80CD157F-76C8-4442-AC44-A2D696F7BB36}" type="presOf" srcId="{42FEBA49-F01D-43CF-A256-A211EFA6CFBE}" destId="{93999C8F-BFC4-49F8-A60E-6B8E95D704DD}" srcOrd="0" destOrd="0" presId="urn:microsoft.com/office/officeart/2005/8/layout/vList2"/>
-    <dgm:cxn modelId="{5B7B7492-7D36-45E9-9CCC-DA75337729E4}" type="presOf" srcId="{5DCC82DF-D800-44B4-B8B1-E28AE53E2741}" destId="{66C7FF95-8AD8-49D7-BDC7-E47CFC5BEB76}" srcOrd="0" destOrd="0" presId="urn:microsoft.com/office/officeart/2005/8/layout/vList2"/>
     <dgm:cxn modelId="{B66B309F-C22E-497B-B5B0-DDD6B45327CB}" srcId="{42FEBA49-F01D-43CF-A256-A211EFA6CFBE}" destId="{5DCE94FC-905E-4D69-A065-6564EF53E11D}" srcOrd="5" destOrd="0" parTransId="{A34BB698-987C-4832-AE0B-BE379EE53EB0}" sibTransId="{BEA27F59-9CDE-498D-B826-CACD61EFAA2D}"/>
     <dgm:cxn modelId="{2F8EABAB-4A3E-4278-AA0B-83C3498F8C8A}" type="presOf" srcId="{11A468E4-0A27-46F2-9804-21CCD9BF786E}" destId="{0EA589F7-DF05-42EA-9960-A22B9826A982}" srcOrd="0" destOrd="0" presId="urn:microsoft.com/office/officeart/2005/8/layout/vList2"/>
     <dgm:cxn modelId="{20BF49B5-1581-4D22-8923-A2B68C9A74CB}" type="presOf" srcId="{8B46D8F9-888C-4B22-9C1F-20E194839D65}" destId="{96E103A5-AE33-4EF2-B319-BE097F7F4612}" srcOrd="0" destOrd="0" presId="urn:microsoft.com/office/officeart/2005/8/layout/vList2"/>
-    <dgm:cxn modelId="{1B5726B6-5FFF-4872-918E-B95395510734}" srcId="{42FEBA49-F01D-43CF-A256-A211EFA6CFBE}" destId="{5DCC82DF-D800-44B4-B8B1-E28AE53E2741}" srcOrd="8" destOrd="0" parTransId="{CD6EB10A-FB54-4151-8F6A-D519D6418DEE}" sibTransId="{D67B7231-DD5F-4842-AA2F-2628748D8474}"/>
     <dgm:cxn modelId="{EAC557BF-6C5C-4331-9DD6-B9DB5C66EBB0}" srcId="{42FEBA49-F01D-43CF-A256-A211EFA6CFBE}" destId="{11A468E4-0A27-46F2-9804-21CCD9BF786E}" srcOrd="2" destOrd="0" parTransId="{9C2FCED8-6FB6-454C-B854-907852B1E7CB}" sibTransId="{C19D4F32-303A-4DB0-AD60-3DE82558A186}"/>
     <dgm:cxn modelId="{3B08F2D1-834B-4CC8-B24E-941872623BCD}" srcId="{42FEBA49-F01D-43CF-A256-A211EFA6CFBE}" destId="{2AE59275-F62F-4508-8F28-66CCE05B1D6A}" srcOrd="4" destOrd="0" parTransId="{CD15B2DF-681F-43B5-9555-40110BED807C}" sibTransId="{19F3895C-B8F1-4D12-965D-21C680B87D77}"/>
     <dgm:cxn modelId="{D00E32D9-539B-4540-8F09-CDAB1160C10B}" srcId="{42FEBA49-F01D-43CF-A256-A211EFA6CFBE}" destId="{8B46D8F9-888C-4B22-9C1F-20E194839D65}" srcOrd="1" destOrd="0" parTransId="{797E7B3D-60BE-40BF-A600-6420DBD56EBB}" sibTransId="{2F1BD40E-AA91-4BAB-8DF1-3F004B669DAC}"/>
     <dgm:cxn modelId="{B3ACE9DE-0EE4-43BF-AD6C-182F01C9F285}" type="presOf" srcId="{A9E63369-DF01-477A-A362-8937495B1695}" destId="{6FEF0670-6E24-4A10-8A4E-65F634C3DD75}" srcOrd="0" destOrd="0" presId="urn:microsoft.com/office/officeart/2005/8/layout/vList2"/>
-    <dgm:cxn modelId="{3F845BE1-D4D3-4BD0-B494-D38C210A9F92}" srcId="{42FEBA49-F01D-43CF-A256-A211EFA6CFBE}" destId="{17EB7B5D-27E7-4BF2-8AED-51E4DDF1BDE4}" srcOrd="6" destOrd="0" parTransId="{025F879D-4CA0-44DB-8CBA-9B89828EFF19}" sibTransId="{8962AC2B-AA64-403F-B1A7-388702F60A9E}"/>
     <dgm:cxn modelId="{B96105EE-78DA-44F9-A223-E906E2C47FD5}" type="presOf" srcId="{2AE59275-F62F-4508-8F28-66CCE05B1D6A}" destId="{A079DF4C-B73E-44A8-9FFE-BE13DC3C5BFE}" srcOrd="0" destOrd="0" presId="urn:microsoft.com/office/officeart/2005/8/layout/vList2"/>
     <dgm:cxn modelId="{8E1206FA-D5F1-41CB-A6BE-37F717786BDF}" type="presOf" srcId="{5DCE94FC-905E-4D69-A065-6564EF53E11D}" destId="{F6F515DF-432D-45D0-8782-9743F35FFA0A}" srcOrd="0" destOrd="0" presId="urn:microsoft.com/office/officeart/2005/8/layout/vList2"/>
     <dgm:cxn modelId="{595945E0-4C6A-4F04-BEA4-4CFF706D8D17}" type="presParOf" srcId="{93999C8F-BFC4-49F8-A60E-6B8E95D704DD}" destId="{C8ECF35D-2BE7-461C-AB42-72B669EC16E3}" srcOrd="0" destOrd="0" presId="urn:microsoft.com/office/officeart/2005/8/layout/vList2"/>
@@ -8794,14 +8060,307 @@
     <dgm:cxn modelId="{1CD151FE-BDB5-458A-A2A4-11B5E3506E74}" type="presParOf" srcId="{93999C8F-BFC4-49F8-A60E-6B8E95D704DD}" destId="{A079DF4C-B73E-44A8-9FFE-BE13DC3C5BFE}" srcOrd="8" destOrd="0" presId="urn:microsoft.com/office/officeart/2005/8/layout/vList2"/>
     <dgm:cxn modelId="{52EE3CC3-AADC-4571-8699-E0E89DD8A4AB}" type="presParOf" srcId="{93999C8F-BFC4-49F8-A60E-6B8E95D704DD}" destId="{2663AC8B-FE8C-49AD-9847-3882FF286695}" srcOrd="9" destOrd="0" presId="urn:microsoft.com/office/officeart/2005/8/layout/vList2"/>
     <dgm:cxn modelId="{3078018E-CEEA-468E-800B-FEC04333E77E}" type="presParOf" srcId="{93999C8F-BFC4-49F8-A60E-6B8E95D704DD}" destId="{F6F515DF-432D-45D0-8782-9743F35FFA0A}" srcOrd="10" destOrd="0" presId="urn:microsoft.com/office/officeart/2005/8/layout/vList2"/>
-    <dgm:cxn modelId="{25E1BE5C-2D64-466D-9BD4-6599091E5330}" type="presParOf" srcId="{93999C8F-BFC4-49F8-A60E-6B8E95D704DD}" destId="{A826CD92-8B66-420B-897B-C72B175AF3D2}" srcOrd="11" destOrd="0" presId="urn:microsoft.com/office/officeart/2005/8/layout/vList2"/>
-    <dgm:cxn modelId="{69B7DB46-F309-4596-A6F1-7D255F8D4EC1}" type="presParOf" srcId="{93999C8F-BFC4-49F8-A60E-6B8E95D704DD}" destId="{FEE049F3-BD2F-437F-9FCC-29AD5CB9049F}" srcOrd="12" destOrd="0" presId="urn:microsoft.com/office/officeart/2005/8/layout/vList2"/>
-    <dgm:cxn modelId="{BF3A8CB3-E513-48BA-8E99-056C26F2246D}" type="presParOf" srcId="{93999C8F-BFC4-49F8-A60E-6B8E95D704DD}" destId="{D956D69C-BB1A-49F7-A315-DECC9462C605}" srcOrd="13" destOrd="0" presId="urn:microsoft.com/office/officeart/2005/8/layout/vList2"/>
-    <dgm:cxn modelId="{B363DDD4-B82F-4E91-99CF-A6751956D505}" type="presParOf" srcId="{93999C8F-BFC4-49F8-A60E-6B8E95D704DD}" destId="{637E642D-1278-4EED-B2C3-3DB2E38E6942}" srcOrd="14" destOrd="0" presId="urn:microsoft.com/office/officeart/2005/8/layout/vList2"/>
-    <dgm:cxn modelId="{43DC5E3A-BAC0-4EA7-A632-3C6AA0BA43FA}" type="presParOf" srcId="{93999C8F-BFC4-49F8-A60E-6B8E95D704DD}" destId="{90F8E121-268A-4E9B-AF77-F492189AC806}" srcOrd="15" destOrd="0" presId="urn:microsoft.com/office/officeart/2005/8/layout/vList2"/>
-    <dgm:cxn modelId="{833E1ACB-1FFD-4FC7-924A-44046A015A2C}" type="presParOf" srcId="{93999C8F-BFC4-49F8-A60E-6B8E95D704DD}" destId="{66C7FF95-8AD8-49D7-BDC7-E47CFC5BEB76}" srcOrd="16" destOrd="0" presId="urn:microsoft.com/office/officeart/2005/8/layout/vList2"/>
-    <dgm:cxn modelId="{3A322B28-0777-4AA2-A359-515D74CB9C26}" type="presParOf" srcId="{93999C8F-BFC4-49F8-A60E-6B8E95D704DD}" destId="{F51BA0A7-A053-4BC2-B1D9-C8B2DCA454B9}" srcOrd="17" destOrd="0" presId="urn:microsoft.com/office/officeart/2005/8/layout/vList2"/>
-    <dgm:cxn modelId="{F7F3C569-AFD5-4623-91C2-6D95672B9F79}" type="presParOf" srcId="{93999C8F-BFC4-49F8-A60E-6B8E95D704DD}" destId="{8F69C2E4-7F4F-47F7-8AC4-19EC206E56DA}" srcOrd="18" destOrd="0" presId="urn:microsoft.com/office/officeart/2005/8/layout/vList2"/>
+  </dgm:cxnLst>
+  <dgm:bg/>
+  <dgm:whole/>
+  <dgm:extLst>
+    <a:ext uri="http://schemas.microsoft.com/office/drawing/2008/diagram">
+      <dsp:dataModelExt xmlns:dsp="http://schemas.microsoft.com/office/drawing/2008/diagram" relId="rId6" minVer="http://schemas.openxmlformats.org/drawingml/2006/diagram"/>
+    </a:ext>
+  </dgm:extLst>
+</dgm:dataModel>
+</file>
+
+<file path=ppt/diagrams/data6.xml><?xml version="1.0" encoding="utf-8"?>
+<dgm:dataModel xmlns:dgm="http://schemas.openxmlformats.org/drawingml/2006/diagram" xmlns:a="http://schemas.openxmlformats.org/drawingml/2006/main">
+  <dgm:ptLst>
+    <dgm:pt modelId="{42FEBA49-F01D-43CF-A256-A211EFA6CFBE}" type="doc">
+      <dgm:prSet loTypeId="urn:microsoft.com/office/officeart/2005/8/layout/vList2" loCatId="list" qsTypeId="urn:microsoft.com/office/officeart/2005/8/quickstyle/simple1" qsCatId="simple" csTypeId="urn:microsoft.com/office/officeart/2005/8/colors/accent1_2" csCatId="accent1" phldr="1"/>
+      <dgm:spPr/>
+      <dgm:t>
+        <a:bodyPr/>
+        <a:lstStyle/>
+        <a:p>
+          <a:endParaRPr lang="en-US"/>
+        </a:p>
+      </dgm:t>
+    </dgm:pt>
+    <dgm:pt modelId="{E877CBF4-02A9-46C1-97BB-031FB309E98A}">
+      <dgm:prSet custT="1"/>
+      <dgm:spPr/>
+      <dgm:t>
+        <a:bodyPr/>
+        <a:lstStyle/>
+        <a:p>
+          <a:r>
+            <a:rPr lang="en-US" sz="2800" b="1" i="0" dirty="0"/>
+            <a:t>Feature Transformation/Engineering (continued)</a:t>
+          </a:r>
+          <a:endParaRPr lang="en-US" sz="2800" dirty="0"/>
+        </a:p>
+      </dgm:t>
+    </dgm:pt>
+    <dgm:pt modelId="{DA08B96A-DAE8-4FE3-87FD-7CD514544B52}" type="parTrans" cxnId="{06903171-A4A4-436F-84DB-3B6F51945EEC}">
+      <dgm:prSet/>
+      <dgm:spPr/>
+      <dgm:t>
+        <a:bodyPr/>
+        <a:lstStyle/>
+        <a:p>
+          <a:endParaRPr lang="en-US"/>
+        </a:p>
+      </dgm:t>
+    </dgm:pt>
+    <dgm:pt modelId="{A3E945E3-62A2-4FC4-927D-771B0D0949B7}" type="sibTrans" cxnId="{06903171-A4A4-436F-84DB-3B6F51945EEC}">
+      <dgm:prSet/>
+      <dgm:spPr/>
+      <dgm:t>
+        <a:bodyPr/>
+        <a:lstStyle/>
+        <a:p>
+          <a:endParaRPr lang="en-US"/>
+        </a:p>
+      </dgm:t>
+    </dgm:pt>
+    <dgm:pt modelId="{17EB7B5D-27E7-4BF2-8AED-51E4DDF1BDE4}">
+      <dgm:prSet/>
+      <dgm:spPr/>
+      <dgm:t>
+        <a:bodyPr/>
+        <a:lstStyle/>
+        <a:p>
+          <a:r>
+            <a:rPr lang="en-US" b="0" i="0"/>
+            <a:t>45 1-1/2 STORY - UNFINISHED ALL AGES</a:t>
+          </a:r>
+          <a:endParaRPr lang="en-US"/>
+        </a:p>
+      </dgm:t>
+    </dgm:pt>
+    <dgm:pt modelId="{025F879D-4CA0-44DB-8CBA-9B89828EFF19}" type="parTrans" cxnId="{3F845BE1-D4D3-4BD0-B494-D38C210A9F92}">
+      <dgm:prSet/>
+      <dgm:spPr/>
+      <dgm:t>
+        <a:bodyPr/>
+        <a:lstStyle/>
+        <a:p>
+          <a:endParaRPr lang="en-US"/>
+        </a:p>
+      </dgm:t>
+    </dgm:pt>
+    <dgm:pt modelId="{8962AC2B-AA64-403F-B1A7-388702F60A9E}" type="sibTrans" cxnId="{3F845BE1-D4D3-4BD0-B494-D38C210A9F92}">
+      <dgm:prSet/>
+      <dgm:spPr/>
+      <dgm:t>
+        <a:bodyPr/>
+        <a:lstStyle/>
+        <a:p>
+          <a:endParaRPr lang="en-US"/>
+        </a:p>
+      </dgm:t>
+    </dgm:pt>
+    <dgm:pt modelId="{7DE48444-0C93-41B0-A55A-50F9012F4F0F}">
+      <dgm:prSet/>
+      <dgm:spPr/>
+      <dgm:t>
+        <a:bodyPr/>
+        <a:lstStyle/>
+        <a:p>
+          <a:r>
+            <a:rPr lang="en-US" b="0" i="0"/>
+            <a:t>50 1-1/2 STORY FINISHED ALL AGES</a:t>
+          </a:r>
+          <a:endParaRPr lang="en-US"/>
+        </a:p>
+      </dgm:t>
+    </dgm:pt>
+    <dgm:pt modelId="{CCBE74E3-64D5-4EE1-B2CE-76A2A4AC6081}" type="parTrans" cxnId="{F28BA336-A355-46CC-A752-633B4C98EFAD}">
+      <dgm:prSet/>
+      <dgm:spPr/>
+      <dgm:t>
+        <a:bodyPr/>
+        <a:lstStyle/>
+        <a:p>
+          <a:endParaRPr lang="en-US"/>
+        </a:p>
+      </dgm:t>
+    </dgm:pt>
+    <dgm:pt modelId="{FC388143-C64E-43B4-B7A7-00A28C49E64F}" type="sibTrans" cxnId="{F28BA336-A355-46CC-A752-633B4C98EFAD}">
+      <dgm:prSet/>
+      <dgm:spPr/>
+      <dgm:t>
+        <a:bodyPr/>
+        <a:lstStyle/>
+        <a:p>
+          <a:endParaRPr lang="en-US"/>
+        </a:p>
+      </dgm:t>
+    </dgm:pt>
+    <dgm:pt modelId="{5DCC82DF-D800-44B4-B8B1-E28AE53E2741}">
+      <dgm:prSet/>
+      <dgm:spPr/>
+      <dgm:t>
+        <a:bodyPr/>
+        <a:lstStyle/>
+        <a:p>
+          <a:r>
+            <a:rPr lang="en-US" b="0" i="0"/>
+            <a:t>So, the average is a 57 type. What does that mean? Is a 90 type 3 times better than a 30 type? This feature was interpreted as numerical when it is actually categorical. The types listed here are codes, not values. Thus, we need to feature transformation with this and many other features.</a:t>
+          </a:r>
+          <a:endParaRPr lang="en-US"/>
+        </a:p>
+      </dgm:t>
+    </dgm:pt>
+    <dgm:pt modelId="{CD6EB10A-FB54-4151-8F6A-D519D6418DEE}" type="parTrans" cxnId="{1B5726B6-5FFF-4872-918E-B95395510734}">
+      <dgm:prSet/>
+      <dgm:spPr/>
+      <dgm:t>
+        <a:bodyPr/>
+        <a:lstStyle/>
+        <a:p>
+          <a:endParaRPr lang="en-US"/>
+        </a:p>
+      </dgm:t>
+    </dgm:pt>
+    <dgm:pt modelId="{D67B7231-DD5F-4842-AA2F-2628748D8474}" type="sibTrans" cxnId="{1B5726B6-5FFF-4872-918E-B95395510734}">
+      <dgm:prSet/>
+      <dgm:spPr/>
+      <dgm:t>
+        <a:bodyPr/>
+        <a:lstStyle/>
+        <a:p>
+          <a:endParaRPr lang="en-US"/>
+        </a:p>
+      </dgm:t>
+    </dgm:pt>
+    <dgm:pt modelId="{C21C91D9-5816-4CC2-B919-0EE6558702FC}">
+      <dgm:prSet/>
+      <dgm:spPr/>
+      <dgm:t>
+        <a:bodyPr/>
+        <a:lstStyle/>
+        <a:p>
+          <a:r>
+            <a:rPr lang="en-US"/>
+            <a:t>Make it a string (categorical)</a:t>
+          </a:r>
+        </a:p>
+      </dgm:t>
+    </dgm:pt>
+    <dgm:pt modelId="{D37A2F03-CE8F-4D3B-8A5C-151E3FDBD759}" type="parTrans" cxnId="{1F3A2F12-4707-4315-9AB3-1538E05E5EE8}">
+      <dgm:prSet/>
+      <dgm:spPr/>
+      <dgm:t>
+        <a:bodyPr/>
+        <a:lstStyle/>
+        <a:p>
+          <a:endParaRPr lang="en-US"/>
+        </a:p>
+      </dgm:t>
+    </dgm:pt>
+    <dgm:pt modelId="{5551BEB3-BCFD-4635-BBD4-F789255119AE}" type="sibTrans" cxnId="{1F3A2F12-4707-4315-9AB3-1538E05E5EE8}">
+      <dgm:prSet/>
+      <dgm:spPr/>
+      <dgm:t>
+        <a:bodyPr/>
+        <a:lstStyle/>
+        <a:p>
+          <a:endParaRPr lang="en-US"/>
+        </a:p>
+      </dgm:t>
+    </dgm:pt>
+    <dgm:pt modelId="{93999C8F-BFC4-49F8-A60E-6B8E95D704DD}" type="pres">
+      <dgm:prSet presAssocID="{42FEBA49-F01D-43CF-A256-A211EFA6CFBE}" presName="linear" presStyleCnt="0">
+        <dgm:presLayoutVars>
+          <dgm:animLvl val="lvl"/>
+          <dgm:resizeHandles val="exact"/>
+        </dgm:presLayoutVars>
+      </dgm:prSet>
+      <dgm:spPr/>
+    </dgm:pt>
+    <dgm:pt modelId="{C8ECF35D-2BE7-461C-AB42-72B669EC16E3}" type="pres">
+      <dgm:prSet presAssocID="{E877CBF4-02A9-46C1-97BB-031FB309E98A}" presName="parentText" presStyleLbl="node1" presStyleIdx="0" presStyleCnt="5">
+        <dgm:presLayoutVars>
+          <dgm:chMax val="0"/>
+          <dgm:bulletEnabled val="1"/>
+        </dgm:presLayoutVars>
+      </dgm:prSet>
+      <dgm:spPr/>
+    </dgm:pt>
+    <dgm:pt modelId="{4044263C-5C99-48FE-A7C8-77C4F5085A7C}" type="pres">
+      <dgm:prSet presAssocID="{A3E945E3-62A2-4FC4-927D-771B0D0949B7}" presName="spacer" presStyleCnt="0"/>
+      <dgm:spPr/>
+    </dgm:pt>
+    <dgm:pt modelId="{FEE049F3-BD2F-437F-9FCC-29AD5CB9049F}" type="pres">
+      <dgm:prSet presAssocID="{17EB7B5D-27E7-4BF2-8AED-51E4DDF1BDE4}" presName="parentText" presStyleLbl="node1" presStyleIdx="1" presStyleCnt="5">
+        <dgm:presLayoutVars>
+          <dgm:chMax val="0"/>
+          <dgm:bulletEnabled val="1"/>
+        </dgm:presLayoutVars>
+      </dgm:prSet>
+      <dgm:spPr/>
+    </dgm:pt>
+    <dgm:pt modelId="{D956D69C-BB1A-49F7-A315-DECC9462C605}" type="pres">
+      <dgm:prSet presAssocID="{8962AC2B-AA64-403F-B1A7-388702F60A9E}" presName="spacer" presStyleCnt="0"/>
+      <dgm:spPr/>
+    </dgm:pt>
+    <dgm:pt modelId="{637E642D-1278-4EED-B2C3-3DB2E38E6942}" type="pres">
+      <dgm:prSet presAssocID="{7DE48444-0C93-41B0-A55A-50F9012F4F0F}" presName="parentText" presStyleLbl="node1" presStyleIdx="2" presStyleCnt="5">
+        <dgm:presLayoutVars>
+          <dgm:chMax val="0"/>
+          <dgm:bulletEnabled val="1"/>
+        </dgm:presLayoutVars>
+      </dgm:prSet>
+      <dgm:spPr/>
+    </dgm:pt>
+    <dgm:pt modelId="{90F8E121-268A-4E9B-AF77-F492189AC806}" type="pres">
+      <dgm:prSet presAssocID="{FC388143-C64E-43B4-B7A7-00A28C49E64F}" presName="spacer" presStyleCnt="0"/>
+      <dgm:spPr/>
+    </dgm:pt>
+    <dgm:pt modelId="{66C7FF95-8AD8-49D7-BDC7-E47CFC5BEB76}" type="pres">
+      <dgm:prSet presAssocID="{5DCC82DF-D800-44B4-B8B1-E28AE53E2741}" presName="parentText" presStyleLbl="node1" presStyleIdx="3" presStyleCnt="5">
+        <dgm:presLayoutVars>
+          <dgm:chMax val="0"/>
+          <dgm:bulletEnabled val="1"/>
+        </dgm:presLayoutVars>
+      </dgm:prSet>
+      <dgm:spPr/>
+    </dgm:pt>
+    <dgm:pt modelId="{F51BA0A7-A053-4BC2-B1D9-C8B2DCA454B9}" type="pres">
+      <dgm:prSet presAssocID="{D67B7231-DD5F-4842-AA2F-2628748D8474}" presName="spacer" presStyleCnt="0"/>
+      <dgm:spPr/>
+    </dgm:pt>
+    <dgm:pt modelId="{8F69C2E4-7F4F-47F7-8AC4-19EC206E56DA}" type="pres">
+      <dgm:prSet presAssocID="{C21C91D9-5816-4CC2-B919-0EE6558702FC}" presName="parentText" presStyleLbl="node1" presStyleIdx="4" presStyleCnt="5">
+        <dgm:presLayoutVars>
+          <dgm:chMax val="0"/>
+          <dgm:bulletEnabled val="1"/>
+        </dgm:presLayoutVars>
+      </dgm:prSet>
+      <dgm:spPr/>
+    </dgm:pt>
+  </dgm:ptLst>
+  <dgm:cxnLst>
+    <dgm:cxn modelId="{1F3A2F12-4707-4315-9AB3-1538E05E5EE8}" srcId="{42FEBA49-F01D-43CF-A256-A211EFA6CFBE}" destId="{C21C91D9-5816-4CC2-B919-0EE6558702FC}" srcOrd="4" destOrd="0" parTransId="{D37A2F03-CE8F-4D3B-8A5C-151E3FDBD759}" sibTransId="{5551BEB3-BCFD-4635-BBD4-F789255119AE}"/>
+    <dgm:cxn modelId="{ECA63421-7145-499E-99D3-371459D4EEA1}" type="presOf" srcId="{17EB7B5D-27E7-4BF2-8AED-51E4DDF1BDE4}" destId="{FEE049F3-BD2F-437F-9FCC-29AD5CB9049F}" srcOrd="0" destOrd="0" presId="urn:microsoft.com/office/officeart/2005/8/layout/vList2"/>
+    <dgm:cxn modelId="{3578052A-2172-4D38-8ADE-425D4333C72E}" type="presOf" srcId="{C21C91D9-5816-4CC2-B919-0EE6558702FC}" destId="{8F69C2E4-7F4F-47F7-8AC4-19EC206E56DA}" srcOrd="0" destOrd="0" presId="urn:microsoft.com/office/officeart/2005/8/layout/vList2"/>
+    <dgm:cxn modelId="{3D044731-82CE-446E-B7FC-7CF5116D3CA2}" type="presOf" srcId="{E877CBF4-02A9-46C1-97BB-031FB309E98A}" destId="{C8ECF35D-2BE7-461C-AB42-72B669EC16E3}" srcOrd="0" destOrd="0" presId="urn:microsoft.com/office/officeart/2005/8/layout/vList2"/>
+    <dgm:cxn modelId="{F28BA336-A355-46CC-A752-633B4C98EFAD}" srcId="{42FEBA49-F01D-43CF-A256-A211EFA6CFBE}" destId="{7DE48444-0C93-41B0-A55A-50F9012F4F0F}" srcOrd="2" destOrd="0" parTransId="{CCBE74E3-64D5-4EE1-B2CE-76A2A4AC6081}" sibTransId="{FC388143-C64E-43B4-B7A7-00A28C49E64F}"/>
+    <dgm:cxn modelId="{06903171-A4A4-436F-84DB-3B6F51945EEC}" srcId="{42FEBA49-F01D-43CF-A256-A211EFA6CFBE}" destId="{E877CBF4-02A9-46C1-97BB-031FB309E98A}" srcOrd="0" destOrd="0" parTransId="{DA08B96A-DAE8-4FE3-87FD-7CD514544B52}" sibTransId="{A3E945E3-62A2-4FC4-927D-771B0D0949B7}"/>
+    <dgm:cxn modelId="{AD754B77-F269-449D-B7AF-0D03B3857486}" type="presOf" srcId="{7DE48444-0C93-41B0-A55A-50F9012F4F0F}" destId="{637E642D-1278-4EED-B2C3-3DB2E38E6942}" srcOrd="0" destOrd="0" presId="urn:microsoft.com/office/officeart/2005/8/layout/vList2"/>
+    <dgm:cxn modelId="{80CD157F-76C8-4442-AC44-A2D696F7BB36}" type="presOf" srcId="{42FEBA49-F01D-43CF-A256-A211EFA6CFBE}" destId="{93999C8F-BFC4-49F8-A60E-6B8E95D704DD}" srcOrd="0" destOrd="0" presId="urn:microsoft.com/office/officeart/2005/8/layout/vList2"/>
+    <dgm:cxn modelId="{5B7B7492-7D36-45E9-9CCC-DA75337729E4}" type="presOf" srcId="{5DCC82DF-D800-44B4-B8B1-E28AE53E2741}" destId="{66C7FF95-8AD8-49D7-BDC7-E47CFC5BEB76}" srcOrd="0" destOrd="0" presId="urn:microsoft.com/office/officeart/2005/8/layout/vList2"/>
+    <dgm:cxn modelId="{1B5726B6-5FFF-4872-918E-B95395510734}" srcId="{42FEBA49-F01D-43CF-A256-A211EFA6CFBE}" destId="{5DCC82DF-D800-44B4-B8B1-E28AE53E2741}" srcOrd="3" destOrd="0" parTransId="{CD6EB10A-FB54-4151-8F6A-D519D6418DEE}" sibTransId="{D67B7231-DD5F-4842-AA2F-2628748D8474}"/>
+    <dgm:cxn modelId="{3F845BE1-D4D3-4BD0-B494-D38C210A9F92}" srcId="{42FEBA49-F01D-43CF-A256-A211EFA6CFBE}" destId="{17EB7B5D-27E7-4BF2-8AED-51E4DDF1BDE4}" srcOrd="1" destOrd="0" parTransId="{025F879D-4CA0-44DB-8CBA-9B89828EFF19}" sibTransId="{8962AC2B-AA64-403F-B1A7-388702F60A9E}"/>
+    <dgm:cxn modelId="{595945E0-4C6A-4F04-BEA4-4CFF706D8D17}" type="presParOf" srcId="{93999C8F-BFC4-49F8-A60E-6B8E95D704DD}" destId="{C8ECF35D-2BE7-461C-AB42-72B669EC16E3}" srcOrd="0" destOrd="0" presId="urn:microsoft.com/office/officeart/2005/8/layout/vList2"/>
+    <dgm:cxn modelId="{6680DE6A-DC01-43EB-9901-657BB616006C}" type="presParOf" srcId="{93999C8F-BFC4-49F8-A60E-6B8E95D704DD}" destId="{4044263C-5C99-48FE-A7C8-77C4F5085A7C}" srcOrd="1" destOrd="0" presId="urn:microsoft.com/office/officeart/2005/8/layout/vList2"/>
+    <dgm:cxn modelId="{69B7DB46-F309-4596-A6F1-7D255F8D4EC1}" type="presParOf" srcId="{93999C8F-BFC4-49F8-A60E-6B8E95D704DD}" destId="{FEE049F3-BD2F-437F-9FCC-29AD5CB9049F}" srcOrd="2" destOrd="0" presId="urn:microsoft.com/office/officeart/2005/8/layout/vList2"/>
+    <dgm:cxn modelId="{BF3A8CB3-E513-48BA-8E99-056C26F2246D}" type="presParOf" srcId="{93999C8F-BFC4-49F8-A60E-6B8E95D704DD}" destId="{D956D69C-BB1A-49F7-A315-DECC9462C605}" srcOrd="3" destOrd="0" presId="urn:microsoft.com/office/officeart/2005/8/layout/vList2"/>
+    <dgm:cxn modelId="{B363DDD4-B82F-4E91-99CF-A6751956D505}" type="presParOf" srcId="{93999C8F-BFC4-49F8-A60E-6B8E95D704DD}" destId="{637E642D-1278-4EED-B2C3-3DB2E38E6942}" srcOrd="4" destOrd="0" presId="urn:microsoft.com/office/officeart/2005/8/layout/vList2"/>
+    <dgm:cxn modelId="{43DC5E3A-BAC0-4EA7-A632-3C6AA0BA43FA}" type="presParOf" srcId="{93999C8F-BFC4-49F8-A60E-6B8E95D704DD}" destId="{90F8E121-268A-4E9B-AF77-F492189AC806}" srcOrd="5" destOrd="0" presId="urn:microsoft.com/office/officeart/2005/8/layout/vList2"/>
+    <dgm:cxn modelId="{833E1ACB-1FFD-4FC7-924A-44046A015A2C}" type="presParOf" srcId="{93999C8F-BFC4-49F8-A60E-6B8E95D704DD}" destId="{66C7FF95-8AD8-49D7-BDC7-E47CFC5BEB76}" srcOrd="6" destOrd="0" presId="urn:microsoft.com/office/officeart/2005/8/layout/vList2"/>
+    <dgm:cxn modelId="{3A322B28-0777-4AA2-A359-515D74CB9C26}" type="presParOf" srcId="{93999C8F-BFC4-49F8-A60E-6B8E95D704DD}" destId="{F51BA0A7-A053-4BC2-B1D9-C8B2DCA454B9}" srcOrd="7" destOrd="0" presId="urn:microsoft.com/office/officeart/2005/8/layout/vList2"/>
+    <dgm:cxn modelId="{F7F3C569-AFD5-4623-91C2-6D95672B9F79}" type="presParOf" srcId="{93999C8F-BFC4-49F8-A60E-6B8E95D704DD}" destId="{8F69C2E4-7F4F-47F7-8AC4-19EC206E56DA}" srcOrd="8" destOrd="0" presId="urn:microsoft.com/office/officeart/2005/8/layout/vList2"/>
   </dgm:cxnLst>
   <dgm:bg/>
   <dgm:whole/>
@@ -10432,8 +9991,8 @@
       </dsp:nvSpPr>
       <dsp:spPr>
         <a:xfrm>
-          <a:off x="0" y="608"/>
-          <a:ext cx="9045105" cy="0"/>
+          <a:off x="0" y="0"/>
+          <a:ext cx="6063342" cy="0"/>
         </a:xfrm>
         <a:prstGeom prst="line">
           <a:avLst/>
@@ -10482,8 +10041,8 @@
       </dsp:nvSpPr>
       <dsp:spPr>
         <a:xfrm>
-          <a:off x="0" y="608"/>
-          <a:ext cx="9045105" cy="553862"/>
+          <a:off x="0" y="0"/>
+          <a:ext cx="6063342" cy="1283393"/>
         </a:xfrm>
         <a:prstGeom prst="rect">
           <a:avLst/>
@@ -10525,15 +10084,33 @@
             <a:buNone/>
           </a:pPr>
           <a:r>
-            <a:rPr lang="en-US" sz="2500" b="0" i="0" kern="1200" baseline="0"/>
-            <a:t>Skewness: 1.882876 Kurtosis: 6.536282 </a:t>
+            <a:rPr lang="en-US" sz="2500" b="0" i="0" kern="1200" baseline="0" dirty="0"/>
+            <a:t>Skewness: 1.882876 </a:t>
           </a:r>
-          <a:endParaRPr lang="en-US" sz="2500" kern="1200"/>
+        </a:p>
+        <a:p>
+          <a:pPr marL="0" lvl="0" indent="0" algn="l" defTabSz="1111250">
+            <a:lnSpc>
+              <a:spcPct val="90000"/>
+            </a:lnSpc>
+            <a:spcBef>
+              <a:spcPct val="0"/>
+            </a:spcBef>
+            <a:spcAft>
+              <a:spcPct val="35000"/>
+            </a:spcAft>
+            <a:buNone/>
+          </a:pPr>
+          <a:r>
+            <a:rPr lang="en-US" sz="2500" b="0" i="0" kern="1200" baseline="0" dirty="0"/>
+            <a:t>Kurtosis: 6.536282 </a:t>
+          </a:r>
+          <a:endParaRPr lang="en-US" sz="2500" kern="1200" dirty="0"/>
         </a:p>
       </dsp:txBody>
       <dsp:txXfrm>
-        <a:off x="0" y="608"/>
-        <a:ext cx="9045105" cy="553862"/>
+        <a:off x="0" y="0"/>
+        <a:ext cx="6063342" cy="1283393"/>
       </dsp:txXfrm>
     </dsp:sp>
     <dsp:sp modelId="{3DFB0BA8-1170-4480-9529-EBE94C39C211}">
@@ -10543,8 +10120,8 @@
       </dsp:nvSpPr>
       <dsp:spPr>
         <a:xfrm>
-          <a:off x="0" y="554471"/>
-          <a:ext cx="9045105" cy="0"/>
+          <a:off x="0" y="1283393"/>
+          <a:ext cx="6063342" cy="0"/>
         </a:xfrm>
         <a:prstGeom prst="line">
           <a:avLst/>
@@ -10593,8 +10170,8 @@
       </dsp:nvSpPr>
       <dsp:spPr>
         <a:xfrm>
-          <a:off x="0" y="554471"/>
-          <a:ext cx="9045105" cy="553862"/>
+          <a:off x="0" y="1283393"/>
+          <a:ext cx="6063342" cy="1283393"/>
         </a:xfrm>
         <a:prstGeom prst="rect">
           <a:avLst/>
@@ -10633,129 +10210,18 @@
             <a:spcAft>
               <a:spcPct val="35000"/>
             </a:spcAft>
+            <a:buFont typeface="Arial" panose="020B0604020202020204" pitchFamily="34" charset="0"/>
             <a:buNone/>
           </a:pPr>
           <a:r>
-            <a:rPr lang="en-US" sz="2500" b="0" i="0" kern="1200" baseline="0"/>
-            <a:t>Looks like a normal distribution? Not quite! </a:t>
+            <a:rPr lang="en-US" sz="2500" b="0" i="0" kern="1200" dirty="0"/>
+            <a:t>Positive skewness (1.882876) suggests a distribution skewed to the right.</a:t>
           </a:r>
-          <a:endParaRPr lang="en-US" sz="2500" kern="1200"/>
         </a:p>
       </dsp:txBody>
       <dsp:txXfrm>
-        <a:off x="0" y="554471"/>
-        <a:ext cx="9045105" cy="553862"/>
-      </dsp:txXfrm>
-    </dsp:sp>
-    <dsp:sp modelId="{042C8736-F779-4058-9E1D-7F781D3EE129}">
-      <dsp:nvSpPr>
-        <dsp:cNvPr id="0" name=""/>
-        <dsp:cNvSpPr/>
-      </dsp:nvSpPr>
-      <dsp:spPr>
-        <a:xfrm>
-          <a:off x="0" y="1108333"/>
-          <a:ext cx="9045105" cy="0"/>
-        </a:xfrm>
-        <a:prstGeom prst="line">
-          <a:avLst/>
-        </a:prstGeom>
-        <a:solidFill>
-          <a:schemeClr val="accent1">
-            <a:hueOff val="0"/>
-            <a:satOff val="0"/>
-            <a:lumOff val="0"/>
-            <a:alphaOff val="0"/>
-          </a:schemeClr>
-        </a:solidFill>
-        <a:ln w="19050" cap="flat" cmpd="sng" algn="ctr">
-          <a:solidFill>
-            <a:schemeClr val="accent1">
-              <a:hueOff val="0"/>
-              <a:satOff val="0"/>
-              <a:lumOff val="0"/>
-              <a:alphaOff val="0"/>
-            </a:schemeClr>
-          </a:solidFill>
-          <a:prstDash val="solid"/>
-          <a:miter lim="800000"/>
-        </a:ln>
-        <a:effectLst/>
-      </dsp:spPr>
-      <dsp:style>
-        <a:lnRef idx="2">
-          <a:scrgbClr r="0" g="0" b="0"/>
-        </a:lnRef>
-        <a:fillRef idx="1">
-          <a:scrgbClr r="0" g="0" b="0"/>
-        </a:fillRef>
-        <a:effectRef idx="0">
-          <a:scrgbClr r="0" g="0" b="0"/>
-        </a:effectRef>
-        <a:fontRef idx="minor">
-          <a:schemeClr val="lt1"/>
-        </a:fontRef>
-      </dsp:style>
-    </dsp:sp>
-    <dsp:sp modelId="{4A66B6F5-DD7A-4837-8A2B-754A240BC171}">
-      <dsp:nvSpPr>
-        <dsp:cNvPr id="0" name=""/>
-        <dsp:cNvSpPr/>
-      </dsp:nvSpPr>
-      <dsp:spPr>
-        <a:xfrm>
-          <a:off x="0" y="1108333"/>
-          <a:ext cx="9045105" cy="553862"/>
-        </a:xfrm>
-        <a:prstGeom prst="rect">
-          <a:avLst/>
-        </a:prstGeom>
-        <a:noFill/>
-        <a:ln>
-          <a:noFill/>
-        </a:ln>
-        <a:effectLst/>
-      </dsp:spPr>
-      <dsp:style>
-        <a:lnRef idx="0">
-          <a:scrgbClr r="0" g="0" b="0"/>
-        </a:lnRef>
-        <a:fillRef idx="0">
-          <a:scrgbClr r="0" g="0" b="0"/>
-        </a:fillRef>
-        <a:effectRef idx="0">
-          <a:scrgbClr r="0" g="0" b="0"/>
-        </a:effectRef>
-        <a:fontRef idx="minor"/>
-      </dsp:style>
-      <dsp:txBody>
-        <a:bodyPr spcFirstLastPara="0" vert="horz" wrap="square" lIns="95250" tIns="95250" rIns="95250" bIns="95250" numCol="1" spcCol="1270" anchor="t" anchorCtr="0">
-          <a:noAutofit/>
-        </a:bodyPr>
-        <a:lstStyle/>
-        <a:p>
-          <a:pPr marL="0" lvl="0" indent="0" algn="l" defTabSz="1111250">
-            <a:lnSpc>
-              <a:spcPct val="90000"/>
-            </a:lnSpc>
-            <a:spcBef>
-              <a:spcPct val="0"/>
-            </a:spcBef>
-            <a:spcAft>
-              <a:spcPct val="35000"/>
-            </a:spcAft>
-            <a:buNone/>
-          </a:pPr>
-          <a:r>
-            <a:rPr lang="en-US" sz="2500" b="0" i="0" kern="1200" baseline="0"/>
-            <a:t>Looking at the kurtosis score, </a:t>
-          </a:r>
-          <a:endParaRPr lang="en-US" sz="2500" kern="1200"/>
-        </a:p>
-      </dsp:txBody>
-      <dsp:txXfrm>
-        <a:off x="0" y="1108333"/>
-        <a:ext cx="9045105" cy="553862"/>
+        <a:off x="0" y="1283393"/>
+        <a:ext cx="6063342" cy="1283393"/>
       </dsp:txXfrm>
     </dsp:sp>
     <dsp:sp modelId="{9EDC87C0-9F4D-4266-8053-A1F3E7839871}">
@@ -10765,8 +10231,8 @@
       </dsp:nvSpPr>
       <dsp:spPr>
         <a:xfrm>
-          <a:off x="0" y="1662196"/>
-          <a:ext cx="9045105" cy="0"/>
+          <a:off x="0" y="2566787"/>
+          <a:ext cx="6063342" cy="0"/>
         </a:xfrm>
         <a:prstGeom prst="line">
           <a:avLst/>
@@ -10815,8 +10281,8 @@
       </dsp:nvSpPr>
       <dsp:spPr>
         <a:xfrm>
-          <a:off x="0" y="1662196"/>
-          <a:ext cx="9045105" cy="553862"/>
+          <a:off x="0" y="2566787"/>
+          <a:ext cx="6063342" cy="1283393"/>
         </a:xfrm>
         <a:prstGeom prst="rect">
           <a:avLst/>
@@ -10858,15 +10324,19 @@
             <a:buNone/>
           </a:pPr>
           <a:r>
-            <a:rPr lang="en-US" sz="2500" b="0" i="0" kern="1200" baseline="0"/>
-            <a:t>we can see that there is a very nice peak. </a:t>
+            <a:rPr lang="en-US" sz="2500" b="0" i="0" kern="1200" dirty="0"/>
+            <a:t>Positive kurtosis (6.536282) indicates heavier tails and more outliers compared to a normal distribution.</a:t>
           </a:r>
-          <a:endParaRPr lang="en-US" sz="2500" kern="1200"/>
+          <a:r>
+            <a:rPr lang="en-US" sz="2500" b="0" i="0" kern="1200" baseline="0" dirty="0"/>
+            <a:t> </a:t>
+          </a:r>
+          <a:endParaRPr lang="en-US" sz="2500" kern="1200" dirty="0"/>
         </a:p>
       </dsp:txBody>
       <dsp:txXfrm>
-        <a:off x="0" y="1662196"/>
-        <a:ext cx="9045105" cy="553862"/>
+        <a:off x="0" y="2566787"/>
+        <a:ext cx="6063342" cy="1283393"/>
       </dsp:txXfrm>
     </dsp:sp>
     <dsp:sp modelId="{FAB5EBFF-8C23-4798-8FF9-DB84FDA143DA}">
@@ -10876,8 +10346,8 @@
       </dsp:nvSpPr>
       <dsp:spPr>
         <a:xfrm>
-          <a:off x="0" y="2216058"/>
-          <a:ext cx="9045105" cy="0"/>
+          <a:off x="0" y="3850181"/>
+          <a:ext cx="6063342" cy="0"/>
         </a:xfrm>
         <a:prstGeom prst="line">
           <a:avLst/>
@@ -10926,8 +10396,8 @@
       </dsp:nvSpPr>
       <dsp:spPr>
         <a:xfrm>
-          <a:off x="0" y="2216058"/>
-          <a:ext cx="9045105" cy="553862"/>
+          <a:off x="0" y="3850181"/>
+          <a:ext cx="6063342" cy="1283393"/>
         </a:xfrm>
         <a:prstGeom prst="rect">
           <a:avLst/>
@@ -10969,103 +10439,10 @@
             <a:buNone/>
           </a:pPr>
           <a:r>
-            <a:rPr lang="en-US" sz="2500" b="0" i="0" kern="1200" baseline="0"/>
-            <a:t>However, looking at the skewness score, </a:t>
+            <a:rPr lang="en-US" sz="2500" kern="1200" dirty="0"/>
+            <a:t>Should we fix this?</a:t>
           </a:r>
-          <a:endParaRPr lang="en-US" sz="2500" kern="1200"/>
         </a:p>
-      </dsp:txBody>
-      <dsp:txXfrm>
-        <a:off x="0" y="2216058"/>
-        <a:ext cx="9045105" cy="553862"/>
-      </dsp:txXfrm>
-    </dsp:sp>
-    <dsp:sp modelId="{6C8A9C93-30B3-4815-A490-AB7308332F35}">
-      <dsp:nvSpPr>
-        <dsp:cNvPr id="0" name=""/>
-        <dsp:cNvSpPr/>
-      </dsp:nvSpPr>
-      <dsp:spPr>
-        <a:xfrm>
-          <a:off x="0" y="2769921"/>
-          <a:ext cx="9045105" cy="0"/>
-        </a:xfrm>
-        <a:prstGeom prst="line">
-          <a:avLst/>
-        </a:prstGeom>
-        <a:solidFill>
-          <a:schemeClr val="accent1">
-            <a:hueOff val="0"/>
-            <a:satOff val="0"/>
-            <a:lumOff val="0"/>
-            <a:alphaOff val="0"/>
-          </a:schemeClr>
-        </a:solidFill>
-        <a:ln w="19050" cap="flat" cmpd="sng" algn="ctr">
-          <a:solidFill>
-            <a:schemeClr val="accent1">
-              <a:hueOff val="0"/>
-              <a:satOff val="0"/>
-              <a:lumOff val="0"/>
-              <a:alphaOff val="0"/>
-            </a:schemeClr>
-          </a:solidFill>
-          <a:prstDash val="solid"/>
-          <a:miter lim="800000"/>
-        </a:ln>
-        <a:effectLst/>
-      </dsp:spPr>
-      <dsp:style>
-        <a:lnRef idx="2">
-          <a:scrgbClr r="0" g="0" b="0"/>
-        </a:lnRef>
-        <a:fillRef idx="1">
-          <a:scrgbClr r="0" g="0" b="0"/>
-        </a:fillRef>
-        <a:effectRef idx="0">
-          <a:scrgbClr r="0" g="0" b="0"/>
-        </a:effectRef>
-        <a:fontRef idx="minor">
-          <a:schemeClr val="lt1"/>
-        </a:fontRef>
-      </dsp:style>
-    </dsp:sp>
-    <dsp:sp modelId="{5F724F34-DDB7-4B30-A53B-A3FA19609BB5}">
-      <dsp:nvSpPr>
-        <dsp:cNvPr id="0" name=""/>
-        <dsp:cNvSpPr/>
-      </dsp:nvSpPr>
-      <dsp:spPr>
-        <a:xfrm>
-          <a:off x="0" y="2769921"/>
-          <a:ext cx="9045105" cy="553862"/>
-        </a:xfrm>
-        <a:prstGeom prst="rect">
-          <a:avLst/>
-        </a:prstGeom>
-        <a:noFill/>
-        <a:ln>
-          <a:noFill/>
-        </a:ln>
-        <a:effectLst/>
-      </dsp:spPr>
-      <dsp:style>
-        <a:lnRef idx="0">
-          <a:scrgbClr r="0" g="0" b="0"/>
-        </a:lnRef>
-        <a:fillRef idx="0">
-          <a:scrgbClr r="0" g="0" b="0"/>
-        </a:fillRef>
-        <a:effectRef idx="0">
-          <a:scrgbClr r="0" g="0" b="0"/>
-        </a:effectRef>
-        <a:fontRef idx="minor"/>
-      </dsp:style>
-      <dsp:txBody>
-        <a:bodyPr spcFirstLastPara="0" vert="horz" wrap="square" lIns="95250" tIns="95250" rIns="95250" bIns="95250" numCol="1" spcCol="1270" anchor="t" anchorCtr="0">
-          <a:noAutofit/>
-        </a:bodyPr>
-        <a:lstStyle/>
         <a:p>
           <a:pPr marL="0" lvl="0" indent="0" algn="l" defTabSz="1111250">
             <a:lnSpc>
@@ -11079,349 +10456,12 @@
             </a:spcAft>
             <a:buNone/>
           </a:pPr>
-          <a:r>
-            <a:rPr lang="en-US" sz="2500" b="0" i="0" kern="1200" baseline="0"/>
-            <a:t>we can see that the sale prices deviate from the </a:t>
-          </a:r>
-          <a:endParaRPr lang="en-US" sz="2500" kern="1200"/>
+          <a:endParaRPr lang="en-US" sz="2500" kern="1200" dirty="0"/>
         </a:p>
       </dsp:txBody>
       <dsp:txXfrm>
-        <a:off x="0" y="2769921"/>
-        <a:ext cx="9045105" cy="553862"/>
-      </dsp:txXfrm>
-    </dsp:sp>
-    <dsp:sp modelId="{2ECA5D7E-EF24-4B72-8711-A75C4358236C}">
-      <dsp:nvSpPr>
-        <dsp:cNvPr id="0" name=""/>
-        <dsp:cNvSpPr/>
-      </dsp:nvSpPr>
-      <dsp:spPr>
-        <a:xfrm>
-          <a:off x="0" y="3323783"/>
-          <a:ext cx="9045105" cy="0"/>
-        </a:xfrm>
-        <a:prstGeom prst="line">
-          <a:avLst/>
-        </a:prstGeom>
-        <a:solidFill>
-          <a:schemeClr val="accent1">
-            <a:hueOff val="0"/>
-            <a:satOff val="0"/>
-            <a:lumOff val="0"/>
-            <a:alphaOff val="0"/>
-          </a:schemeClr>
-        </a:solidFill>
-        <a:ln w="19050" cap="flat" cmpd="sng" algn="ctr">
-          <a:solidFill>
-            <a:schemeClr val="accent1">
-              <a:hueOff val="0"/>
-              <a:satOff val="0"/>
-              <a:lumOff val="0"/>
-              <a:alphaOff val="0"/>
-            </a:schemeClr>
-          </a:solidFill>
-          <a:prstDash val="solid"/>
-          <a:miter lim="800000"/>
-        </a:ln>
-        <a:effectLst/>
-      </dsp:spPr>
-      <dsp:style>
-        <a:lnRef idx="2">
-          <a:scrgbClr r="0" g="0" b="0"/>
-        </a:lnRef>
-        <a:fillRef idx="1">
-          <a:scrgbClr r="0" g="0" b="0"/>
-        </a:fillRef>
-        <a:effectRef idx="0">
-          <a:scrgbClr r="0" g="0" b="0"/>
-        </a:effectRef>
-        <a:fontRef idx="minor">
-          <a:schemeClr val="lt1"/>
-        </a:fontRef>
-      </dsp:style>
-    </dsp:sp>
-    <dsp:sp modelId="{916532A1-6FAA-4507-93E5-4D437BA3B26E}">
-      <dsp:nvSpPr>
-        <dsp:cNvPr id="0" name=""/>
-        <dsp:cNvSpPr/>
-      </dsp:nvSpPr>
-      <dsp:spPr>
-        <a:xfrm>
-          <a:off x="0" y="3323783"/>
-          <a:ext cx="9045105" cy="553862"/>
-        </a:xfrm>
-        <a:prstGeom prst="rect">
-          <a:avLst/>
-        </a:prstGeom>
-        <a:noFill/>
-        <a:ln>
-          <a:noFill/>
-        </a:ln>
-        <a:effectLst/>
-      </dsp:spPr>
-      <dsp:style>
-        <a:lnRef idx="0">
-          <a:scrgbClr r="0" g="0" b="0"/>
-        </a:lnRef>
-        <a:fillRef idx="0">
-          <a:scrgbClr r="0" g="0" b="0"/>
-        </a:fillRef>
-        <a:effectRef idx="0">
-          <a:scrgbClr r="0" g="0" b="0"/>
-        </a:effectRef>
-        <a:fontRef idx="minor"/>
-      </dsp:style>
-      <dsp:txBody>
-        <a:bodyPr spcFirstLastPara="0" vert="horz" wrap="square" lIns="95250" tIns="95250" rIns="95250" bIns="95250" numCol="1" spcCol="1270" anchor="t" anchorCtr="0">
-          <a:noAutofit/>
-        </a:bodyPr>
-        <a:lstStyle/>
-        <a:p>
-          <a:pPr marL="0" lvl="0" indent="0" algn="l" defTabSz="1111250">
-            <a:lnSpc>
-              <a:spcPct val="90000"/>
-            </a:lnSpc>
-            <a:spcBef>
-              <a:spcPct val="0"/>
-            </a:spcBef>
-            <a:spcAft>
-              <a:spcPct val="35000"/>
-            </a:spcAft>
-            <a:buNone/>
-          </a:pPr>
-          <a:r>
-            <a:rPr lang="en-US" sz="2500" b="0" i="0" kern="1200" baseline="0"/>
-            <a:t>normal distribution. </a:t>
-          </a:r>
-          <a:endParaRPr lang="en-US" sz="2500" kern="1200"/>
-        </a:p>
-      </dsp:txBody>
-      <dsp:txXfrm>
-        <a:off x="0" y="3323783"/>
-        <a:ext cx="9045105" cy="553862"/>
-      </dsp:txXfrm>
-    </dsp:sp>
-    <dsp:sp modelId="{CA32BE81-3B9A-48F5-ADE6-98AE1DB8148F}">
-      <dsp:nvSpPr>
-        <dsp:cNvPr id="0" name=""/>
-        <dsp:cNvSpPr/>
-      </dsp:nvSpPr>
-      <dsp:spPr>
-        <a:xfrm>
-          <a:off x="0" y="3877646"/>
-          <a:ext cx="9045105" cy="0"/>
-        </a:xfrm>
-        <a:prstGeom prst="line">
-          <a:avLst/>
-        </a:prstGeom>
-        <a:solidFill>
-          <a:schemeClr val="accent1">
-            <a:hueOff val="0"/>
-            <a:satOff val="0"/>
-            <a:lumOff val="0"/>
-            <a:alphaOff val="0"/>
-          </a:schemeClr>
-        </a:solidFill>
-        <a:ln w="19050" cap="flat" cmpd="sng" algn="ctr">
-          <a:solidFill>
-            <a:schemeClr val="accent1">
-              <a:hueOff val="0"/>
-              <a:satOff val="0"/>
-              <a:lumOff val="0"/>
-              <a:alphaOff val="0"/>
-            </a:schemeClr>
-          </a:solidFill>
-          <a:prstDash val="solid"/>
-          <a:miter lim="800000"/>
-        </a:ln>
-        <a:effectLst/>
-      </dsp:spPr>
-      <dsp:style>
-        <a:lnRef idx="2">
-          <a:scrgbClr r="0" g="0" b="0"/>
-        </a:lnRef>
-        <a:fillRef idx="1">
-          <a:scrgbClr r="0" g="0" b="0"/>
-        </a:fillRef>
-        <a:effectRef idx="0">
-          <a:scrgbClr r="0" g="0" b="0"/>
-        </a:effectRef>
-        <a:fontRef idx="minor">
-          <a:schemeClr val="lt1"/>
-        </a:fontRef>
-      </dsp:style>
-    </dsp:sp>
-    <dsp:sp modelId="{407811F1-AE14-4B58-B4B2-BC9C792E3BCD}">
-      <dsp:nvSpPr>
-        <dsp:cNvPr id="0" name=""/>
-        <dsp:cNvSpPr/>
-      </dsp:nvSpPr>
-      <dsp:spPr>
-        <a:xfrm>
-          <a:off x="0" y="3877646"/>
-          <a:ext cx="9045105" cy="553862"/>
-        </a:xfrm>
-        <a:prstGeom prst="rect">
-          <a:avLst/>
-        </a:prstGeom>
-        <a:noFill/>
-        <a:ln>
-          <a:noFill/>
-        </a:ln>
-        <a:effectLst/>
-      </dsp:spPr>
-      <dsp:style>
-        <a:lnRef idx="0">
-          <a:scrgbClr r="0" g="0" b="0"/>
-        </a:lnRef>
-        <a:fillRef idx="0">
-          <a:scrgbClr r="0" g="0" b="0"/>
-        </a:fillRef>
-        <a:effectRef idx="0">
-          <a:scrgbClr r="0" g="0" b="0"/>
-        </a:effectRef>
-        <a:fontRef idx="minor"/>
-      </dsp:style>
-      <dsp:txBody>
-        <a:bodyPr spcFirstLastPara="0" vert="horz" wrap="square" lIns="95250" tIns="95250" rIns="95250" bIns="95250" numCol="1" spcCol="1270" anchor="t" anchorCtr="0">
-          <a:noAutofit/>
-        </a:bodyPr>
-        <a:lstStyle/>
-        <a:p>
-          <a:pPr marL="0" lvl="0" indent="0" algn="l" defTabSz="1111250">
-            <a:lnSpc>
-              <a:spcPct val="90000"/>
-            </a:lnSpc>
-            <a:spcBef>
-              <a:spcPct val="0"/>
-            </a:spcBef>
-            <a:spcAft>
-              <a:spcPct val="35000"/>
-            </a:spcAft>
-            <a:buNone/>
-          </a:pPr>
-          <a:r>
-            <a:rPr lang="en-US" sz="2500" b="0" i="0" kern="1200" baseline="0"/>
-            <a:t>Going to have to fix this later! </a:t>
-          </a:r>
-          <a:endParaRPr lang="en-US" sz="2500" kern="1200"/>
-        </a:p>
-      </dsp:txBody>
-      <dsp:txXfrm>
-        <a:off x="0" y="3877646"/>
-        <a:ext cx="9045105" cy="553862"/>
-      </dsp:txXfrm>
-    </dsp:sp>
-    <dsp:sp modelId="{229282F4-6BE4-49C3-990C-5456E6B9C2BA}">
-      <dsp:nvSpPr>
-        <dsp:cNvPr id="0" name=""/>
-        <dsp:cNvSpPr/>
-      </dsp:nvSpPr>
-      <dsp:spPr>
-        <a:xfrm>
-          <a:off x="0" y="4431508"/>
-          <a:ext cx="9045105" cy="0"/>
-        </a:xfrm>
-        <a:prstGeom prst="line">
-          <a:avLst/>
-        </a:prstGeom>
-        <a:solidFill>
-          <a:schemeClr val="accent1">
-            <a:hueOff val="0"/>
-            <a:satOff val="0"/>
-            <a:lumOff val="0"/>
-            <a:alphaOff val="0"/>
-          </a:schemeClr>
-        </a:solidFill>
-        <a:ln w="19050" cap="flat" cmpd="sng" algn="ctr">
-          <a:solidFill>
-            <a:schemeClr val="accent1">
-              <a:hueOff val="0"/>
-              <a:satOff val="0"/>
-              <a:lumOff val="0"/>
-              <a:alphaOff val="0"/>
-            </a:schemeClr>
-          </a:solidFill>
-          <a:prstDash val="solid"/>
-          <a:miter lim="800000"/>
-        </a:ln>
-        <a:effectLst/>
-      </dsp:spPr>
-      <dsp:style>
-        <a:lnRef idx="2">
-          <a:scrgbClr r="0" g="0" b="0"/>
-        </a:lnRef>
-        <a:fillRef idx="1">
-          <a:scrgbClr r="0" g="0" b="0"/>
-        </a:fillRef>
-        <a:effectRef idx="0">
-          <a:scrgbClr r="0" g="0" b="0"/>
-        </a:effectRef>
-        <a:fontRef idx="minor">
-          <a:schemeClr val="lt1"/>
-        </a:fontRef>
-      </dsp:style>
-    </dsp:sp>
-    <dsp:sp modelId="{D17E2E16-CC90-48EA-BA8C-7BDC04733392}">
-      <dsp:nvSpPr>
-        <dsp:cNvPr id="0" name=""/>
-        <dsp:cNvSpPr/>
-      </dsp:nvSpPr>
-      <dsp:spPr>
-        <a:xfrm>
-          <a:off x="0" y="4431508"/>
-          <a:ext cx="9045105" cy="553862"/>
-        </a:xfrm>
-        <a:prstGeom prst="rect">
-          <a:avLst/>
-        </a:prstGeom>
-        <a:noFill/>
-        <a:ln>
-          <a:noFill/>
-        </a:ln>
-        <a:effectLst/>
-      </dsp:spPr>
-      <dsp:style>
-        <a:lnRef idx="0">
-          <a:scrgbClr r="0" g="0" b="0"/>
-        </a:lnRef>
-        <a:fillRef idx="0">
-          <a:scrgbClr r="0" g="0" b="0"/>
-        </a:fillRef>
-        <a:effectRef idx="0">
-          <a:scrgbClr r="0" g="0" b="0"/>
-        </a:effectRef>
-        <a:fontRef idx="minor"/>
-      </dsp:style>
-      <dsp:txBody>
-        <a:bodyPr spcFirstLastPara="0" vert="horz" wrap="square" lIns="95250" tIns="95250" rIns="95250" bIns="95250" numCol="1" spcCol="1270" anchor="t" anchorCtr="0">
-          <a:noAutofit/>
-        </a:bodyPr>
-        <a:lstStyle/>
-        <a:p>
-          <a:pPr marL="0" lvl="0" indent="0" algn="l" defTabSz="1111250">
-            <a:lnSpc>
-              <a:spcPct val="90000"/>
-            </a:lnSpc>
-            <a:spcBef>
-              <a:spcPct val="0"/>
-            </a:spcBef>
-            <a:spcAft>
-              <a:spcPct val="35000"/>
-            </a:spcAft>
-            <a:buNone/>
-          </a:pPr>
-          <a:r>
-            <a:rPr lang="en-US" sz="2500" b="0" i="0" kern="1200" baseline="0"/>
-            <a:t>We want our data to be as "normal" as possible.</a:t>
-          </a:r>
-          <a:endParaRPr lang="en-US" sz="2500" kern="1200"/>
-        </a:p>
-      </dsp:txBody>
-      <dsp:txXfrm>
-        <a:off x="0" y="4431508"/>
-        <a:ext cx="9045105" cy="553862"/>
+        <a:off x="0" y="3850181"/>
+        <a:ext cx="6063342" cy="1283393"/>
       </dsp:txXfrm>
     </dsp:sp>
   </dsp:spTree>
@@ -12513,15 +11553,15 @@
       <dsp:cNvGrpSpPr/>
     </dsp:nvGrpSpPr>
     <dsp:grpSpPr/>
-    <dsp:sp modelId="{2FBCCD87-C22E-4060-94BB-A913FC5075E7}">
+    <dsp:sp modelId="{A4A5B633-DFC8-4B8D-A9FB-6275103E7DCC}">
       <dsp:nvSpPr>
         <dsp:cNvPr id="0" name=""/>
         <dsp:cNvSpPr/>
       </dsp:nvSpPr>
       <dsp:spPr>
         <a:xfrm>
-          <a:off x="0" y="137304"/>
-          <a:ext cx="10515600" cy="988942"/>
+          <a:off x="0" y="31646"/>
+          <a:ext cx="10515600" cy="834173"/>
         </a:xfrm>
         <a:prstGeom prst="roundRect">
           <a:avLst/>
@@ -12563,12 +11603,12 @@
         </a:fontRef>
       </dsp:style>
       <dsp:txBody>
-        <a:bodyPr spcFirstLastPara="0" vert="horz" wrap="square" lIns="53340" tIns="53340" rIns="53340" bIns="53340" numCol="1" spcCol="1270" anchor="ctr" anchorCtr="0">
+        <a:bodyPr spcFirstLastPara="0" vert="horz" wrap="square" lIns="106680" tIns="106680" rIns="106680" bIns="106680" numCol="1" spcCol="1270" anchor="ctr" anchorCtr="0">
           <a:noAutofit/>
         </a:bodyPr>
         <a:lstStyle/>
         <a:p>
-          <a:pPr marL="0" lvl="0" indent="0" algn="l" defTabSz="622300">
+          <a:pPr marL="0" lvl="0" indent="0" algn="l" defTabSz="1244600">
             <a:lnSpc>
               <a:spcPct val="90000"/>
             </a:lnSpc>
@@ -12581,26 +11621,26 @@
             <a:buNone/>
           </a:pPr>
           <a:r>
-            <a:rPr lang="en-US" sz="1400" b="1" i="0" kern="1200"/>
-            <a:t>3. Multivariable Analysis</a:t>
+            <a:rPr lang="en-US" sz="2800" b="1" i="0" kern="1200" dirty="0"/>
+            <a:t>Impute Missing Data and Clean Data</a:t>
           </a:r>
-          <a:endParaRPr lang="en-US" sz="1400" kern="1200"/>
+          <a:endParaRPr lang="en-US" sz="2800" kern="1200" dirty="0"/>
         </a:p>
       </dsp:txBody>
       <dsp:txXfrm>
-        <a:off x="48276" y="185580"/>
-        <a:ext cx="10419048" cy="892390"/>
+        <a:off x="40721" y="72367"/>
+        <a:ext cx="10434158" cy="752731"/>
       </dsp:txXfrm>
     </dsp:sp>
-    <dsp:sp modelId="{78C776C2-2F6E-4E81-A07E-13393B021E6E}">
+    <dsp:sp modelId="{3FE2EB7E-44D3-4594-B6F7-B813B0C446A6}">
       <dsp:nvSpPr>
         <dsp:cNvPr id="0" name=""/>
         <dsp:cNvSpPr/>
       </dsp:nvSpPr>
       <dsp:spPr>
         <a:xfrm>
-          <a:off x="0" y="1166566"/>
-          <a:ext cx="10515600" cy="988942"/>
+          <a:off x="0" y="909020"/>
+          <a:ext cx="10515600" cy="834173"/>
         </a:xfrm>
         <a:prstGeom prst="roundRect">
           <a:avLst/>
@@ -12642,12 +11682,12 @@
         </a:fontRef>
       </dsp:style>
       <dsp:txBody>
-        <a:bodyPr spcFirstLastPara="0" vert="horz" wrap="square" lIns="53340" tIns="53340" rIns="53340" bIns="53340" numCol="1" spcCol="1270" anchor="ctr" anchorCtr="0">
+        <a:bodyPr spcFirstLastPara="0" vert="horz" wrap="square" lIns="57150" tIns="57150" rIns="57150" bIns="57150" numCol="1" spcCol="1270" anchor="ctr" anchorCtr="0">
           <a:noAutofit/>
         </a:bodyPr>
         <a:lstStyle/>
         <a:p>
-          <a:pPr marL="0" lvl="0" indent="0" algn="l" defTabSz="622300">
+          <a:pPr marL="0" lvl="0" indent="0" algn="l" defTabSz="666750">
             <a:lnSpc>
               <a:spcPct val="90000"/>
             </a:lnSpc>
@@ -12660,26 +11700,26 @@
             <a:buNone/>
           </a:pPr>
           <a:r>
-            <a:rPr lang="en-US" sz="1400" b="0" i="0" kern="1200"/>
-            <a:t>Let's check out all the variables! There are two types of features in housing data, categorical and numerical.</a:t>
+            <a:rPr lang="en-US" sz="1500" b="0" i="0" kern="1200"/>
+            <a:t>Important questions when thinking about missing data:</a:t>
           </a:r>
-          <a:endParaRPr lang="en-US" sz="1400" kern="1200"/>
+          <a:endParaRPr lang="en-US" sz="1500" kern="1200"/>
         </a:p>
       </dsp:txBody>
       <dsp:txXfrm>
-        <a:off x="48276" y="1214842"/>
-        <a:ext cx="10419048" cy="892390"/>
+        <a:off x="40721" y="949741"/>
+        <a:ext cx="10434158" cy="752731"/>
       </dsp:txXfrm>
     </dsp:sp>
-    <dsp:sp modelId="{AD31426F-D732-4BE5-BA45-D7B0F9270F3A}">
+    <dsp:sp modelId="{BFA996B2-0F18-4CF0-8D2A-DB9B75AC41D2}">
       <dsp:nvSpPr>
         <dsp:cNvPr id="0" name=""/>
         <dsp:cNvSpPr/>
       </dsp:nvSpPr>
       <dsp:spPr>
         <a:xfrm>
-          <a:off x="0" y="2195829"/>
-          <a:ext cx="10515600" cy="988942"/>
+          <a:off x="0" y="1786393"/>
+          <a:ext cx="10515600" cy="834173"/>
         </a:xfrm>
         <a:prstGeom prst="roundRect">
           <a:avLst/>
@@ -12721,12 +11761,12 @@
         </a:fontRef>
       </dsp:style>
       <dsp:txBody>
-        <a:bodyPr spcFirstLastPara="0" vert="horz" wrap="square" lIns="53340" tIns="53340" rIns="53340" bIns="53340" numCol="1" spcCol="1270" anchor="ctr" anchorCtr="0">
+        <a:bodyPr spcFirstLastPara="0" vert="horz" wrap="square" lIns="57150" tIns="57150" rIns="57150" bIns="57150" numCol="1" spcCol="1270" anchor="ctr" anchorCtr="0">
           <a:noAutofit/>
         </a:bodyPr>
         <a:lstStyle/>
         <a:p>
-          <a:pPr marL="0" lvl="0" indent="0" algn="l" defTabSz="622300">
+          <a:pPr marL="0" lvl="0" indent="0" algn="l" defTabSz="666750">
             <a:lnSpc>
               <a:spcPct val="90000"/>
             </a:lnSpc>
@@ -12739,26 +11779,26 @@
             <a:buNone/>
           </a:pPr>
           <a:r>
-            <a:rPr lang="en-US" sz="1400" b="0" i="0" kern="1200"/>
-            <a:t>Categorical data is just like it sounds. It is in categories. It isn't necessarily linear, but it follows some kind of pattern. For example, take a feature of "Downtown". The response is either "Near", "Far", "Yes", and "No". Back then, living in downtown usually meant that you couldn't afford to live in uptown. Thus, it could be implied that downtown establishments cost less to live in. However, today, that is not the case. (Thank you, hipsters!) So we can't really establish any particular order of response to be "better" or "worse" than the other.</a:t>
+            <a:rPr lang="en-US" sz="1500" b="0" i="0" kern="1200"/>
+            <a:t>How prevalent is the missing data?</a:t>
           </a:r>
-          <a:endParaRPr lang="en-US" sz="1400" kern="1200"/>
+          <a:endParaRPr lang="en-US" sz="1500" kern="1200"/>
         </a:p>
       </dsp:txBody>
       <dsp:txXfrm>
-        <a:off x="48276" y="2244105"/>
-        <a:ext cx="10419048" cy="892390"/>
+        <a:off x="40721" y="1827114"/>
+        <a:ext cx="10434158" cy="752731"/>
       </dsp:txXfrm>
     </dsp:sp>
-    <dsp:sp modelId="{86793850-2512-464C-8F56-CF7A484BF15E}">
+    <dsp:sp modelId="{9425B888-2D55-4356-94DD-EC0830FF2060}">
       <dsp:nvSpPr>
         <dsp:cNvPr id="0" name=""/>
         <dsp:cNvSpPr/>
       </dsp:nvSpPr>
       <dsp:spPr>
         <a:xfrm>
-          <a:off x="0" y="3225091"/>
-          <a:ext cx="10515600" cy="988942"/>
+          <a:off x="0" y="2663766"/>
+          <a:ext cx="10515600" cy="834173"/>
         </a:xfrm>
         <a:prstGeom prst="roundRect">
           <a:avLst/>
@@ -12800,12 +11840,12 @@
         </a:fontRef>
       </dsp:style>
       <dsp:txBody>
-        <a:bodyPr spcFirstLastPara="0" vert="horz" wrap="square" lIns="53340" tIns="53340" rIns="53340" bIns="53340" numCol="1" spcCol="1270" anchor="ctr" anchorCtr="0">
+        <a:bodyPr spcFirstLastPara="0" vert="horz" wrap="square" lIns="57150" tIns="57150" rIns="57150" bIns="57150" numCol="1" spcCol="1270" anchor="ctr" anchorCtr="0">
           <a:noAutofit/>
         </a:bodyPr>
         <a:lstStyle/>
         <a:p>
-          <a:pPr marL="0" lvl="0" indent="0" algn="l" defTabSz="622300">
+          <a:pPr marL="0" lvl="0" indent="0" algn="l" defTabSz="666750">
             <a:lnSpc>
               <a:spcPct val="90000"/>
             </a:lnSpc>
@@ -12818,38 +11858,26 @@
             <a:buNone/>
           </a:pPr>
           <a:r>
-            <a:rPr lang="en-US" sz="1400" b="0" i="0" kern="1200"/>
-            <a:t>Numerical data is data in number form. (Who could have thought!) These features are in a linear relationship with each other. For example, a 2,000 square foot place is 2 times "bigger" than a 1,000 square foot place. Plain and simple. Simple and clean.</a:t>
+            <a:rPr lang="en-US" sz="1500" b="0" i="0" kern="1200"/>
+            <a:t>Is missing data random or does it have a pattern?</a:t>
           </a:r>
-          <a:endParaRPr lang="en-US" sz="1400" kern="1200"/>
+          <a:endParaRPr lang="en-US" sz="1500" kern="1200"/>
         </a:p>
       </dsp:txBody>
       <dsp:txXfrm>
-        <a:off x="48276" y="3273367"/>
-        <a:ext cx="10419048" cy="892390"/>
+        <a:off x="40721" y="2704487"/>
+        <a:ext cx="10434158" cy="752731"/>
       </dsp:txXfrm>
     </dsp:sp>
-  </dsp:spTree>
-</dsp:drawing>
-</file>
-
-<file path=ppt/diagrams/drawing5.xml><?xml version="1.0" encoding="utf-8"?>
-<dsp:drawing xmlns:dgm="http://schemas.openxmlformats.org/drawingml/2006/diagram" xmlns:dsp="http://schemas.microsoft.com/office/drawing/2008/diagram" xmlns:a="http://schemas.openxmlformats.org/drawingml/2006/main">
-  <dsp:spTree>
-    <dsp:nvGrpSpPr>
-      <dsp:cNvPr id="0" name=""/>
-      <dsp:cNvGrpSpPr/>
-    </dsp:nvGrpSpPr>
-    <dsp:grpSpPr/>
-    <dsp:sp modelId="{A4A5B633-DFC8-4B8D-A9FB-6275103E7DCC}">
+    <dsp:sp modelId="{E92F3578-580B-443A-B8BC-BDB143C3AAF0}">
       <dsp:nvSpPr>
         <dsp:cNvPr id="0" name=""/>
         <dsp:cNvSpPr/>
       </dsp:nvSpPr>
       <dsp:spPr>
         <a:xfrm>
-          <a:off x="0" y="99099"/>
-          <a:ext cx="10515600" cy="663389"/>
+          <a:off x="0" y="3541140"/>
+          <a:ext cx="10515600" cy="834173"/>
         </a:xfrm>
         <a:prstGeom prst="roundRect">
           <a:avLst/>
@@ -12891,12 +11919,12 @@
         </a:fontRef>
       </dsp:style>
       <dsp:txBody>
-        <a:bodyPr spcFirstLastPara="0" vert="horz" wrap="square" lIns="45720" tIns="45720" rIns="45720" bIns="45720" numCol="1" spcCol="1270" anchor="ctr" anchorCtr="0">
+        <a:bodyPr spcFirstLastPara="0" vert="horz" wrap="square" lIns="57150" tIns="57150" rIns="57150" bIns="57150" numCol="1" spcCol="1270" anchor="ctr" anchorCtr="0">
           <a:noAutofit/>
         </a:bodyPr>
         <a:lstStyle/>
         <a:p>
-          <a:pPr marL="0" lvl="0" indent="0" algn="l" defTabSz="533400">
+          <a:pPr marL="0" lvl="0" indent="0" algn="l" defTabSz="666750">
             <a:lnSpc>
               <a:spcPct val="90000"/>
             </a:lnSpc>
@@ -12909,26 +11937,26 @@
             <a:buNone/>
           </a:pPr>
           <a:r>
-            <a:rPr lang="en-US" sz="1200" b="1" i="0" kern="1200"/>
-            <a:t>4. Impute Missing Data and Clean Data</a:t>
+            <a:rPr lang="en-US" sz="1500" b="0" i="0" kern="1200" dirty="0"/>
+            <a:t>The answer to these questions is important for practical reasons because missing data can imply a reduction of the sample size. This can prevent us from proceeding with the analysis. Moreover, from a substantive perspective, we need to ensure that the missing data process is not biased and hiding an inconvenient truth.</a:t>
           </a:r>
-          <a:endParaRPr lang="en-US" sz="1200" kern="1200"/>
+          <a:endParaRPr lang="en-US" sz="1500" kern="1200" dirty="0"/>
         </a:p>
       </dsp:txBody>
       <dsp:txXfrm>
-        <a:off x="32384" y="131483"/>
-        <a:ext cx="10450832" cy="598621"/>
+        <a:off x="40721" y="3581861"/>
+        <a:ext cx="10434158" cy="752731"/>
       </dsp:txXfrm>
     </dsp:sp>
-    <dsp:sp modelId="{3FE2EB7E-44D3-4594-B6F7-B813B0C446A6}">
+    <dsp:sp modelId="{54EA99D2-6547-4620-931E-C0506B1FB57D}">
       <dsp:nvSpPr>
         <dsp:cNvPr id="0" name=""/>
         <dsp:cNvSpPr/>
       </dsp:nvSpPr>
       <dsp:spPr>
         <a:xfrm>
-          <a:off x="0" y="797049"/>
-          <a:ext cx="10515600" cy="663389"/>
+          <a:off x="0" y="4418513"/>
+          <a:ext cx="10515600" cy="834173"/>
         </a:xfrm>
         <a:prstGeom prst="roundRect">
           <a:avLst/>
@@ -12970,12 +11998,12 @@
         </a:fontRef>
       </dsp:style>
       <dsp:txBody>
-        <a:bodyPr spcFirstLastPara="0" vert="horz" wrap="square" lIns="45720" tIns="45720" rIns="45720" bIns="45720" numCol="1" spcCol="1270" anchor="ctr" anchorCtr="0">
+        <a:bodyPr spcFirstLastPara="0" vert="horz" wrap="square" lIns="57150" tIns="57150" rIns="57150" bIns="57150" numCol="1" spcCol="1270" anchor="ctr" anchorCtr="0">
           <a:noAutofit/>
         </a:bodyPr>
         <a:lstStyle/>
         <a:p>
-          <a:pPr marL="0" lvl="0" indent="0" algn="l" defTabSz="533400">
+          <a:pPr marL="0" lvl="0" indent="0" algn="l" defTabSz="666750">
             <a:lnSpc>
               <a:spcPct val="90000"/>
             </a:lnSpc>
@@ -12988,26 +12016,38 @@
             <a:buNone/>
           </a:pPr>
           <a:r>
-            <a:rPr lang="en-US" sz="1200" b="0" i="0" kern="1200"/>
-            <a:t>Important questions when thinking about missing data:</a:t>
+            <a:rPr lang="en-US" sz="1500" b="0" i="0" kern="1200"/>
+            <a:t>Let's combine both training and test data into one dataset to impute missing values and do some cleaning.</a:t>
           </a:r>
-          <a:endParaRPr lang="en-US" sz="1200" kern="1200"/>
+          <a:endParaRPr lang="en-US" sz="1500" kern="1200"/>
         </a:p>
       </dsp:txBody>
       <dsp:txXfrm>
-        <a:off x="32384" y="829433"/>
-        <a:ext cx="10450832" cy="598621"/>
+        <a:off x="40721" y="4459234"/>
+        <a:ext cx="10434158" cy="752731"/>
       </dsp:txXfrm>
     </dsp:sp>
-    <dsp:sp modelId="{BFA996B2-0F18-4CF0-8D2A-DB9B75AC41D2}">
+  </dsp:spTree>
+</dsp:drawing>
+</file>
+
+<file path=ppt/diagrams/drawing5.xml><?xml version="1.0" encoding="utf-8"?>
+<dsp:drawing xmlns:dgm="http://schemas.openxmlformats.org/drawingml/2006/diagram" xmlns:dsp="http://schemas.microsoft.com/office/drawing/2008/diagram" xmlns:a="http://schemas.openxmlformats.org/drawingml/2006/main">
+  <dsp:spTree>
+    <dsp:nvGrpSpPr>
+      <dsp:cNvPr id="0" name=""/>
+      <dsp:cNvGrpSpPr/>
+    </dsp:nvGrpSpPr>
+    <dsp:grpSpPr/>
+    <dsp:sp modelId="{C8ECF35D-2BE7-461C-AB42-72B669EC16E3}">
       <dsp:nvSpPr>
         <dsp:cNvPr id="0" name=""/>
         <dsp:cNvSpPr/>
       </dsp:nvSpPr>
       <dsp:spPr>
         <a:xfrm>
-          <a:off x="0" y="1494999"/>
-          <a:ext cx="10515600" cy="663389"/>
+          <a:off x="0" y="4824"/>
+          <a:ext cx="10515600" cy="678014"/>
         </a:xfrm>
         <a:prstGeom prst="roundRect">
           <a:avLst/>
@@ -13049,12 +12089,12 @@
         </a:fontRef>
       </dsp:style>
       <dsp:txBody>
-        <a:bodyPr spcFirstLastPara="0" vert="horz" wrap="square" lIns="45720" tIns="45720" rIns="45720" bIns="45720" numCol="1" spcCol="1270" anchor="ctr" anchorCtr="0">
+        <a:bodyPr spcFirstLastPara="0" vert="horz" wrap="square" lIns="106680" tIns="106680" rIns="106680" bIns="106680" numCol="1" spcCol="1270" anchor="ctr" anchorCtr="0">
           <a:noAutofit/>
         </a:bodyPr>
         <a:lstStyle/>
         <a:p>
-          <a:pPr marL="0" lvl="0" indent="0" algn="l" defTabSz="533400">
+          <a:pPr marL="0" lvl="0" indent="0" algn="l" defTabSz="1244600">
             <a:lnSpc>
               <a:spcPct val="90000"/>
             </a:lnSpc>
@@ -13067,26 +12107,26 @@
             <a:buNone/>
           </a:pPr>
           <a:r>
-            <a:rPr lang="en-US" sz="1200" b="0" i="0" kern="1200"/>
-            <a:t>How prevalent is the missing data?</a:t>
+            <a:rPr lang="en-US" sz="2800" b="1" i="0" kern="1200" dirty="0"/>
+            <a:t>Feature Transformation/Engineering</a:t>
           </a:r>
-          <a:endParaRPr lang="en-US" sz="1200" kern="1200"/>
+          <a:endParaRPr lang="en-US" sz="2800" kern="1200" dirty="0"/>
         </a:p>
       </dsp:txBody>
       <dsp:txXfrm>
-        <a:off x="32384" y="1527383"/>
-        <a:ext cx="10450832" cy="598621"/>
+        <a:off x="33098" y="37922"/>
+        <a:ext cx="10449404" cy="611818"/>
       </dsp:txXfrm>
     </dsp:sp>
-    <dsp:sp modelId="{9425B888-2D55-4356-94DD-EC0830FF2060}">
+    <dsp:sp modelId="{96E103A5-AE33-4EF2-B319-BE097F7F4612}">
       <dsp:nvSpPr>
         <dsp:cNvPr id="0" name=""/>
         <dsp:cNvSpPr/>
       </dsp:nvSpPr>
       <dsp:spPr>
         <a:xfrm>
-          <a:off x="0" y="2192949"/>
-          <a:ext cx="10515600" cy="663389"/>
+          <a:off x="0" y="737559"/>
+          <a:ext cx="10515600" cy="678014"/>
         </a:xfrm>
         <a:prstGeom prst="roundRect">
           <a:avLst/>
@@ -13128,12 +12168,12 @@
         </a:fontRef>
       </dsp:style>
       <dsp:txBody>
-        <a:bodyPr spcFirstLastPara="0" vert="horz" wrap="square" lIns="45720" tIns="45720" rIns="45720" bIns="45720" numCol="1" spcCol="1270" anchor="ctr" anchorCtr="0">
+        <a:bodyPr spcFirstLastPara="0" vert="horz" wrap="square" lIns="72390" tIns="72390" rIns="72390" bIns="72390" numCol="1" spcCol="1270" anchor="ctr" anchorCtr="0">
           <a:noAutofit/>
         </a:bodyPr>
         <a:lstStyle/>
         <a:p>
-          <a:pPr marL="0" lvl="0" indent="0" algn="l" defTabSz="533400">
+          <a:pPr marL="0" lvl="0" indent="0" algn="l" defTabSz="844550">
             <a:lnSpc>
               <a:spcPct val="90000"/>
             </a:lnSpc>
@@ -13146,26 +12186,26 @@
             <a:buNone/>
           </a:pPr>
           <a:r>
-            <a:rPr lang="en-US" sz="1200" b="0" i="0" kern="1200"/>
-            <a:t>Is missing data random or does it have a pattern?</a:t>
+            <a:rPr lang="en-US" sz="1900" b="0" i="0" kern="1200"/>
+            <a:t>Let's take a look at some features that may be misinterpreted to represent something it's not.</a:t>
           </a:r>
-          <a:endParaRPr lang="en-US" sz="1200" kern="1200"/>
+          <a:endParaRPr lang="en-US" sz="1900" kern="1200"/>
         </a:p>
       </dsp:txBody>
       <dsp:txXfrm>
-        <a:off x="32384" y="2225333"/>
-        <a:ext cx="10450832" cy="598621"/>
+        <a:off x="33098" y="770657"/>
+        <a:ext cx="10449404" cy="611818"/>
       </dsp:txXfrm>
     </dsp:sp>
-    <dsp:sp modelId="{E92F3578-580B-443A-B8BC-BDB143C3AAF0}">
+    <dsp:sp modelId="{0EA589F7-DF05-42EA-9960-A22B9826A982}">
       <dsp:nvSpPr>
         <dsp:cNvPr id="0" name=""/>
         <dsp:cNvSpPr/>
       </dsp:nvSpPr>
       <dsp:spPr>
         <a:xfrm>
-          <a:off x="0" y="2890899"/>
-          <a:ext cx="10515600" cy="663389"/>
+          <a:off x="0" y="1470294"/>
+          <a:ext cx="10515600" cy="678014"/>
         </a:xfrm>
         <a:prstGeom prst="roundRect">
           <a:avLst/>
@@ -13207,12 +12247,12 @@
         </a:fontRef>
       </dsp:style>
       <dsp:txBody>
-        <a:bodyPr spcFirstLastPara="0" vert="horz" wrap="square" lIns="45720" tIns="45720" rIns="45720" bIns="45720" numCol="1" spcCol="1270" anchor="ctr" anchorCtr="0">
+        <a:bodyPr spcFirstLastPara="0" vert="horz" wrap="square" lIns="72390" tIns="72390" rIns="72390" bIns="72390" numCol="1" spcCol="1270" anchor="ctr" anchorCtr="0">
           <a:noAutofit/>
         </a:bodyPr>
         <a:lstStyle/>
         <a:p>
-          <a:pPr marL="0" lvl="0" indent="0" algn="l" defTabSz="533400">
+          <a:pPr marL="0" lvl="0" indent="0" algn="l" defTabSz="844550">
             <a:lnSpc>
               <a:spcPct val="90000"/>
             </a:lnSpc>
@@ -13225,26 +12265,26 @@
             <a:buNone/>
           </a:pPr>
           <a:r>
-            <a:rPr lang="en-US" sz="1200" b="0" i="0" kern="1200"/>
-            <a:t>The answer to these questions is important for practical reasons because missing data can imply a reduction of the sample size. This can prevent us from proceeding with the analysis. Moreover, from a substantive perspective, we need to ensure that the missing data process is not biased and hiding an inconvenient truth.</a:t>
+            <a:rPr lang="en-US" sz="1900" b="0" i="0" kern="1200"/>
+            <a:t>MSSubClass: Identifies the type of dwelling involved in the sale.</a:t>
           </a:r>
-          <a:endParaRPr lang="en-US" sz="1200" kern="1200"/>
+          <a:endParaRPr lang="en-US" sz="1900" kern="1200"/>
         </a:p>
       </dsp:txBody>
       <dsp:txXfrm>
-        <a:off x="32384" y="2923283"/>
-        <a:ext cx="10450832" cy="598621"/>
+        <a:off x="33098" y="1503392"/>
+        <a:ext cx="10449404" cy="611818"/>
       </dsp:txXfrm>
     </dsp:sp>
-    <dsp:sp modelId="{54EA99D2-6547-4620-931E-C0506B1FB57D}">
+    <dsp:sp modelId="{6FEF0670-6E24-4A10-8A4E-65F634C3DD75}">
       <dsp:nvSpPr>
         <dsp:cNvPr id="0" name=""/>
         <dsp:cNvSpPr/>
       </dsp:nvSpPr>
       <dsp:spPr>
         <a:xfrm>
-          <a:off x="0" y="3588849"/>
-          <a:ext cx="10515600" cy="663389"/>
+          <a:off x="0" y="2203029"/>
+          <a:ext cx="10515600" cy="678014"/>
         </a:xfrm>
         <a:prstGeom prst="roundRect">
           <a:avLst/>
@@ -13286,12 +12326,12 @@
         </a:fontRef>
       </dsp:style>
       <dsp:txBody>
-        <a:bodyPr spcFirstLastPara="0" vert="horz" wrap="square" lIns="45720" tIns="45720" rIns="45720" bIns="45720" numCol="1" spcCol="1270" anchor="ctr" anchorCtr="0">
+        <a:bodyPr spcFirstLastPara="0" vert="horz" wrap="square" lIns="72390" tIns="72390" rIns="72390" bIns="72390" numCol="1" spcCol="1270" anchor="ctr" anchorCtr="0">
           <a:noAutofit/>
         </a:bodyPr>
         <a:lstStyle/>
         <a:p>
-          <a:pPr marL="0" lvl="0" indent="0" algn="l" defTabSz="533400">
+          <a:pPr marL="0" lvl="0" indent="0" algn="l" defTabSz="844550">
             <a:lnSpc>
               <a:spcPct val="90000"/>
             </a:lnSpc>
@@ -13304,38 +12344,26 @@
             <a:buNone/>
           </a:pPr>
           <a:r>
-            <a:rPr lang="en-US" sz="1200" b="0" i="0" kern="1200"/>
-            <a:t>Let's combine both training and test data into one dataset to impute missing values and do some cleaning.</a:t>
+            <a:rPr lang="en-US" sz="1900" b="0" i="0" kern="1200"/>
+            <a:t>20 1-STORY 1946 &amp; NEWER ALL STYLES</a:t>
           </a:r>
-          <a:endParaRPr lang="en-US" sz="1200" kern="1200"/>
+          <a:endParaRPr lang="en-US" sz="1900" kern="1200"/>
         </a:p>
       </dsp:txBody>
       <dsp:txXfrm>
-        <a:off x="32384" y="3621233"/>
-        <a:ext cx="10450832" cy="598621"/>
+        <a:off x="33098" y="2236127"/>
+        <a:ext cx="10449404" cy="611818"/>
       </dsp:txXfrm>
     </dsp:sp>
-  </dsp:spTree>
-</dsp:drawing>
-</file>
-
-<file path=ppt/diagrams/drawing6.xml><?xml version="1.0" encoding="utf-8"?>
-<dsp:drawing xmlns:dgm="http://schemas.openxmlformats.org/drawingml/2006/diagram" xmlns:dsp="http://schemas.microsoft.com/office/drawing/2008/diagram" xmlns:a="http://schemas.openxmlformats.org/drawingml/2006/main">
-  <dsp:spTree>
-    <dsp:nvGrpSpPr>
-      <dsp:cNvPr id="0" name=""/>
-      <dsp:cNvGrpSpPr/>
-    </dsp:nvGrpSpPr>
-    <dsp:grpSpPr/>
-    <dsp:sp modelId="{C8ECF35D-2BE7-461C-AB42-72B669EC16E3}">
+    <dsp:sp modelId="{A079DF4C-B73E-44A8-9FFE-BE13DC3C5BFE}">
       <dsp:nvSpPr>
         <dsp:cNvPr id="0" name=""/>
         <dsp:cNvSpPr/>
       </dsp:nvSpPr>
       <dsp:spPr>
         <a:xfrm>
-          <a:off x="0" y="49756"/>
-          <a:ext cx="10515600" cy="399262"/>
+          <a:off x="0" y="2935764"/>
+          <a:ext cx="10515600" cy="678014"/>
         </a:xfrm>
         <a:prstGeom prst="roundRect">
           <a:avLst/>
@@ -13377,12 +12405,12 @@
         </a:fontRef>
       </dsp:style>
       <dsp:txBody>
-        <a:bodyPr spcFirstLastPara="0" vert="horz" wrap="square" lIns="38100" tIns="38100" rIns="38100" bIns="38100" numCol="1" spcCol="1270" anchor="ctr" anchorCtr="0">
+        <a:bodyPr spcFirstLastPara="0" vert="horz" wrap="square" lIns="72390" tIns="72390" rIns="72390" bIns="72390" numCol="1" spcCol="1270" anchor="ctr" anchorCtr="0">
           <a:noAutofit/>
         </a:bodyPr>
         <a:lstStyle/>
         <a:p>
-          <a:pPr marL="0" lvl="0" indent="0" algn="l" defTabSz="444500">
+          <a:pPr marL="0" lvl="0" indent="0" algn="l" defTabSz="844550">
             <a:lnSpc>
               <a:spcPct val="90000"/>
             </a:lnSpc>
@@ -13395,26 +12423,26 @@
             <a:buNone/>
           </a:pPr>
           <a:r>
-            <a:rPr lang="en-US" sz="1000" b="1" i="0" kern="1200"/>
-            <a:t>5. Feature Transformation/Engineering</a:t>
+            <a:rPr lang="en-US" sz="1900" b="0" i="0" kern="1200"/>
+            <a:t>30 1-STORY 1945 &amp; OLDER</a:t>
           </a:r>
-          <a:endParaRPr lang="en-US" sz="1000" kern="1200"/>
+          <a:endParaRPr lang="en-US" sz="1900" kern="1200"/>
         </a:p>
       </dsp:txBody>
       <dsp:txXfrm>
-        <a:off x="19490" y="69246"/>
-        <a:ext cx="10476620" cy="360282"/>
+        <a:off x="33098" y="2968862"/>
+        <a:ext cx="10449404" cy="611818"/>
       </dsp:txXfrm>
     </dsp:sp>
-    <dsp:sp modelId="{96E103A5-AE33-4EF2-B319-BE097F7F4612}">
+    <dsp:sp modelId="{F6F515DF-432D-45D0-8782-9743F35FFA0A}">
       <dsp:nvSpPr>
         <dsp:cNvPr id="0" name=""/>
         <dsp:cNvSpPr/>
       </dsp:nvSpPr>
       <dsp:spPr>
         <a:xfrm>
-          <a:off x="0" y="477819"/>
-          <a:ext cx="10515600" cy="399262"/>
+          <a:off x="0" y="3668499"/>
+          <a:ext cx="10515600" cy="678014"/>
         </a:xfrm>
         <a:prstGeom prst="roundRect">
           <a:avLst/>
@@ -13456,12 +12484,12 @@
         </a:fontRef>
       </dsp:style>
       <dsp:txBody>
-        <a:bodyPr spcFirstLastPara="0" vert="horz" wrap="square" lIns="38100" tIns="38100" rIns="38100" bIns="38100" numCol="1" spcCol="1270" anchor="ctr" anchorCtr="0">
+        <a:bodyPr spcFirstLastPara="0" vert="horz" wrap="square" lIns="72390" tIns="72390" rIns="72390" bIns="72390" numCol="1" spcCol="1270" anchor="ctr" anchorCtr="0">
           <a:noAutofit/>
         </a:bodyPr>
         <a:lstStyle/>
         <a:p>
-          <a:pPr marL="0" lvl="0" indent="0" algn="l" defTabSz="444500">
+          <a:pPr marL="0" lvl="0" indent="0" algn="l" defTabSz="844550">
             <a:lnSpc>
               <a:spcPct val="90000"/>
             </a:lnSpc>
@@ -13474,26 +12502,38 @@
             <a:buNone/>
           </a:pPr>
           <a:r>
-            <a:rPr lang="en-US" sz="1000" b="0" i="0" kern="1200"/>
-            <a:t>Let's take a look at some features that may be misinterpreted to represent something it's not.</a:t>
+            <a:rPr lang="en-US" sz="1900" b="0" i="0" kern="1200"/>
+            <a:t>40 1-STORY W/FINISHED ATTIC ALL AGES</a:t>
           </a:r>
-          <a:endParaRPr lang="en-US" sz="1000" kern="1200"/>
+          <a:endParaRPr lang="en-US" sz="1900" kern="1200"/>
         </a:p>
       </dsp:txBody>
       <dsp:txXfrm>
-        <a:off x="19490" y="497309"/>
-        <a:ext cx="10476620" cy="360282"/>
+        <a:off x="33098" y="3701597"/>
+        <a:ext cx="10449404" cy="611818"/>
       </dsp:txXfrm>
     </dsp:sp>
-    <dsp:sp modelId="{0EA589F7-DF05-42EA-9960-A22B9826A982}">
+  </dsp:spTree>
+</dsp:drawing>
+</file>
+
+<file path=ppt/diagrams/drawing6.xml><?xml version="1.0" encoding="utf-8"?>
+<dsp:drawing xmlns:dgm="http://schemas.openxmlformats.org/drawingml/2006/diagram" xmlns:dsp="http://schemas.microsoft.com/office/drawing/2008/diagram" xmlns:a="http://schemas.openxmlformats.org/drawingml/2006/main">
+  <dsp:spTree>
+    <dsp:nvGrpSpPr>
+      <dsp:cNvPr id="0" name=""/>
+      <dsp:cNvGrpSpPr/>
+    </dsp:nvGrpSpPr>
+    <dsp:grpSpPr/>
+    <dsp:sp modelId="{C8ECF35D-2BE7-461C-AB42-72B669EC16E3}">
       <dsp:nvSpPr>
         <dsp:cNvPr id="0" name=""/>
         <dsp:cNvSpPr/>
       </dsp:nvSpPr>
       <dsp:spPr>
         <a:xfrm>
-          <a:off x="0" y="905881"/>
-          <a:ext cx="10515600" cy="399262"/>
+          <a:off x="0" y="41584"/>
+          <a:ext cx="10515600" cy="950990"/>
         </a:xfrm>
         <a:prstGeom prst="roundRect">
           <a:avLst/>
@@ -13535,12 +12575,12 @@
         </a:fontRef>
       </dsp:style>
       <dsp:txBody>
-        <a:bodyPr spcFirstLastPara="0" vert="horz" wrap="square" lIns="38100" tIns="38100" rIns="38100" bIns="38100" numCol="1" spcCol="1270" anchor="ctr" anchorCtr="0">
+        <a:bodyPr spcFirstLastPara="0" vert="horz" wrap="square" lIns="106680" tIns="106680" rIns="106680" bIns="106680" numCol="1" spcCol="1270" anchor="ctr" anchorCtr="0">
           <a:noAutofit/>
         </a:bodyPr>
         <a:lstStyle/>
         <a:p>
-          <a:pPr marL="0" lvl="0" indent="0" algn="l" defTabSz="444500">
+          <a:pPr marL="0" lvl="0" indent="0" algn="l" defTabSz="1244600">
             <a:lnSpc>
               <a:spcPct val="90000"/>
             </a:lnSpc>
@@ -13553,26 +12593,26 @@
             <a:buNone/>
           </a:pPr>
           <a:r>
-            <a:rPr lang="en-US" sz="1000" b="0" i="0" kern="1200"/>
-            <a:t>MSSubClass: Identifies the type of dwelling involved in the sale.</a:t>
+            <a:rPr lang="en-US" sz="2800" b="1" i="0" kern="1200" dirty="0"/>
+            <a:t>Feature Transformation/Engineering (continued)</a:t>
           </a:r>
-          <a:endParaRPr lang="en-US" sz="1000" kern="1200"/>
+          <a:endParaRPr lang="en-US" sz="2800" kern="1200" dirty="0"/>
         </a:p>
       </dsp:txBody>
       <dsp:txXfrm>
-        <a:off x="19490" y="925371"/>
-        <a:ext cx="10476620" cy="360282"/>
+        <a:off x="46424" y="88008"/>
+        <a:ext cx="10422752" cy="858142"/>
       </dsp:txXfrm>
     </dsp:sp>
-    <dsp:sp modelId="{6FEF0670-6E24-4A10-8A4E-65F634C3DD75}">
+    <dsp:sp modelId="{FEE049F3-BD2F-437F-9FCC-29AD5CB9049F}">
       <dsp:nvSpPr>
         <dsp:cNvPr id="0" name=""/>
         <dsp:cNvSpPr/>
       </dsp:nvSpPr>
       <dsp:spPr>
         <a:xfrm>
-          <a:off x="0" y="1333944"/>
-          <a:ext cx="10515600" cy="399262"/>
+          <a:off x="0" y="1041535"/>
+          <a:ext cx="10515600" cy="950990"/>
         </a:xfrm>
         <a:prstGeom prst="roundRect">
           <a:avLst/>
@@ -13614,12 +12654,12 @@
         </a:fontRef>
       </dsp:style>
       <dsp:txBody>
-        <a:bodyPr spcFirstLastPara="0" vert="horz" wrap="square" lIns="38100" tIns="38100" rIns="38100" bIns="38100" numCol="1" spcCol="1270" anchor="ctr" anchorCtr="0">
+        <a:bodyPr spcFirstLastPara="0" vert="horz" wrap="square" lIns="64770" tIns="64770" rIns="64770" bIns="64770" numCol="1" spcCol="1270" anchor="ctr" anchorCtr="0">
           <a:noAutofit/>
         </a:bodyPr>
         <a:lstStyle/>
         <a:p>
-          <a:pPr marL="0" lvl="0" indent="0" algn="l" defTabSz="444500">
+          <a:pPr marL="0" lvl="0" indent="0" algn="l" defTabSz="755650">
             <a:lnSpc>
               <a:spcPct val="90000"/>
             </a:lnSpc>
@@ -13632,26 +12672,26 @@
             <a:buNone/>
           </a:pPr>
           <a:r>
-            <a:rPr lang="en-US" sz="1000" b="0" i="0" kern="1200"/>
-            <a:t>20 1-STORY 1946 &amp; NEWER ALL STYLES</a:t>
+            <a:rPr lang="en-US" sz="1700" b="0" i="0" kern="1200"/>
+            <a:t>45 1-1/2 STORY - UNFINISHED ALL AGES</a:t>
           </a:r>
-          <a:endParaRPr lang="en-US" sz="1000" kern="1200"/>
+          <a:endParaRPr lang="en-US" sz="1700" kern="1200"/>
         </a:p>
       </dsp:txBody>
       <dsp:txXfrm>
-        <a:off x="19490" y="1353434"/>
-        <a:ext cx="10476620" cy="360282"/>
+        <a:off x="46424" y="1087959"/>
+        <a:ext cx="10422752" cy="858142"/>
       </dsp:txXfrm>
     </dsp:sp>
-    <dsp:sp modelId="{A079DF4C-B73E-44A8-9FFE-BE13DC3C5BFE}">
+    <dsp:sp modelId="{637E642D-1278-4EED-B2C3-3DB2E38E6942}">
       <dsp:nvSpPr>
         <dsp:cNvPr id="0" name=""/>
         <dsp:cNvSpPr/>
       </dsp:nvSpPr>
       <dsp:spPr>
         <a:xfrm>
-          <a:off x="0" y="1762006"/>
-          <a:ext cx="10515600" cy="399262"/>
+          <a:off x="0" y="2041486"/>
+          <a:ext cx="10515600" cy="950990"/>
         </a:xfrm>
         <a:prstGeom prst="roundRect">
           <a:avLst/>
@@ -13693,12 +12733,12 @@
         </a:fontRef>
       </dsp:style>
       <dsp:txBody>
-        <a:bodyPr spcFirstLastPara="0" vert="horz" wrap="square" lIns="38100" tIns="38100" rIns="38100" bIns="38100" numCol="1" spcCol="1270" anchor="ctr" anchorCtr="0">
+        <a:bodyPr spcFirstLastPara="0" vert="horz" wrap="square" lIns="64770" tIns="64770" rIns="64770" bIns="64770" numCol="1" spcCol="1270" anchor="ctr" anchorCtr="0">
           <a:noAutofit/>
         </a:bodyPr>
         <a:lstStyle/>
         <a:p>
-          <a:pPr marL="0" lvl="0" indent="0" algn="l" defTabSz="444500">
+          <a:pPr marL="0" lvl="0" indent="0" algn="l" defTabSz="755650">
             <a:lnSpc>
               <a:spcPct val="90000"/>
             </a:lnSpc>
@@ -13711,26 +12751,26 @@
             <a:buNone/>
           </a:pPr>
           <a:r>
-            <a:rPr lang="en-US" sz="1000" b="0" i="0" kern="1200"/>
-            <a:t>30 1-STORY 1945 &amp; OLDER</a:t>
+            <a:rPr lang="en-US" sz="1700" b="0" i="0" kern="1200"/>
+            <a:t>50 1-1/2 STORY FINISHED ALL AGES</a:t>
           </a:r>
-          <a:endParaRPr lang="en-US" sz="1000" kern="1200"/>
+          <a:endParaRPr lang="en-US" sz="1700" kern="1200"/>
         </a:p>
       </dsp:txBody>
       <dsp:txXfrm>
-        <a:off x="19490" y="1781496"/>
-        <a:ext cx="10476620" cy="360282"/>
+        <a:off x="46424" y="2087910"/>
+        <a:ext cx="10422752" cy="858142"/>
       </dsp:txXfrm>
     </dsp:sp>
-    <dsp:sp modelId="{F6F515DF-432D-45D0-8782-9743F35FFA0A}">
+    <dsp:sp modelId="{66C7FF95-8AD8-49D7-BDC7-E47CFC5BEB76}">
       <dsp:nvSpPr>
         <dsp:cNvPr id="0" name=""/>
         <dsp:cNvSpPr/>
       </dsp:nvSpPr>
       <dsp:spPr>
         <a:xfrm>
-          <a:off x="0" y="2190069"/>
-          <a:ext cx="10515600" cy="399262"/>
+          <a:off x="0" y="3041436"/>
+          <a:ext cx="10515600" cy="950990"/>
         </a:xfrm>
         <a:prstGeom prst="roundRect">
           <a:avLst/>
@@ -13772,12 +12812,12 @@
         </a:fontRef>
       </dsp:style>
       <dsp:txBody>
-        <a:bodyPr spcFirstLastPara="0" vert="horz" wrap="square" lIns="38100" tIns="38100" rIns="38100" bIns="38100" numCol="1" spcCol="1270" anchor="ctr" anchorCtr="0">
+        <a:bodyPr spcFirstLastPara="0" vert="horz" wrap="square" lIns="64770" tIns="64770" rIns="64770" bIns="64770" numCol="1" spcCol="1270" anchor="ctr" anchorCtr="0">
           <a:noAutofit/>
         </a:bodyPr>
         <a:lstStyle/>
         <a:p>
-          <a:pPr marL="0" lvl="0" indent="0" algn="l" defTabSz="444500">
+          <a:pPr marL="0" lvl="0" indent="0" algn="l" defTabSz="755650">
             <a:lnSpc>
               <a:spcPct val="90000"/>
             </a:lnSpc>
@@ -13790,26 +12830,26 @@
             <a:buNone/>
           </a:pPr>
           <a:r>
-            <a:rPr lang="en-US" sz="1000" b="0" i="0" kern="1200"/>
-            <a:t>40 1-STORY W/FINISHED ATTIC ALL AGES</a:t>
+            <a:rPr lang="en-US" sz="1700" b="0" i="0" kern="1200"/>
+            <a:t>So, the average is a 57 type. What does that mean? Is a 90 type 3 times better than a 30 type? This feature was interpreted as numerical when it is actually categorical. The types listed here are codes, not values. Thus, we need to feature transformation with this and many other features.</a:t>
           </a:r>
-          <a:endParaRPr lang="en-US" sz="1000" kern="1200"/>
+          <a:endParaRPr lang="en-US" sz="1700" kern="1200"/>
         </a:p>
       </dsp:txBody>
       <dsp:txXfrm>
-        <a:off x="19490" y="2209559"/>
-        <a:ext cx="10476620" cy="360282"/>
+        <a:off x="46424" y="3087860"/>
+        <a:ext cx="10422752" cy="858142"/>
       </dsp:txXfrm>
     </dsp:sp>
-    <dsp:sp modelId="{FEE049F3-BD2F-437F-9FCC-29AD5CB9049F}">
+    <dsp:sp modelId="{8F69C2E4-7F4F-47F7-8AC4-19EC206E56DA}">
       <dsp:nvSpPr>
         <dsp:cNvPr id="0" name=""/>
         <dsp:cNvSpPr/>
       </dsp:nvSpPr>
       <dsp:spPr>
         <a:xfrm>
-          <a:off x="0" y="2618131"/>
-          <a:ext cx="10515600" cy="399262"/>
+          <a:off x="0" y="4041387"/>
+          <a:ext cx="10515600" cy="950990"/>
         </a:xfrm>
         <a:prstGeom prst="roundRect">
           <a:avLst/>
@@ -13851,12 +12891,12 @@
         </a:fontRef>
       </dsp:style>
       <dsp:txBody>
-        <a:bodyPr spcFirstLastPara="0" vert="horz" wrap="square" lIns="38100" tIns="38100" rIns="38100" bIns="38100" numCol="1" spcCol="1270" anchor="ctr" anchorCtr="0">
+        <a:bodyPr spcFirstLastPara="0" vert="horz" wrap="square" lIns="64770" tIns="64770" rIns="64770" bIns="64770" numCol="1" spcCol="1270" anchor="ctr" anchorCtr="0">
           <a:noAutofit/>
         </a:bodyPr>
         <a:lstStyle/>
         <a:p>
-          <a:pPr marL="0" lvl="0" indent="0" algn="l" defTabSz="444500">
+          <a:pPr marL="0" lvl="0" indent="0" algn="l" defTabSz="755650">
             <a:lnSpc>
               <a:spcPct val="90000"/>
             </a:lnSpc>
@@ -13869,251 +12909,14 @@
             <a:buNone/>
           </a:pPr>
           <a:r>
-            <a:rPr lang="en-US" sz="1000" b="0" i="0" kern="1200"/>
-            <a:t>45 1-1/2 STORY - UNFINISHED ALL AGES</a:t>
-          </a:r>
-          <a:endParaRPr lang="en-US" sz="1000" kern="1200"/>
-        </a:p>
-      </dsp:txBody>
-      <dsp:txXfrm>
-        <a:off x="19490" y="2637621"/>
-        <a:ext cx="10476620" cy="360282"/>
-      </dsp:txXfrm>
-    </dsp:sp>
-    <dsp:sp modelId="{637E642D-1278-4EED-B2C3-3DB2E38E6942}">
-      <dsp:nvSpPr>
-        <dsp:cNvPr id="0" name=""/>
-        <dsp:cNvSpPr/>
-      </dsp:nvSpPr>
-      <dsp:spPr>
-        <a:xfrm>
-          <a:off x="0" y="3046194"/>
-          <a:ext cx="10515600" cy="399262"/>
-        </a:xfrm>
-        <a:prstGeom prst="roundRect">
-          <a:avLst/>
-        </a:prstGeom>
-        <a:solidFill>
-          <a:schemeClr val="accent1">
-            <a:hueOff val="0"/>
-            <a:satOff val="0"/>
-            <a:lumOff val="0"/>
-            <a:alphaOff val="0"/>
-          </a:schemeClr>
-        </a:solidFill>
-        <a:ln w="19050" cap="flat" cmpd="sng" algn="ctr">
-          <a:solidFill>
-            <a:schemeClr val="lt1">
-              <a:hueOff val="0"/>
-              <a:satOff val="0"/>
-              <a:lumOff val="0"/>
-              <a:alphaOff val="0"/>
-            </a:schemeClr>
-          </a:solidFill>
-          <a:prstDash val="solid"/>
-          <a:miter lim="800000"/>
-        </a:ln>
-        <a:effectLst/>
-      </dsp:spPr>
-      <dsp:style>
-        <a:lnRef idx="2">
-          <a:scrgbClr r="0" g="0" b="0"/>
-        </a:lnRef>
-        <a:fillRef idx="1">
-          <a:scrgbClr r="0" g="0" b="0"/>
-        </a:fillRef>
-        <a:effectRef idx="0">
-          <a:scrgbClr r="0" g="0" b="0"/>
-        </a:effectRef>
-        <a:fontRef idx="minor">
-          <a:schemeClr val="lt1"/>
-        </a:fontRef>
-      </dsp:style>
-      <dsp:txBody>
-        <a:bodyPr spcFirstLastPara="0" vert="horz" wrap="square" lIns="38100" tIns="38100" rIns="38100" bIns="38100" numCol="1" spcCol="1270" anchor="ctr" anchorCtr="0">
-          <a:noAutofit/>
-        </a:bodyPr>
-        <a:lstStyle/>
-        <a:p>
-          <a:pPr marL="0" lvl="0" indent="0" algn="l" defTabSz="444500">
-            <a:lnSpc>
-              <a:spcPct val="90000"/>
-            </a:lnSpc>
-            <a:spcBef>
-              <a:spcPct val="0"/>
-            </a:spcBef>
-            <a:spcAft>
-              <a:spcPct val="35000"/>
-            </a:spcAft>
-            <a:buNone/>
-          </a:pPr>
-          <a:r>
-            <a:rPr lang="en-US" sz="1000" b="0" i="0" kern="1200"/>
-            <a:t>50 1-1/2 STORY FINISHED ALL AGES</a:t>
-          </a:r>
-          <a:endParaRPr lang="en-US" sz="1000" kern="1200"/>
-        </a:p>
-      </dsp:txBody>
-      <dsp:txXfrm>
-        <a:off x="19490" y="3065684"/>
-        <a:ext cx="10476620" cy="360282"/>
-      </dsp:txXfrm>
-    </dsp:sp>
-    <dsp:sp modelId="{66C7FF95-8AD8-49D7-BDC7-E47CFC5BEB76}">
-      <dsp:nvSpPr>
-        <dsp:cNvPr id="0" name=""/>
-        <dsp:cNvSpPr/>
-      </dsp:nvSpPr>
-      <dsp:spPr>
-        <a:xfrm>
-          <a:off x="0" y="3474256"/>
-          <a:ext cx="10515600" cy="399262"/>
-        </a:xfrm>
-        <a:prstGeom prst="roundRect">
-          <a:avLst/>
-        </a:prstGeom>
-        <a:solidFill>
-          <a:schemeClr val="accent1">
-            <a:hueOff val="0"/>
-            <a:satOff val="0"/>
-            <a:lumOff val="0"/>
-            <a:alphaOff val="0"/>
-          </a:schemeClr>
-        </a:solidFill>
-        <a:ln w="19050" cap="flat" cmpd="sng" algn="ctr">
-          <a:solidFill>
-            <a:schemeClr val="lt1">
-              <a:hueOff val="0"/>
-              <a:satOff val="0"/>
-              <a:lumOff val="0"/>
-              <a:alphaOff val="0"/>
-            </a:schemeClr>
-          </a:solidFill>
-          <a:prstDash val="solid"/>
-          <a:miter lim="800000"/>
-        </a:ln>
-        <a:effectLst/>
-      </dsp:spPr>
-      <dsp:style>
-        <a:lnRef idx="2">
-          <a:scrgbClr r="0" g="0" b="0"/>
-        </a:lnRef>
-        <a:fillRef idx="1">
-          <a:scrgbClr r="0" g="0" b="0"/>
-        </a:fillRef>
-        <a:effectRef idx="0">
-          <a:scrgbClr r="0" g="0" b="0"/>
-        </a:effectRef>
-        <a:fontRef idx="minor">
-          <a:schemeClr val="lt1"/>
-        </a:fontRef>
-      </dsp:style>
-      <dsp:txBody>
-        <a:bodyPr spcFirstLastPara="0" vert="horz" wrap="square" lIns="38100" tIns="38100" rIns="38100" bIns="38100" numCol="1" spcCol="1270" anchor="ctr" anchorCtr="0">
-          <a:noAutofit/>
-        </a:bodyPr>
-        <a:lstStyle/>
-        <a:p>
-          <a:pPr marL="0" lvl="0" indent="0" algn="l" defTabSz="444500">
-            <a:lnSpc>
-              <a:spcPct val="90000"/>
-            </a:lnSpc>
-            <a:spcBef>
-              <a:spcPct val="0"/>
-            </a:spcBef>
-            <a:spcAft>
-              <a:spcPct val="35000"/>
-            </a:spcAft>
-            <a:buNone/>
-          </a:pPr>
-          <a:r>
-            <a:rPr lang="en-US" sz="1000" b="0" i="0" kern="1200"/>
-            <a:t>So, the average is a 57 type. What does that mean? Is a 90 type 3 times better than a 30 type? This feature was interpreted as numerical when it is actually categorical. The types listed here are codes, not values. Thus, we need to feature transformation with this and many other features.</a:t>
-          </a:r>
-          <a:endParaRPr lang="en-US" sz="1000" kern="1200"/>
-        </a:p>
-      </dsp:txBody>
-      <dsp:txXfrm>
-        <a:off x="19490" y="3493746"/>
-        <a:ext cx="10476620" cy="360282"/>
-      </dsp:txXfrm>
-    </dsp:sp>
-    <dsp:sp modelId="{8F69C2E4-7F4F-47F7-8AC4-19EC206E56DA}">
-      <dsp:nvSpPr>
-        <dsp:cNvPr id="0" name=""/>
-        <dsp:cNvSpPr/>
-      </dsp:nvSpPr>
-      <dsp:spPr>
-        <a:xfrm>
-          <a:off x="0" y="3902319"/>
-          <a:ext cx="10515600" cy="399262"/>
-        </a:xfrm>
-        <a:prstGeom prst="roundRect">
-          <a:avLst/>
-        </a:prstGeom>
-        <a:solidFill>
-          <a:schemeClr val="accent1">
-            <a:hueOff val="0"/>
-            <a:satOff val="0"/>
-            <a:lumOff val="0"/>
-            <a:alphaOff val="0"/>
-          </a:schemeClr>
-        </a:solidFill>
-        <a:ln w="19050" cap="flat" cmpd="sng" algn="ctr">
-          <a:solidFill>
-            <a:schemeClr val="lt1">
-              <a:hueOff val="0"/>
-              <a:satOff val="0"/>
-              <a:lumOff val="0"/>
-              <a:alphaOff val="0"/>
-            </a:schemeClr>
-          </a:solidFill>
-          <a:prstDash val="solid"/>
-          <a:miter lim="800000"/>
-        </a:ln>
-        <a:effectLst/>
-      </dsp:spPr>
-      <dsp:style>
-        <a:lnRef idx="2">
-          <a:scrgbClr r="0" g="0" b="0"/>
-        </a:lnRef>
-        <a:fillRef idx="1">
-          <a:scrgbClr r="0" g="0" b="0"/>
-        </a:fillRef>
-        <a:effectRef idx="0">
-          <a:scrgbClr r="0" g="0" b="0"/>
-        </a:effectRef>
-        <a:fontRef idx="minor">
-          <a:schemeClr val="lt1"/>
-        </a:fontRef>
-      </dsp:style>
-      <dsp:txBody>
-        <a:bodyPr spcFirstLastPara="0" vert="horz" wrap="square" lIns="38100" tIns="38100" rIns="38100" bIns="38100" numCol="1" spcCol="1270" anchor="ctr" anchorCtr="0">
-          <a:noAutofit/>
-        </a:bodyPr>
-        <a:lstStyle/>
-        <a:p>
-          <a:pPr marL="0" lvl="0" indent="0" algn="l" defTabSz="444500">
-            <a:lnSpc>
-              <a:spcPct val="90000"/>
-            </a:lnSpc>
-            <a:spcBef>
-              <a:spcPct val="0"/>
-            </a:spcBef>
-            <a:spcAft>
-              <a:spcPct val="35000"/>
-            </a:spcAft>
-            <a:buNone/>
-          </a:pPr>
-          <a:r>
-            <a:rPr lang="en-US" sz="1000" kern="1200"/>
+            <a:rPr lang="en-US" sz="1700" kern="1200"/>
             <a:t>Make it a string (categorical)</a:t>
           </a:r>
         </a:p>
       </dsp:txBody>
       <dsp:txXfrm>
-        <a:off x="19490" y="3921809"/>
-        <a:ext cx="10476620" cy="360282"/>
+        <a:off x="46424" y="4087811"/>
+        <a:ext cx="10422752" cy="858142"/>
       </dsp:txXfrm>
     </dsp:sp>
   </dsp:spTree>
@@ -30019,7 +28822,7 @@
           <p:cNvPr id="2" name="Title 1">
             <a:extLst>
               <a:ext uri="{FF2B5EF4-FFF2-40B4-BE49-F238E27FC236}">
-                <a16:creationId xmlns:a16="http://schemas.microsoft.com/office/drawing/2014/main" id="{91C2A03E-92B7-B214-4074-9A4F567CCEC9}"/>
+                <a16:creationId xmlns:a16="http://schemas.microsoft.com/office/drawing/2014/main" id="{6A013F7B-1A02-9D72-1DC8-86B73CC0F005}"/>
               </a:ext>
             </a:extLst>
           </p:cNvPr>
@@ -30035,40 +28838,114 @@
           <a:bodyPr/>
           <a:lstStyle/>
           <a:p>
-            <a:endParaRPr lang="en-US"/>
+            <a:r>
+              <a:rPr lang="en-US" dirty="0" err="1"/>
+              <a:t>GarageCars</a:t>
+            </a:r>
+            <a:r>
+              <a:rPr lang="en-US" dirty="0"/>
+              <a:t>: </a:t>
+            </a:r>
+            <a:r>
+              <a:rPr lang="en-US" sz="2800" dirty="0"/>
+              <a:t>Similarly other outliers were removed from columns that are of interest</a:t>
+            </a:r>
+            <a:endParaRPr lang="en-US" dirty="0"/>
           </a:p>
         </p:txBody>
       </p:sp>
-      <p:graphicFrame>
-        <p:nvGraphicFramePr>
-          <p:cNvPr id="9" name="Content Placeholder 2">
+      <p:sp>
+        <p:nvSpPr>
+          <p:cNvPr id="3" name="Content Placeholder 2">
             <a:extLst>
               <a:ext uri="{FF2B5EF4-FFF2-40B4-BE49-F238E27FC236}">
-                <a16:creationId xmlns:a16="http://schemas.microsoft.com/office/drawing/2014/main" id="{9B654497-F194-0DC0-75F0-5DC5174C19C5}"/>
+                <a16:creationId xmlns:a16="http://schemas.microsoft.com/office/drawing/2014/main" id="{3AC8E0B9-5F86-8ABE-F537-88E069ACCE42}"/>
               </a:ext>
             </a:extLst>
           </p:cNvPr>
-          <p:cNvGraphicFramePr>
-            <a:graphicFrameLocks noGrp="1"/>
-          </p:cNvGraphicFramePr>
+          <p:cNvSpPr>
+            <a:spLocks noGrp="1"/>
+          </p:cNvSpPr>
           <p:nvPr>
             <p:ph idx="1"/>
           </p:nvPr>
-        </p:nvGraphicFramePr>
-        <p:xfrm>
-          <a:off x="838200" y="1825625"/>
-          <a:ext cx="10515600" cy="4351338"/>
-        </p:xfrm>
-        <a:graphic>
-          <a:graphicData uri="http://schemas.openxmlformats.org/drawingml/2006/diagram">
-            <dgm:relIds xmlns:dgm="http://schemas.openxmlformats.org/drawingml/2006/diagram" xmlns:r="http://schemas.openxmlformats.org/officeDocument/2006/relationships" r:dm="rId2" r:lo="rId3" r:qs="rId4" r:cs="rId5"/>
-          </a:graphicData>
-        </a:graphic>
-      </p:graphicFrame>
+        </p:nvSpPr>
+        <p:spPr>
+          <a:xfrm>
+            <a:off x="838200" y="2090057"/>
+            <a:ext cx="3439886" cy="4086906"/>
+          </a:xfrm>
+        </p:spPr>
+        <p:txBody>
+          <a:bodyPr>
+            <a:normAutofit/>
+          </a:bodyPr>
+          <a:lstStyle/>
+          <a:p>
+            <a:pPr marL="0" indent="0">
+              <a:buNone/>
+            </a:pPr>
+            <a:r>
+              <a:rPr lang="en-US" sz="2000" b="0" i="0" dirty="0">
+                <a:effectLst/>
+                <a:latin typeface="-apple-system"/>
+              </a:rPr>
+              <a:t>4-car garages result in less Sale Price? That doesn't make much sense. Let's remove those outliers.</a:t>
+            </a:r>
+          </a:p>
+          <a:p>
+            <a:pPr marL="0" indent="0">
+              <a:buNone/>
+            </a:pPr>
+            <a:r>
+              <a:rPr lang="en-US" sz="2000" b="1" dirty="0">
+                <a:latin typeface="-apple-system"/>
+              </a:rPr>
+              <a:t>Note</a:t>
+            </a:r>
+            <a:r>
+              <a:rPr lang="en-US" sz="2000" dirty="0">
+                <a:latin typeface="-apple-system"/>
+              </a:rPr>
+              <a:t>: removal of data is totally discretionary and may or may not help in modeling. Use at your own preference.</a:t>
+            </a:r>
+          </a:p>
+        </p:txBody>
+      </p:sp>
+      <p:pic>
+        <p:nvPicPr>
+          <p:cNvPr id="5" name="Picture 4">
+            <a:extLst>
+              <a:ext uri="{FF2B5EF4-FFF2-40B4-BE49-F238E27FC236}">
+                <a16:creationId xmlns:a16="http://schemas.microsoft.com/office/drawing/2014/main" id="{04BA3498-4BC1-DEC0-E858-95068D6D802E}"/>
+              </a:ext>
+            </a:extLst>
+          </p:cNvPr>
+          <p:cNvPicPr>
+            <a:picLocks noChangeAspect="1"/>
+          </p:cNvPicPr>
+          <p:nvPr/>
+        </p:nvPicPr>
+        <p:blipFill>
+          <a:blip r:embed="rId2"/>
+          <a:stretch>
+            <a:fillRect/>
+          </a:stretch>
+        </p:blipFill>
+        <p:spPr>
+          <a:xfrm>
+            <a:off x="4546004" y="1899634"/>
+            <a:ext cx="7645996" cy="4958366"/>
+          </a:xfrm>
+          <a:prstGeom prst="rect">
+            <a:avLst/>
+          </a:prstGeom>
+        </p:spPr>
+      </p:pic>
     </p:spTree>
     <p:extLst>
       <p:ext uri="{BB962C8B-B14F-4D97-AF65-F5344CB8AC3E}">
-        <p14:creationId xmlns:p14="http://schemas.microsoft.com/office/powerpoint/2010/main" val="4093160908"/>
+        <p14:creationId xmlns:p14="http://schemas.microsoft.com/office/powerpoint/2010/main" val="1894136970"/>
       </p:ext>
     </p:extLst>
   </p:cSld>
@@ -30095,31 +28972,6 @@
           <a:chExt cx="0" cy="0"/>
         </a:xfrm>
       </p:grpSpPr>
-      <p:sp>
-        <p:nvSpPr>
-          <p:cNvPr id="2" name="Title 1">
-            <a:extLst>
-              <a:ext uri="{FF2B5EF4-FFF2-40B4-BE49-F238E27FC236}">
-                <a16:creationId xmlns:a16="http://schemas.microsoft.com/office/drawing/2014/main" id="{5332C40E-870C-1C6F-5D4E-D1D1DF48417B}"/>
-              </a:ext>
-            </a:extLst>
-          </p:cNvPr>
-          <p:cNvSpPr>
-            <a:spLocks noGrp="1"/>
-          </p:cNvSpPr>
-          <p:nvPr>
-            <p:ph type="title"/>
-          </p:nvPr>
-        </p:nvSpPr>
-        <p:spPr/>
-        <p:txBody>
-          <a:bodyPr/>
-          <a:lstStyle/>
-          <a:p>
-            <a:endParaRPr lang="en-US"/>
-          </a:p>
-        </p:txBody>
-      </p:sp>
       <p:graphicFrame>
         <p:nvGraphicFramePr>
           <p:cNvPr id="5" name="Content Placeholder 2">
@@ -30134,11 +28986,16 @@
           </p:cNvGraphicFramePr>
           <p:nvPr>
             <p:ph idx="1"/>
+            <p:extLst>
+              <p:ext uri="{D42A27DB-BD31-4B8C-83A1-F6EECF244321}">
+                <p14:modId xmlns:p14="http://schemas.microsoft.com/office/powerpoint/2010/main" val="1939662821"/>
+              </p:ext>
+            </p:extLst>
           </p:nvPr>
         </p:nvGraphicFramePr>
         <p:xfrm>
-          <a:off x="838200" y="1825625"/>
-          <a:ext cx="10515600" cy="4351338"/>
+          <a:off x="838200" y="892629"/>
+          <a:ext cx="10515600" cy="5284334"/>
         </p:xfrm>
         <a:graphic>
           <a:graphicData uri="http://schemas.openxmlformats.org/drawingml/2006/diagram">
@@ -30164,7 +29021,13 @@
   <p:cSld>
     <p:spTree>
       <p:nvGrpSpPr>
-        <p:cNvPr id="1" name=""/>
+        <p:cNvPr id="1" name="">
+          <a:extLst>
+            <a:ext uri="{FF2B5EF4-FFF2-40B4-BE49-F238E27FC236}">
+              <a16:creationId xmlns:a16="http://schemas.microsoft.com/office/drawing/2014/main" id="{7CABB4E5-3DC5-EFC8-7EBE-99A66783F65E}"/>
+            </a:ext>
+          </a:extLst>
+        </p:cNvPr>
         <p:cNvGrpSpPr/>
         <p:nvPr/>
       </p:nvGrpSpPr>
@@ -30176,37 +29039,12 @@
           <a:chExt cx="0" cy="0"/>
         </a:xfrm>
       </p:grpSpPr>
-      <p:sp>
-        <p:nvSpPr>
-          <p:cNvPr id="2" name="Title 1">
-            <a:extLst>
-              <a:ext uri="{FF2B5EF4-FFF2-40B4-BE49-F238E27FC236}">
-                <a16:creationId xmlns:a16="http://schemas.microsoft.com/office/drawing/2014/main" id="{5332C40E-870C-1C6F-5D4E-D1D1DF48417B}"/>
-              </a:ext>
-            </a:extLst>
-          </p:cNvPr>
-          <p:cNvSpPr>
-            <a:spLocks noGrp="1"/>
-          </p:cNvSpPr>
-          <p:nvPr>
-            <p:ph type="title"/>
-          </p:nvPr>
-        </p:nvSpPr>
-        <p:spPr/>
-        <p:txBody>
-          <a:bodyPr/>
-          <a:lstStyle/>
-          <a:p>
-            <a:endParaRPr lang="en-US"/>
-          </a:p>
-        </p:txBody>
-      </p:sp>
       <p:graphicFrame>
         <p:nvGraphicFramePr>
           <p:cNvPr id="5" name="Content Placeholder 2">
             <a:extLst>
               <a:ext uri="{FF2B5EF4-FFF2-40B4-BE49-F238E27FC236}">
-                <a16:creationId xmlns:a16="http://schemas.microsoft.com/office/drawing/2014/main" id="{1A74FED4-0EF1-9AAA-C297-962B1D0A270E}"/>
+                <a16:creationId xmlns:a16="http://schemas.microsoft.com/office/drawing/2014/main" id="{97BD7585-E3DB-BB52-9FD9-1BC008A424E5}"/>
               </a:ext>
             </a:extLst>
           </p:cNvPr>
@@ -30215,6 +29053,11 @@
           </p:cNvGraphicFramePr>
           <p:nvPr>
             <p:ph idx="1"/>
+            <p:extLst>
+              <p:ext uri="{D42A27DB-BD31-4B8C-83A1-F6EECF244321}">
+                <p14:modId xmlns:p14="http://schemas.microsoft.com/office/powerpoint/2010/main" val="284841817"/>
+              </p:ext>
+            </p:extLst>
           </p:nvPr>
         </p:nvGraphicFramePr>
         <p:xfrm>
@@ -30230,7 +29073,7 @@
     </p:spTree>
     <p:extLst>
       <p:ext uri="{BB962C8B-B14F-4D97-AF65-F5344CB8AC3E}">
-        <p14:creationId xmlns:p14="http://schemas.microsoft.com/office/powerpoint/2010/main" val="2447325916"/>
+        <p14:creationId xmlns:p14="http://schemas.microsoft.com/office/powerpoint/2010/main" val="3257313607"/>
       </p:ext>
     </p:extLst>
   </p:cSld>
@@ -30257,31 +29100,67 @@
           <a:chExt cx="0" cy="0"/>
         </a:xfrm>
       </p:grpSpPr>
-      <p:sp>
-        <p:nvSpPr>
-          <p:cNvPr id="2" name="Title 1">
+      <p:graphicFrame>
+        <p:nvGraphicFramePr>
+          <p:cNvPr id="5" name="Content Placeholder 2">
             <a:extLst>
               <a:ext uri="{FF2B5EF4-FFF2-40B4-BE49-F238E27FC236}">
-                <a16:creationId xmlns:a16="http://schemas.microsoft.com/office/drawing/2014/main" id="{5332C40E-870C-1C6F-5D4E-D1D1DF48417B}"/>
+                <a16:creationId xmlns:a16="http://schemas.microsoft.com/office/drawing/2014/main" id="{1A74FED4-0EF1-9AAA-C297-962B1D0A270E}"/>
               </a:ext>
             </a:extLst>
           </p:cNvPr>
-          <p:cNvSpPr>
-            <a:spLocks noGrp="1"/>
-          </p:cNvSpPr>
+          <p:cNvGraphicFramePr>
+            <a:graphicFrameLocks noGrp="1"/>
+          </p:cNvGraphicFramePr>
           <p:nvPr>
-            <p:ph type="title"/>
+            <p:ph idx="1"/>
+            <p:extLst>
+              <p:ext uri="{D42A27DB-BD31-4B8C-83A1-F6EECF244321}">
+                <p14:modId xmlns:p14="http://schemas.microsoft.com/office/powerpoint/2010/main" val="3881331151"/>
+              </p:ext>
+            </p:extLst>
           </p:nvPr>
-        </p:nvSpPr>
-        <p:spPr/>
-        <p:txBody>
-          <a:bodyPr/>
-          <a:lstStyle/>
-          <a:p>
-            <a:endParaRPr lang="en-US"/>
-          </a:p>
-        </p:txBody>
-      </p:sp>
+        </p:nvGraphicFramePr>
+        <p:xfrm>
+          <a:off x="838200" y="1143000"/>
+          <a:ext cx="10515600" cy="5033963"/>
+        </p:xfrm>
+        <a:graphic>
+          <a:graphicData uri="http://schemas.openxmlformats.org/drawingml/2006/diagram">
+            <dgm:relIds xmlns:dgm="http://schemas.openxmlformats.org/drawingml/2006/diagram" xmlns:r="http://schemas.openxmlformats.org/officeDocument/2006/relationships" r:dm="rId2" r:lo="rId3" r:qs="rId4" r:cs="rId5"/>
+          </a:graphicData>
+        </a:graphic>
+      </p:graphicFrame>
+    </p:spTree>
+    <p:extLst>
+      <p:ext uri="{BB962C8B-B14F-4D97-AF65-F5344CB8AC3E}">
+        <p14:creationId xmlns:p14="http://schemas.microsoft.com/office/powerpoint/2010/main" val="2447325916"/>
+      </p:ext>
+    </p:extLst>
+  </p:cSld>
+  <p:clrMapOvr>
+    <a:masterClrMapping/>
+  </p:clrMapOvr>
+</p:sld>
+</file>
+
+<file path=ppt/slides/slide14.xml><?xml version="1.0" encoding="utf-8"?>
+<p:sld xmlns:a="http://schemas.openxmlformats.org/drawingml/2006/main" xmlns:r="http://schemas.openxmlformats.org/officeDocument/2006/relationships" xmlns:p="http://schemas.openxmlformats.org/presentationml/2006/main">
+  <p:cSld>
+    <p:spTree>
+      <p:nvGrpSpPr>
+        <p:cNvPr id="1" name=""/>
+        <p:cNvGrpSpPr/>
+        <p:nvPr/>
+      </p:nvGrpSpPr>
+      <p:grpSpPr>
+        <a:xfrm>
+          <a:off x="0" y="0"/>
+          <a:ext cx="0" cy="0"/>
+          <a:chOff x="0" y="0"/>
+          <a:chExt cx="0" cy="0"/>
+        </a:xfrm>
+      </p:grpSpPr>
       <p:sp>
         <p:nvSpPr>
           <p:cNvPr id="3" name="Content Placeholder 2">
@@ -30317,21 +29196,524 @@
                 <a:effectLst/>
                 <a:latin typeface="-apple-system"/>
               </a:rPr>
-              <a:t>Fixing "skewed" features.</a:t>
+              <a:t>Fixing "skewed" </a:t>
             </a:r>
-          </a:p>
-          <a:p>
-            <a:pPr algn="l"/>
+            <a:r>
+              <a:rPr lang="en-US" b="1" i="0" dirty="0" err="1">
+                <a:effectLst/>
+                <a:latin typeface="-apple-system"/>
+              </a:rPr>
+              <a:t>features</a:t>
+            </a:r>
+            <a:r>
+              <a:rPr lang="en-US" b="0" i="0" dirty="0" err="1">
+                <a:effectLst/>
+                <a:latin typeface="-apple-system"/>
+              </a:rPr>
+              <a:t>Here</a:t>
+            </a:r>
             <a:r>
               <a:rPr lang="en-US" b="0" i="0" dirty="0">
                 <a:effectLst/>
                 <a:latin typeface="-apple-system"/>
               </a:rPr>
-              <a:t>Here, we fix all of the skewed data to be more normal so that our models will be more accurate when making predictions.</a:t>
+              <a:t>, we fix all of the skewed data to be more normal so that our models will be more accurate when making predictions.</a:t>
             </a:r>
           </a:p>
           <a:p>
             <a:endParaRPr lang="en-US" dirty="0"/>
+          </a:p>
+        </p:txBody>
+      </p:sp>
+      <p:sp>
+        <p:nvSpPr>
+          <p:cNvPr id="4" name="Rectangle 1">
+            <a:extLst>
+              <a:ext uri="{FF2B5EF4-FFF2-40B4-BE49-F238E27FC236}">
+                <a16:creationId xmlns:a16="http://schemas.microsoft.com/office/drawing/2014/main" id="{A8286CA5-93CE-E7C6-85A4-8462D1C51EDF}"/>
+              </a:ext>
+            </a:extLst>
+          </p:cNvPr>
+          <p:cNvSpPr>
+            <a:spLocks noChangeArrowheads="1"/>
+          </p:cNvSpPr>
+          <p:nvPr/>
+        </p:nvSpPr>
+        <p:spPr bwMode="auto">
+          <a:xfrm>
+            <a:off x="838200" y="3416656"/>
+            <a:ext cx="9601200" cy="2234458"/>
+          </a:xfrm>
+          <a:prstGeom prst="rect">
+            <a:avLst/>
+          </a:prstGeom>
+          <a:solidFill>
+            <a:srgbClr val="F1F3F4"/>
+          </a:solidFill>
+          <a:ln>
+            <a:noFill/>
+          </a:ln>
+          <a:effectLst/>
+          <a:extLst>
+            <a:ext uri="{91240B29-F687-4F45-9708-019B960494DF}">
+              <a14:hiddenLine xmlns:a14="http://schemas.microsoft.com/office/drawing/2010/main" w="9525">
+                <a:solidFill>
+                  <a:schemeClr val="tx1"/>
+                </a:solidFill>
+                <a:miter lim="800000"/>
+                <a:headEnd/>
+                <a:tailEnd/>
+              </a14:hiddenLine>
+            </a:ext>
+            <a:ext uri="{AF507438-7753-43E0-B8FC-AC1667EBCBE1}">
+              <a14:hiddenEffects xmlns:a14="http://schemas.microsoft.com/office/drawing/2010/main">
+                <a:effectLst>
+                  <a:outerShdw dist="35921" dir="2700000" algn="ctr" rotWithShape="0">
+                    <a:schemeClr val="bg2"/>
+                  </a:outerShdw>
+                </a:effectLst>
+              </a14:hiddenEffects>
+            </a:ext>
+          </a:extLst>
+        </p:spPr>
+        <p:txBody>
+          <a:bodyPr vert="horz" wrap="square" lIns="0" tIns="0" rIns="0" bIns="0" numCol="1" anchor="ctr" anchorCtr="0" compatLnSpc="1">
+            <a:prstTxWarp prst="textNoShape">
+              <a:avLst/>
+            </a:prstTxWarp>
+            <a:spAutoFit/>
+          </a:bodyPr>
+          <a:lstStyle/>
+          <a:p>
+            <a:pPr marL="0" marR="0" lvl="0" indent="0" algn="l" defTabSz="914400" rtl="0" eaLnBrk="0" fontAlgn="base" latinLnBrk="0" hangingPunct="0">
+              <a:lnSpc>
+                <a:spcPct val="100000"/>
+              </a:lnSpc>
+              <a:spcBef>
+                <a:spcPct val="30000"/>
+              </a:spcBef>
+              <a:spcAft>
+                <a:spcPct val="0"/>
+              </a:spcAft>
+              <a:buClrTx/>
+              <a:buSzTx/>
+              <a:buFontTx/>
+              <a:buNone/>
+              <a:tabLst/>
+            </a:pPr>
+            <a:r>
+              <a:rPr kumimoji="0" lang="en-US" altLang="en-US" b="0" i="1" u="none" strike="noStrike" cap="none" normalizeH="0" baseline="0" dirty="0">
+                <a:ln>
+                  <a:noFill/>
+                </a:ln>
+                <a:solidFill>
+                  <a:srgbClr val="3C4043"/>
+                </a:solidFill>
+                <a:effectLst/>
+                <a:latin typeface="Roboto Mono" panose="020F0502020204030204" pitchFamily="49" charset="0"/>
+              </a:rPr>
+              <a:t># We use the </a:t>
+            </a:r>
+            <a:r>
+              <a:rPr kumimoji="0" lang="en-US" altLang="en-US" b="0" i="1" u="none" strike="noStrike" cap="none" normalizeH="0" baseline="0" dirty="0" err="1">
+                <a:ln>
+                  <a:noFill/>
+                </a:ln>
+                <a:solidFill>
+                  <a:srgbClr val="3C4043"/>
+                </a:solidFill>
+                <a:effectLst/>
+                <a:latin typeface="Roboto Mono" panose="020F0502020204030204" pitchFamily="49" charset="0"/>
+              </a:rPr>
+              <a:t>numpy</a:t>
+            </a:r>
+            <a:r>
+              <a:rPr kumimoji="0" lang="en-US" altLang="en-US" b="0" i="1" u="none" strike="noStrike" cap="none" normalizeH="0" baseline="0" dirty="0">
+                <a:ln>
+                  <a:noFill/>
+                </a:ln>
+                <a:solidFill>
+                  <a:srgbClr val="3C4043"/>
+                </a:solidFill>
+                <a:effectLst/>
+                <a:latin typeface="Roboto Mono" panose="020F0502020204030204" pitchFamily="49" charset="0"/>
+              </a:rPr>
+              <a:t> </a:t>
+            </a:r>
+            <a:r>
+              <a:rPr kumimoji="0" lang="en-US" altLang="en-US" b="0" i="1" u="none" strike="noStrike" cap="none" normalizeH="0" baseline="0" dirty="0" err="1">
+                <a:ln>
+                  <a:noFill/>
+                </a:ln>
+                <a:solidFill>
+                  <a:srgbClr val="3C4043"/>
+                </a:solidFill>
+                <a:effectLst/>
+                <a:latin typeface="Roboto Mono" panose="020F0502020204030204" pitchFamily="49" charset="0"/>
+              </a:rPr>
+              <a:t>fuction</a:t>
+            </a:r>
+            <a:r>
+              <a:rPr kumimoji="0" lang="en-US" altLang="en-US" b="0" i="1" u="none" strike="noStrike" cap="none" normalizeH="0" baseline="0" dirty="0">
+                <a:ln>
+                  <a:noFill/>
+                </a:ln>
+                <a:solidFill>
+                  <a:srgbClr val="3C4043"/>
+                </a:solidFill>
+                <a:effectLst/>
+                <a:latin typeface="Roboto Mono" panose="020F0502020204030204" pitchFamily="49" charset="0"/>
+              </a:rPr>
+              <a:t> log1p which applies log(1+x) to all elements of the column</a:t>
+            </a:r>
+            <a:r>
+              <a:rPr kumimoji="0" lang="en-US" altLang="en-US" b="0" i="0" u="none" strike="noStrike" cap="none" normalizeH="0" baseline="0" dirty="0">
+                <a:ln>
+                  <a:noFill/>
+                </a:ln>
+                <a:solidFill>
+                  <a:srgbClr val="3C4043"/>
+                </a:solidFill>
+                <a:effectLst/>
+                <a:latin typeface="Roboto Mono" panose="020F0502020204030204" pitchFamily="49" charset="0"/>
+              </a:rPr>
+              <a:t> </a:t>
+            </a:r>
+          </a:p>
+          <a:p>
+            <a:pPr marL="0" marR="0" lvl="0" indent="0" algn="l" defTabSz="914400" rtl="0" eaLnBrk="0" fontAlgn="base" latinLnBrk="0" hangingPunct="0">
+              <a:lnSpc>
+                <a:spcPct val="100000"/>
+              </a:lnSpc>
+              <a:spcBef>
+                <a:spcPct val="30000"/>
+              </a:spcBef>
+              <a:spcAft>
+                <a:spcPct val="0"/>
+              </a:spcAft>
+              <a:buClrTx/>
+              <a:buSzTx/>
+              <a:buFontTx/>
+              <a:buNone/>
+              <a:tabLst/>
+            </a:pPr>
+            <a:r>
+              <a:rPr kumimoji="0" lang="en-US" altLang="en-US" sz="2800" b="0" i="0" u="none" strike="noStrike" cap="none" normalizeH="0" baseline="0" dirty="0">
+                <a:ln>
+                  <a:noFill/>
+                </a:ln>
+                <a:solidFill>
+                  <a:schemeClr val="tx1"/>
+                </a:solidFill>
+                <a:effectLst/>
+                <a:latin typeface="Arial" panose="020B0604020202020204" pitchFamily="34" charset="0"/>
+              </a:rPr>
+              <a:t>train</a:t>
+            </a:r>
+            <a:r>
+              <a:rPr kumimoji="0" lang="en-US" altLang="en-US" b="0" i="0" u="none" strike="noStrike" cap="none" normalizeH="0" baseline="0" dirty="0">
+                <a:ln>
+                  <a:noFill/>
+                </a:ln>
+                <a:solidFill>
+                  <a:srgbClr val="3C4043"/>
+                </a:solidFill>
+                <a:effectLst/>
+                <a:latin typeface="Roboto Mono" panose="020F0502020204030204" pitchFamily="49" charset="0"/>
+              </a:rPr>
+              <a:t>[</a:t>
+            </a:r>
+            <a:r>
+              <a:rPr kumimoji="0" lang="en-US" altLang="en-US" b="0" i="0" u="none" strike="noStrike" cap="none" normalizeH="0" baseline="0" dirty="0">
+                <a:ln>
+                  <a:noFill/>
+                </a:ln>
+                <a:solidFill>
+                  <a:srgbClr val="BA2121"/>
+                </a:solidFill>
+                <a:effectLst/>
+                <a:latin typeface="Roboto Mono" panose="020F0502020204030204" pitchFamily="49" charset="0"/>
+              </a:rPr>
+              <a:t>"</a:t>
+            </a:r>
+            <a:r>
+              <a:rPr kumimoji="0" lang="en-US" altLang="en-US" b="0" i="0" u="none" strike="noStrike" cap="none" normalizeH="0" baseline="0" dirty="0" err="1">
+                <a:ln>
+                  <a:noFill/>
+                </a:ln>
+                <a:solidFill>
+                  <a:srgbClr val="BA2121"/>
+                </a:solidFill>
+                <a:effectLst/>
+                <a:latin typeface="Roboto Mono" panose="020F0502020204030204" pitchFamily="49" charset="0"/>
+              </a:rPr>
+              <a:t>SalePrice</a:t>
+            </a:r>
+            <a:r>
+              <a:rPr kumimoji="0" lang="en-US" altLang="en-US" b="0" i="0" u="none" strike="noStrike" cap="none" normalizeH="0" baseline="0" dirty="0">
+                <a:ln>
+                  <a:noFill/>
+                </a:ln>
+                <a:solidFill>
+                  <a:srgbClr val="BA2121"/>
+                </a:solidFill>
+                <a:effectLst/>
+                <a:latin typeface="Roboto Mono" panose="020F0502020204030204" pitchFamily="49" charset="0"/>
+              </a:rPr>
+              <a:t>"</a:t>
+            </a:r>
+            <a:r>
+              <a:rPr kumimoji="0" lang="en-US" altLang="en-US" b="0" i="0" u="none" strike="noStrike" cap="none" normalizeH="0" baseline="0" dirty="0">
+                <a:ln>
+                  <a:noFill/>
+                </a:ln>
+                <a:solidFill>
+                  <a:srgbClr val="3C4043"/>
+                </a:solidFill>
+                <a:effectLst/>
+                <a:latin typeface="Roboto Mono" panose="020F0502020204030204" pitchFamily="49" charset="0"/>
+              </a:rPr>
+              <a:t>] </a:t>
+            </a:r>
+            <a:r>
+              <a:rPr kumimoji="0" lang="en-US" altLang="en-US" sz="4000" b="0" i="0" u="none" strike="noStrike" cap="none" normalizeH="0" baseline="0" dirty="0">
+                <a:ln>
+                  <a:noFill/>
+                </a:ln>
+                <a:solidFill>
+                  <a:srgbClr val="055BE0"/>
+                </a:solidFill>
+                <a:effectLst/>
+                <a:latin typeface="Arial" panose="020B0604020202020204" pitchFamily="34" charset="0"/>
+              </a:rPr>
+              <a:t>=</a:t>
+            </a:r>
+            <a:r>
+              <a:rPr kumimoji="0" lang="en-US" altLang="en-US" b="0" i="0" u="none" strike="noStrike" cap="none" normalizeH="0" baseline="0" dirty="0">
+                <a:ln>
+                  <a:noFill/>
+                </a:ln>
+                <a:solidFill>
+                  <a:srgbClr val="3C4043"/>
+                </a:solidFill>
+                <a:effectLst/>
+                <a:latin typeface="Roboto Mono" panose="020F0502020204030204" pitchFamily="49" charset="0"/>
+              </a:rPr>
+              <a:t> </a:t>
+            </a:r>
+            <a:r>
+              <a:rPr kumimoji="0" lang="en-US" altLang="en-US" sz="2800" b="0" i="0" u="none" strike="noStrike" cap="none" normalizeH="0" baseline="0" dirty="0">
+                <a:ln>
+                  <a:noFill/>
+                </a:ln>
+                <a:solidFill>
+                  <a:schemeClr val="tx1"/>
+                </a:solidFill>
+                <a:effectLst/>
+                <a:latin typeface="Arial" panose="020B0604020202020204" pitchFamily="34" charset="0"/>
+              </a:rPr>
+              <a:t>np</a:t>
+            </a:r>
+            <a:r>
+              <a:rPr kumimoji="0" lang="en-US" altLang="en-US" sz="4000" b="0" i="0" u="none" strike="noStrike" cap="none" normalizeH="0" baseline="0" dirty="0">
+                <a:ln>
+                  <a:noFill/>
+                </a:ln>
+                <a:solidFill>
+                  <a:srgbClr val="055BE0"/>
+                </a:solidFill>
+                <a:effectLst/>
+                <a:latin typeface="Arial" panose="020B0604020202020204" pitchFamily="34" charset="0"/>
+              </a:rPr>
+              <a:t>.</a:t>
+            </a:r>
+            <a:r>
+              <a:rPr kumimoji="0" lang="en-US" altLang="en-US" sz="2800" b="0" i="0" u="none" strike="noStrike" cap="none" normalizeH="0" baseline="0" dirty="0">
+                <a:ln>
+                  <a:noFill/>
+                </a:ln>
+                <a:solidFill>
+                  <a:schemeClr val="tx1"/>
+                </a:solidFill>
+                <a:effectLst/>
+                <a:latin typeface="Arial" panose="020B0604020202020204" pitchFamily="34" charset="0"/>
+              </a:rPr>
+              <a:t>log1p</a:t>
+            </a:r>
+            <a:r>
+              <a:rPr kumimoji="0" lang="en-US" altLang="en-US" b="0" i="0" u="none" strike="noStrike" cap="none" normalizeH="0" baseline="0" dirty="0">
+                <a:ln>
+                  <a:noFill/>
+                </a:ln>
+                <a:solidFill>
+                  <a:srgbClr val="3C4043"/>
+                </a:solidFill>
+                <a:effectLst/>
+                <a:latin typeface="Roboto Mono" panose="020F0502020204030204" pitchFamily="49" charset="0"/>
+              </a:rPr>
+              <a:t>(</a:t>
+            </a:r>
+            <a:r>
+              <a:rPr kumimoji="0" lang="en-US" altLang="en-US" sz="2800" b="0" i="0" u="none" strike="noStrike" cap="none" normalizeH="0" baseline="0" dirty="0">
+                <a:ln>
+                  <a:noFill/>
+                </a:ln>
+                <a:solidFill>
+                  <a:schemeClr val="tx1"/>
+                </a:solidFill>
+                <a:effectLst/>
+                <a:latin typeface="Arial" panose="020B0604020202020204" pitchFamily="34" charset="0"/>
+              </a:rPr>
+              <a:t>train</a:t>
+            </a:r>
+            <a:r>
+              <a:rPr kumimoji="0" lang="en-US" altLang="en-US" b="0" i="0" u="none" strike="noStrike" cap="none" normalizeH="0" baseline="0" dirty="0">
+                <a:ln>
+                  <a:noFill/>
+                </a:ln>
+                <a:solidFill>
+                  <a:srgbClr val="3C4043"/>
+                </a:solidFill>
+                <a:effectLst/>
+                <a:latin typeface="Roboto Mono" panose="020F0502020204030204" pitchFamily="49" charset="0"/>
+              </a:rPr>
+              <a:t>[</a:t>
+            </a:r>
+            <a:r>
+              <a:rPr kumimoji="0" lang="en-US" altLang="en-US" b="0" i="0" u="none" strike="noStrike" cap="none" normalizeH="0" baseline="0" dirty="0">
+                <a:ln>
+                  <a:noFill/>
+                </a:ln>
+                <a:solidFill>
+                  <a:srgbClr val="BA2121"/>
+                </a:solidFill>
+                <a:effectLst/>
+                <a:latin typeface="Roboto Mono" panose="020F0502020204030204" pitchFamily="49" charset="0"/>
+              </a:rPr>
+              <a:t>"</a:t>
+            </a:r>
+            <a:r>
+              <a:rPr kumimoji="0" lang="en-US" altLang="en-US" b="0" i="0" u="none" strike="noStrike" cap="none" normalizeH="0" baseline="0" dirty="0" err="1">
+                <a:ln>
+                  <a:noFill/>
+                </a:ln>
+                <a:solidFill>
+                  <a:srgbClr val="BA2121"/>
+                </a:solidFill>
+                <a:effectLst/>
+                <a:latin typeface="Roboto Mono" panose="020F0502020204030204" pitchFamily="49" charset="0"/>
+              </a:rPr>
+              <a:t>SalePrice</a:t>
+            </a:r>
+            <a:r>
+              <a:rPr kumimoji="0" lang="en-US" altLang="en-US" b="0" i="0" u="none" strike="noStrike" cap="none" normalizeH="0" baseline="0" dirty="0">
+                <a:ln>
+                  <a:noFill/>
+                </a:ln>
+                <a:solidFill>
+                  <a:srgbClr val="BA2121"/>
+                </a:solidFill>
+                <a:effectLst/>
+                <a:latin typeface="Roboto Mono" panose="020F0502020204030204" pitchFamily="49" charset="0"/>
+              </a:rPr>
+              <a:t>"</a:t>
+            </a:r>
+            <a:r>
+              <a:rPr kumimoji="0" lang="en-US" altLang="en-US" b="0" i="0" u="none" strike="noStrike" cap="none" normalizeH="0" baseline="0" dirty="0">
+                <a:ln>
+                  <a:noFill/>
+                </a:ln>
+                <a:solidFill>
+                  <a:srgbClr val="3C4043"/>
+                </a:solidFill>
+                <a:effectLst/>
+                <a:latin typeface="Roboto Mono" panose="020F0502020204030204" pitchFamily="49" charset="0"/>
+              </a:rPr>
+              <a:t>])</a:t>
+            </a:r>
+            <a:r>
+              <a:rPr kumimoji="0" lang="en-US" altLang="en-US" sz="1400" b="0" i="0" u="none" strike="noStrike" cap="none" normalizeH="0" baseline="0" dirty="0">
+                <a:ln>
+                  <a:noFill/>
+                </a:ln>
+                <a:solidFill>
+                  <a:schemeClr val="tx1"/>
+                </a:solidFill>
+                <a:effectLst/>
+              </a:rPr>
+              <a:t> </a:t>
+            </a:r>
+          </a:p>
+          <a:p>
+            <a:pPr marL="0" marR="0" lvl="0" indent="0" algn="l" defTabSz="914400" rtl="0" eaLnBrk="0" fontAlgn="base" latinLnBrk="0" hangingPunct="0">
+              <a:lnSpc>
+                <a:spcPct val="100000"/>
+              </a:lnSpc>
+              <a:spcBef>
+                <a:spcPct val="30000"/>
+              </a:spcBef>
+              <a:spcAft>
+                <a:spcPct val="0"/>
+              </a:spcAft>
+              <a:buClrTx/>
+              <a:buSzTx/>
+              <a:buFontTx/>
+              <a:buNone/>
+              <a:tabLst/>
+            </a:pPr>
+            <a:endParaRPr lang="en-US" altLang="en-US" sz="2400" dirty="0">
+              <a:highlight>
+                <a:srgbClr val="FFFF00"/>
+              </a:highlight>
+              <a:latin typeface="Arial" panose="020B0604020202020204" pitchFamily="34" charset="0"/>
+            </a:endParaRPr>
+          </a:p>
+          <a:p>
+            <a:pPr marL="0" marR="0" lvl="0" indent="0" algn="l" defTabSz="914400" rtl="0" eaLnBrk="0" fontAlgn="base" latinLnBrk="0" hangingPunct="0">
+              <a:lnSpc>
+                <a:spcPct val="100000"/>
+              </a:lnSpc>
+              <a:spcBef>
+                <a:spcPct val="30000"/>
+              </a:spcBef>
+              <a:spcAft>
+                <a:spcPct val="0"/>
+              </a:spcAft>
+              <a:buClrTx/>
+              <a:buSzTx/>
+              <a:buFontTx/>
+              <a:buNone/>
+              <a:tabLst/>
+            </a:pPr>
+            <a:r>
+              <a:rPr kumimoji="0" lang="en-US" altLang="en-US" sz="2000" b="0" i="0" u="none" strike="noStrike" cap="none" normalizeH="0" baseline="0" dirty="0">
+                <a:ln>
+                  <a:noFill/>
+                </a:ln>
+                <a:solidFill>
+                  <a:schemeClr val="tx1"/>
+                </a:solidFill>
+                <a:effectLst/>
+                <a:highlight>
+                  <a:srgbClr val="FFFF00"/>
+                </a:highlight>
+                <a:latin typeface="Arial" panose="020B0604020202020204" pitchFamily="34" charset="0"/>
+              </a:rPr>
+              <a:t>Homework: Play around with np.log1p and see how it changes the data!!</a:t>
+            </a:r>
+            <a:endParaRPr kumimoji="0" lang="en-US" altLang="en-US" sz="5400" b="0" i="0" u="none" strike="noStrike" cap="none" normalizeH="0" baseline="0" dirty="0">
+              <a:ln>
+                <a:noFill/>
+              </a:ln>
+              <a:solidFill>
+                <a:schemeClr val="tx1"/>
+              </a:solidFill>
+              <a:effectLst/>
+              <a:highlight>
+                <a:srgbClr val="FFFF00"/>
+              </a:highlight>
+              <a:latin typeface="Arial" panose="020B0604020202020204" pitchFamily="34" charset="0"/>
+            </a:endParaRPr>
           </a:p>
         </p:txBody>
       </p:sp>
@@ -30348,7 +29730,7 @@
 </p:sld>
 </file>
 
-<file path=ppt/slides/slide14.xml><?xml version="1.0" encoding="utf-8"?>
+<file path=ppt/slides/slide15.xml><?xml version="1.0" encoding="utf-8"?>
 <p:sld xmlns:a="http://schemas.openxmlformats.org/drawingml/2006/main" xmlns:r="http://schemas.openxmlformats.org/officeDocument/2006/relationships" xmlns:p="http://schemas.openxmlformats.org/presentationml/2006/main">
   <p:cSld>
     <p:spTree>
@@ -30442,7 +29824,7 @@
 </p:sld>
 </file>
 
-<file path=ppt/slides/slide15.xml><?xml version="1.0" encoding="utf-8"?>
+<file path=ppt/slides/slide16.xml><?xml version="1.0" encoding="utf-8"?>
 <p:sld xmlns:a="http://schemas.openxmlformats.org/drawingml/2006/main" xmlns:r="http://schemas.openxmlformats.org/officeDocument/2006/relationships" xmlns:p="http://schemas.openxmlformats.org/presentationml/2006/main">
   <p:cSld>
     <p:spTree>
@@ -31022,7 +30404,7 @@
 </p:sld>
 </file>
 
-<file path=ppt/slides/slide16.xml><?xml version="1.0" encoding="utf-8"?>
+<file path=ppt/slides/slide17.xml><?xml version="1.0" encoding="utf-8"?>
 <p:sld xmlns:a="http://schemas.openxmlformats.org/drawingml/2006/main" xmlns:r="http://schemas.openxmlformats.org/officeDocument/2006/relationships" xmlns:p="http://schemas.openxmlformats.org/presentationml/2006/main">
   <p:cSld>
     <p:spTree>
@@ -31122,7 +30504,7 @@
 </p:sld>
 </file>
 
-<file path=ppt/slides/slide17.xml><?xml version="1.0" encoding="utf-8"?>
+<file path=ppt/slides/slide18.xml><?xml version="1.0" encoding="utf-8"?>
 <p:sld xmlns:a="http://schemas.openxmlformats.org/drawingml/2006/main" xmlns:r="http://schemas.openxmlformats.org/officeDocument/2006/relationships" xmlns:p="http://schemas.openxmlformats.org/presentationml/2006/main">
   <p:cSld>
     <p:spTree>
@@ -31221,7 +30603,7 @@
 </p:sld>
 </file>
 
-<file path=ppt/slides/slide18.xml><?xml version="1.0" encoding="utf-8"?>
+<file path=ppt/slides/slide19.xml><?xml version="1.0" encoding="utf-8"?>
 <p:sld xmlns:a="http://schemas.openxmlformats.org/drawingml/2006/main" xmlns:r="http://schemas.openxmlformats.org/officeDocument/2006/relationships" xmlns:p="http://schemas.openxmlformats.org/presentationml/2006/main">
   <p:cSld>
     <p:spTree>
@@ -31305,7 +30687,68 @@
 </p:sld>
 </file>
 
-<file path=ppt/slides/slide19.xml><?xml version="1.0" encoding="utf-8"?>
+<file path=ppt/slides/slide2.xml><?xml version="1.0" encoding="utf-8"?>
+<p:sld xmlns:a="http://schemas.openxmlformats.org/drawingml/2006/main" xmlns:r="http://schemas.openxmlformats.org/officeDocument/2006/relationships" xmlns:p="http://schemas.openxmlformats.org/presentationml/2006/main">
+  <p:cSld>
+    <p:spTree>
+      <p:nvGrpSpPr>
+        <p:cNvPr id="1" name=""/>
+        <p:cNvGrpSpPr/>
+        <p:nvPr/>
+      </p:nvGrpSpPr>
+      <p:grpSpPr>
+        <a:xfrm>
+          <a:off x="0" y="0"/>
+          <a:ext cx="0" cy="0"/>
+          <a:chOff x="0" y="0"/>
+          <a:chExt cx="0" cy="0"/>
+        </a:xfrm>
+      </p:grpSpPr>
+      <p:graphicFrame>
+        <p:nvGraphicFramePr>
+          <p:cNvPr id="5" name="Content Placeholder 2">
+            <a:extLst>
+              <a:ext uri="{FF2B5EF4-FFF2-40B4-BE49-F238E27FC236}">
+                <a16:creationId xmlns:a16="http://schemas.microsoft.com/office/drawing/2014/main" id="{66FF036E-D4EE-01D8-F9A3-FE1372D1A0A9}"/>
+              </a:ext>
+            </a:extLst>
+          </p:cNvPr>
+          <p:cNvGraphicFramePr>
+            <a:graphicFrameLocks noGrp="1"/>
+          </p:cNvGraphicFramePr>
+          <p:nvPr>
+            <p:ph idx="1"/>
+            <p:extLst>
+              <p:ext uri="{D42A27DB-BD31-4B8C-83A1-F6EECF244321}">
+                <p14:modId xmlns:p14="http://schemas.microsoft.com/office/powerpoint/2010/main" val="1340811517"/>
+              </p:ext>
+            </p:extLst>
+          </p:nvPr>
+        </p:nvGraphicFramePr>
+        <p:xfrm>
+          <a:off x="838200" y="1311275"/>
+          <a:ext cx="10515600" cy="4351338"/>
+        </p:xfrm>
+        <a:graphic>
+          <a:graphicData uri="http://schemas.openxmlformats.org/drawingml/2006/diagram">
+            <dgm:relIds xmlns:dgm="http://schemas.openxmlformats.org/drawingml/2006/diagram" xmlns:r="http://schemas.openxmlformats.org/officeDocument/2006/relationships" r:dm="rId2" r:lo="rId3" r:qs="rId4" r:cs="rId5"/>
+          </a:graphicData>
+        </a:graphic>
+      </p:graphicFrame>
+    </p:spTree>
+    <p:extLst>
+      <p:ext uri="{BB962C8B-B14F-4D97-AF65-F5344CB8AC3E}">
+        <p14:creationId xmlns:p14="http://schemas.microsoft.com/office/powerpoint/2010/main" val="3932509839"/>
+      </p:ext>
+    </p:extLst>
+  </p:cSld>
+  <p:clrMapOvr>
+    <a:masterClrMapping/>
+  </p:clrMapOvr>
+</p:sld>
+</file>
+
+<file path=ppt/slides/slide20.xml><?xml version="1.0" encoding="utf-8"?>
 <p:sld xmlns:a="http://schemas.openxmlformats.org/drawingml/2006/main" xmlns:r="http://schemas.openxmlformats.org/officeDocument/2006/relationships" xmlns:p="http://schemas.openxmlformats.org/presentationml/2006/main">
   <p:cSld>
     <p:spTree>
@@ -31376,87 +30819,6 @@
     <p:extLst>
       <p:ext uri="{BB962C8B-B14F-4D97-AF65-F5344CB8AC3E}">
         <p14:creationId xmlns:p14="http://schemas.microsoft.com/office/powerpoint/2010/main" val="3697608149"/>
-      </p:ext>
-    </p:extLst>
-  </p:cSld>
-  <p:clrMapOvr>
-    <a:masterClrMapping/>
-  </p:clrMapOvr>
-</p:sld>
-</file>
-
-<file path=ppt/slides/slide2.xml><?xml version="1.0" encoding="utf-8"?>
-<p:sld xmlns:a="http://schemas.openxmlformats.org/drawingml/2006/main" xmlns:r="http://schemas.openxmlformats.org/officeDocument/2006/relationships" xmlns:p="http://schemas.openxmlformats.org/presentationml/2006/main">
-  <p:cSld>
-    <p:spTree>
-      <p:nvGrpSpPr>
-        <p:cNvPr id="1" name=""/>
-        <p:cNvGrpSpPr/>
-        <p:nvPr/>
-      </p:nvGrpSpPr>
-      <p:grpSpPr>
-        <a:xfrm>
-          <a:off x="0" y="0"/>
-          <a:ext cx="0" cy="0"/>
-          <a:chOff x="0" y="0"/>
-          <a:chExt cx="0" cy="0"/>
-        </a:xfrm>
-      </p:grpSpPr>
-      <p:sp>
-        <p:nvSpPr>
-          <p:cNvPr id="2" name="Title 1">
-            <a:extLst>
-              <a:ext uri="{FF2B5EF4-FFF2-40B4-BE49-F238E27FC236}">
-                <a16:creationId xmlns:a16="http://schemas.microsoft.com/office/drawing/2014/main" id="{B50BA9B4-8308-DB07-6F46-90021EB73BDA}"/>
-              </a:ext>
-            </a:extLst>
-          </p:cNvPr>
-          <p:cNvSpPr>
-            <a:spLocks noGrp="1"/>
-          </p:cNvSpPr>
-          <p:nvPr>
-            <p:ph type="title"/>
-          </p:nvPr>
-        </p:nvSpPr>
-        <p:spPr/>
-        <p:txBody>
-          <a:bodyPr/>
-          <a:lstStyle/>
-          <a:p>
-            <a:endParaRPr lang="en-US"/>
-          </a:p>
-        </p:txBody>
-      </p:sp>
-      <p:graphicFrame>
-        <p:nvGraphicFramePr>
-          <p:cNvPr id="5" name="Content Placeholder 2">
-            <a:extLst>
-              <a:ext uri="{FF2B5EF4-FFF2-40B4-BE49-F238E27FC236}">
-                <a16:creationId xmlns:a16="http://schemas.microsoft.com/office/drawing/2014/main" id="{66FF036E-D4EE-01D8-F9A3-FE1372D1A0A9}"/>
-              </a:ext>
-            </a:extLst>
-          </p:cNvPr>
-          <p:cNvGraphicFramePr>
-            <a:graphicFrameLocks noGrp="1"/>
-          </p:cNvGraphicFramePr>
-          <p:nvPr>
-            <p:ph idx="1"/>
-          </p:nvPr>
-        </p:nvGraphicFramePr>
-        <p:xfrm>
-          <a:off x="838200" y="1825625"/>
-          <a:ext cx="10515600" cy="4351338"/>
-        </p:xfrm>
-        <a:graphic>
-          <a:graphicData uri="http://schemas.openxmlformats.org/drawingml/2006/diagram">
-            <dgm:relIds xmlns:dgm="http://schemas.openxmlformats.org/drawingml/2006/diagram" xmlns:r="http://schemas.openxmlformats.org/officeDocument/2006/relationships" r:dm="rId2" r:lo="rId3" r:qs="rId4" r:cs="rId5"/>
-          </a:graphicData>
-        </a:graphic>
-      </p:graphicFrame>
-    </p:spTree>
-    <p:extLst>
-      <p:ext uri="{BB962C8B-B14F-4D97-AF65-F5344CB8AC3E}">
-        <p14:creationId xmlns:p14="http://schemas.microsoft.com/office/powerpoint/2010/main" val="3932509839"/>
       </p:ext>
     </p:extLst>
   </p:cSld>
@@ -31537,17 +30899,19 @@
             <p:ph idx="1"/>
           </p:nvPr>
         </p:nvSpPr>
-        <p:spPr/>
+        <p:spPr>
+          <a:xfrm>
+            <a:off x="838200" y="1825625"/>
+            <a:ext cx="5094514" cy="4351338"/>
+          </a:xfrm>
+        </p:spPr>
         <p:txBody>
           <a:bodyPr/>
           <a:lstStyle/>
           <a:p>
-            <a:endParaRPr lang="en-US" dirty="0"/>
-          </a:p>
-          <a:p>
-            <a:endParaRPr lang="en-US" dirty="0"/>
-          </a:p>
-          <a:p>
+            <a:pPr marL="0" indent="0">
+              <a:buNone/>
+            </a:pPr>
             <a:r>
               <a:rPr lang="en-US" b="0" i="0" dirty="0">
                 <a:effectLst/>
@@ -31559,6 +30923,36 @@
           </a:p>
         </p:txBody>
       </p:sp>
+      <p:pic>
+        <p:nvPicPr>
+          <p:cNvPr id="4" name="Picture 3">
+            <a:extLst>
+              <a:ext uri="{FF2B5EF4-FFF2-40B4-BE49-F238E27FC236}">
+                <a16:creationId xmlns:a16="http://schemas.microsoft.com/office/drawing/2014/main" id="{39179A70-486B-FFBB-9D5B-E6249031738F}"/>
+              </a:ext>
+            </a:extLst>
+          </p:cNvPr>
+          <p:cNvPicPr>
+            <a:picLocks noChangeAspect="1"/>
+          </p:cNvPicPr>
+          <p:nvPr/>
+        </p:nvPicPr>
+        <p:blipFill>
+          <a:blip r:embed="rId2"/>
+          <a:stretch>
+            <a:fillRect/>
+          </a:stretch>
+        </p:blipFill>
+        <p:spPr>
+          <a:xfrm>
+            <a:off x="8327572" y="804218"/>
+            <a:ext cx="2439012" cy="5688657"/>
+          </a:xfrm>
+          <a:prstGeom prst="rect">
+            <a:avLst/>
+          </a:prstGeom>
+        </p:spPr>
+      </p:pic>
     </p:spTree>
     <p:extLst>
       <p:ext uri="{BB962C8B-B14F-4D97-AF65-F5344CB8AC3E}">
@@ -31645,8 +31039,8 @@
         </p:nvSpPr>
         <p:spPr bwMode="auto">
           <a:xfrm>
-            <a:off x="838200" y="1617990"/>
-            <a:ext cx="4993640" cy="3477875"/>
+            <a:off x="838200" y="1125548"/>
+            <a:ext cx="4993640" cy="4462760"/>
           </a:xfrm>
           <a:prstGeom prst="rect">
             <a:avLst/>
@@ -31772,7 +31166,7 @@
                 <a:effectLst/>
                 <a:latin typeface="var(--jp-code-font-family)"/>
               </a:rPr>
-              <a:t>mu = 180921.20 and </a:t>
+              <a:t>mean = 180,921.20 and </a:t>
             </a:r>
           </a:p>
           <a:p>
@@ -31803,8 +31197,76 @@
                 <a:effectLst/>
                 <a:latin typeface="var(--jp-code-font-family)"/>
               </a:rPr>
-              <a:t>sigma = 79415.29</a:t>
+              <a:t>s</a:t>
             </a:r>
+            <a:r>
+              <a:rPr lang="en-US" altLang="en-US" sz="3200" dirty="0">
+                <a:latin typeface="var(--jp-code-font-family)"/>
+              </a:rPr>
+              <a:t>igma</a:t>
+            </a:r>
+            <a:r>
+              <a:rPr kumimoji="0" lang="en-US" altLang="en-US" sz="3200" b="0" i="0" u="none" strike="noStrike" cap="none" normalizeH="0" baseline="0" dirty="0">
+                <a:ln>
+                  <a:noFill/>
+                </a:ln>
+                <a:solidFill>
+                  <a:schemeClr val="tx1"/>
+                </a:solidFill>
+                <a:effectLst/>
+                <a:latin typeface="var(--jp-code-font-family)"/>
+              </a:rPr>
+              <a:t> = 79,415.29</a:t>
+            </a:r>
+          </a:p>
+          <a:p>
+            <a:pPr marL="0" marR="0" lvl="0" indent="0" algn="l" defTabSz="914400" rtl="0" eaLnBrk="0" fontAlgn="base" latinLnBrk="0" hangingPunct="0">
+              <a:lnSpc>
+                <a:spcPct val="100000"/>
+              </a:lnSpc>
+              <a:spcBef>
+                <a:spcPct val="0"/>
+              </a:spcBef>
+              <a:spcAft>
+                <a:spcPct val="0"/>
+              </a:spcAft>
+              <a:buClrTx/>
+              <a:buSzTx/>
+              <a:buFontTx/>
+              <a:buNone/>
+              <a:tabLst/>
+            </a:pPr>
+            <a:endParaRPr lang="en-US" altLang="en-US" sz="3200" dirty="0">
+              <a:latin typeface="var(--jp-code-font-family)"/>
+            </a:endParaRPr>
+          </a:p>
+          <a:p>
+            <a:pPr marL="0" marR="0" lvl="0" indent="0" algn="l" defTabSz="914400" rtl="0" eaLnBrk="0" fontAlgn="base" latinLnBrk="0" hangingPunct="0">
+              <a:lnSpc>
+                <a:spcPct val="100000"/>
+              </a:lnSpc>
+              <a:spcBef>
+                <a:spcPct val="0"/>
+              </a:spcBef>
+              <a:spcAft>
+                <a:spcPct val="0"/>
+              </a:spcAft>
+              <a:buClrTx/>
+              <a:buSzTx/>
+              <a:buFontTx/>
+              <a:buNone/>
+              <a:tabLst/>
+            </a:pPr>
+            <a:endParaRPr kumimoji="0" lang="en-US" altLang="en-US" sz="3200" b="0" i="0" u="none" strike="noStrike" cap="none" normalizeH="0" baseline="0" dirty="0">
+              <a:ln>
+                <a:noFill/>
+              </a:ln>
+              <a:solidFill>
+                <a:schemeClr val="tx1"/>
+              </a:solidFill>
+              <a:effectLst/>
+              <a:latin typeface="var(--jp-code-font-family)"/>
+            </a:endParaRPr>
           </a:p>
           <a:p>
             <a:pPr marL="0" marR="0" lvl="0" indent="0" algn="l" defTabSz="914400" rtl="0" eaLnBrk="0" fontAlgn="base" latinLnBrk="0" hangingPunct="0">
@@ -31980,10 +31442,10 @@
       </p:grpSpPr>
       <p:sp>
         <p:nvSpPr>
-          <p:cNvPr id="2" name="Title 1">
+          <p:cNvPr id="3" name="Content Placeholder 2">
             <a:extLst>
               <a:ext uri="{FF2B5EF4-FFF2-40B4-BE49-F238E27FC236}">
-                <a16:creationId xmlns:a16="http://schemas.microsoft.com/office/drawing/2014/main" id="{BB71EA02-7FC8-130F-F3E8-29F18FFF2C26}"/>
+                <a16:creationId xmlns:a16="http://schemas.microsoft.com/office/drawing/2014/main" id="{07290069-C773-E81E-B59F-16CCD9C8CCCB}"/>
               </a:ext>
             </a:extLst>
           </p:cNvPr>
@@ -31991,18 +31453,124 @@
             <a:spLocks noGrp="1"/>
           </p:cNvSpPr>
           <p:nvPr>
-            <p:ph type="title"/>
+            <p:ph idx="1"/>
           </p:nvPr>
         </p:nvSpPr>
-        <p:spPr/>
+        <p:spPr>
+          <a:xfrm>
+            <a:off x="838200" y="685800"/>
+            <a:ext cx="6193971" cy="5491163"/>
+          </a:xfrm>
+        </p:spPr>
         <p:txBody>
-          <a:bodyPr/>
+          <a:bodyPr>
+            <a:normAutofit/>
+          </a:bodyPr>
           <a:lstStyle/>
           <a:p>
-            <a:endParaRPr lang="en-US"/>
+            <a:pPr marL="0" indent="0">
+              <a:buNone/>
+            </a:pPr>
+            <a:r>
+              <a:rPr lang="en-US" b="0" i="0" dirty="0">
+                <a:solidFill>
+                  <a:srgbClr val="0D0D0D"/>
+                </a:solidFill>
+                <a:effectLst/>
+                <a:latin typeface="Söhne"/>
+              </a:rPr>
+              <a:t>If you have a dataset with a mean income of $180,921.20 and a standard deviation of $79,415.29, you might observe that most individual incomes in the dataset fall within one standard deviation of the mean (around $101,505.91 to $260,336.49), based on the typical characteristics of a normal distribution. </a:t>
+            </a:r>
+          </a:p>
+          <a:p>
+            <a:pPr marL="0" indent="0">
+              <a:buNone/>
+            </a:pPr>
+            <a:endParaRPr lang="en-US" dirty="0">
+              <a:solidFill>
+                <a:srgbClr val="0D0D0D"/>
+              </a:solidFill>
+              <a:latin typeface="Söhne"/>
+            </a:endParaRPr>
+          </a:p>
+          <a:p>
+            <a:pPr marL="0" indent="0">
+              <a:buNone/>
+            </a:pPr>
+            <a:r>
+              <a:rPr lang="en-US" b="0" i="0" dirty="0">
+                <a:solidFill>
+                  <a:srgbClr val="0D0D0D"/>
+                </a:solidFill>
+                <a:effectLst/>
+                <a:latin typeface="Söhne"/>
+              </a:rPr>
+              <a:t>This information is valuable for understanding the variability in the dataset and making statistical inferences.</a:t>
+            </a:r>
+            <a:endParaRPr lang="en-US" dirty="0"/>
           </a:p>
         </p:txBody>
       </p:sp>
+      <p:pic>
+        <p:nvPicPr>
+          <p:cNvPr id="4" name="Picture 3">
+            <a:extLst>
+              <a:ext uri="{FF2B5EF4-FFF2-40B4-BE49-F238E27FC236}">
+                <a16:creationId xmlns:a16="http://schemas.microsoft.com/office/drawing/2014/main" id="{6C64E34B-FBC9-DFF6-FFBA-373C76B2E1E6}"/>
+              </a:ext>
+            </a:extLst>
+          </p:cNvPr>
+          <p:cNvPicPr>
+            <a:picLocks noChangeAspect="1"/>
+          </p:cNvPicPr>
+          <p:nvPr/>
+        </p:nvPicPr>
+        <p:blipFill>
+          <a:blip r:embed="rId2"/>
+          <a:stretch>
+            <a:fillRect/>
+          </a:stretch>
+        </p:blipFill>
+        <p:spPr>
+          <a:xfrm>
+            <a:off x="7888301" y="528636"/>
+            <a:ext cx="4303699" cy="5491163"/>
+          </a:xfrm>
+          <a:prstGeom prst="rect">
+            <a:avLst/>
+          </a:prstGeom>
+        </p:spPr>
+      </p:pic>
+    </p:spTree>
+    <p:extLst>
+      <p:ext uri="{BB962C8B-B14F-4D97-AF65-F5344CB8AC3E}">
+        <p14:creationId xmlns:p14="http://schemas.microsoft.com/office/powerpoint/2010/main" val="1744771951"/>
+      </p:ext>
+    </p:extLst>
+  </p:cSld>
+  <p:clrMapOvr>
+    <a:masterClrMapping/>
+  </p:clrMapOvr>
+</p:sld>
+</file>
+
+<file path=ppt/slides/slide6.xml><?xml version="1.0" encoding="utf-8"?>
+<p:sld xmlns:a="http://schemas.openxmlformats.org/drawingml/2006/main" xmlns:r="http://schemas.openxmlformats.org/officeDocument/2006/relationships" xmlns:p="http://schemas.openxmlformats.org/presentationml/2006/main">
+  <p:cSld>
+    <p:spTree>
+      <p:nvGrpSpPr>
+        <p:cNvPr id="1" name=""/>
+        <p:cNvGrpSpPr/>
+        <p:nvPr/>
+      </p:nvGrpSpPr>
+      <p:grpSpPr>
+        <a:xfrm>
+          <a:off x="0" y="0"/>
+          <a:ext cx="0" cy="0"/>
+          <a:chOff x="0" y="0"/>
+          <a:chExt cx="0" cy="0"/>
+        </a:xfrm>
+      </p:grpSpPr>
       <p:graphicFrame>
         <p:nvGraphicFramePr>
           <p:cNvPr id="8" name="Rectangle 1">
@@ -32017,11 +31585,16 @@
           </p:cNvGraphicFramePr>
           <p:nvPr>
             <p:ph idx="1"/>
+            <p:extLst>
+              <p:ext uri="{D42A27DB-BD31-4B8C-83A1-F6EECF244321}">
+                <p14:modId xmlns:p14="http://schemas.microsoft.com/office/powerpoint/2010/main" val="1221207629"/>
+              </p:ext>
+            </p:extLst>
           </p:nvPr>
         </p:nvGraphicFramePr>
         <p:xfrm>
-          <a:off x="838200" y="1508309"/>
-          <a:ext cx="9045105" cy="4985980"/>
+          <a:off x="5355765" y="1077687"/>
+          <a:ext cx="6063343" cy="5133575"/>
         </p:xfrm>
         <a:graphic>
           <a:graphicData uri="http://schemas.openxmlformats.org/drawingml/2006/diagram">
@@ -32029,6 +31602,36 @@
           </a:graphicData>
         </a:graphic>
       </p:graphicFrame>
+      <p:pic>
+        <p:nvPicPr>
+          <p:cNvPr id="7" name="Picture 6">
+            <a:extLst>
+              <a:ext uri="{FF2B5EF4-FFF2-40B4-BE49-F238E27FC236}">
+                <a16:creationId xmlns:a16="http://schemas.microsoft.com/office/drawing/2014/main" id="{372FE562-290E-540B-B447-B8B1ED43B176}"/>
+              </a:ext>
+            </a:extLst>
+          </p:cNvPr>
+          <p:cNvPicPr>
+            <a:picLocks noChangeAspect="1"/>
+          </p:cNvPicPr>
+          <p:nvPr/>
+        </p:nvPicPr>
+        <p:blipFill>
+          <a:blip r:embed="rId7"/>
+          <a:stretch>
+            <a:fillRect/>
+          </a:stretch>
+        </p:blipFill>
+        <p:spPr>
+          <a:xfrm>
+            <a:off x="1609861" y="653143"/>
+            <a:ext cx="2539909" cy="5551714"/>
+          </a:xfrm>
+          <a:prstGeom prst="rect">
+            <a:avLst/>
+          </a:prstGeom>
+        </p:spPr>
+      </p:pic>
     </p:spTree>
     <p:extLst>
       <p:ext uri="{BB962C8B-B14F-4D97-AF65-F5344CB8AC3E}">
@@ -32042,7 +31645,7 @@
 </p:sld>
 </file>
 
-<file path=ppt/slides/slide6.xml><?xml version="1.0" encoding="utf-8"?>
+<file path=ppt/slides/slide7.xml><?xml version="1.0" encoding="utf-8"?>
 <p:sld xmlns:a="http://schemas.openxmlformats.org/drawingml/2006/main" xmlns:r="http://schemas.openxmlformats.org/officeDocument/2006/relationships" xmlns:p="http://schemas.openxmlformats.org/presentationml/2006/main">
   <p:cSld>
     <p:spTree>
@@ -32077,9 +31680,17 @@
         </p:nvSpPr>
         <p:spPr/>
         <p:txBody>
-          <a:bodyPr/>
+          <a:bodyPr>
+            <a:normAutofit fontScale="90000"/>
+          </a:bodyPr>
           <a:lstStyle/>
           <a:p>
+            <a:br>
+              <a:rPr lang="en-US" b="1" i="0" dirty="0">
+                <a:effectLst/>
+                <a:latin typeface="-apple-system"/>
+              </a:rPr>
+            </a:br>
             <a:r>
               <a:rPr lang="en-US" b="1" i="0" dirty="0">
                 <a:effectLst/>
@@ -32121,8 +31732,8 @@
         </p:blipFill>
         <p:spPr>
           <a:xfrm>
-            <a:off x="838200" y="2483053"/>
-            <a:ext cx="10515600" cy="3036481"/>
+            <a:off x="268882" y="1926772"/>
+            <a:ext cx="11084918" cy="3200877"/>
           </a:xfrm>
         </p:spPr>
       </p:pic>
@@ -32139,7 +31750,7 @@
 </p:sld>
 </file>
 
-<file path=ppt/slides/slide7.xml><?xml version="1.0" encoding="utf-8"?>
+<file path=ppt/slides/slide8.xml><?xml version="1.0" encoding="utf-8"?>
 <p:sld xmlns:a="http://schemas.openxmlformats.org/drawingml/2006/main" xmlns:r="http://schemas.openxmlformats.org/officeDocument/2006/relationships" xmlns:p="http://schemas.openxmlformats.org/presentationml/2006/main">
   <p:cSld>
     <p:spTree>
@@ -32227,7 +31838,7 @@
 </p:sld>
 </file>
 
-<file path=ppt/slides/slide8.xml><?xml version="1.0" encoding="utf-8"?>
+<file path=ppt/slides/slide9.xml><?xml version="1.0" encoding="utf-8"?>
 <p:sld xmlns:a="http://schemas.openxmlformats.org/drawingml/2006/main" xmlns:r="http://schemas.openxmlformats.org/officeDocument/2006/relationships" xmlns:p="http://schemas.openxmlformats.org/presentationml/2006/main">
   <p:cSld>
     <p:spTree>
@@ -32289,7 +31900,7 @@
         <p:spPr>
           <a:xfrm>
             <a:off x="701040" y="843280"/>
-            <a:ext cx="4018278" cy="2585323"/>
+            <a:ext cx="4018278" cy="2031325"/>
           </a:xfrm>
           <a:prstGeom prst="rect">
             <a:avLst/>
@@ -32316,12 +31927,6 @@
               <a:t>We would like to drop these two data points from the dataset so that we have a cleaner dataset</a:t>
             </a:r>
           </a:p>
-          <a:p>
-            <a:endParaRPr lang="en-US" dirty="0"/>
-          </a:p>
-          <a:p>
-            <a:endParaRPr lang="en-US" dirty="0"/>
-          </a:p>
         </p:txBody>
       </p:sp>
       <p:sp>
@@ -32339,7 +31944,7 @@
         <p:spPr>
           <a:xfrm>
             <a:off x="701040" y="3428603"/>
-            <a:ext cx="4018279" cy="2308324"/>
+            <a:ext cx="4018279" cy="2031325"/>
           </a:xfrm>
           <a:prstGeom prst="rect">
             <a:avLst/>
@@ -32370,6 +31975,9 @@
               <a:rPr lang="en-US" i="1" dirty="0" err="1"/>
               <a:t>train.drop</a:t>
             </a:r>
+            <a:endParaRPr lang="en-US" i="1" dirty="0"/>
+          </a:p>
+          <a:p>
             <a:r>
               <a:rPr lang="en-US" i="1" dirty="0"/>
               <a:t>(train[(train['</a:t>
@@ -32380,7 +31988,7 @@
             </a:r>
             <a:r>
               <a:rPr lang="en-US" i="1" dirty="0"/>
-              <a:t>']&gt;4000) </a:t>
+              <a:t>’]&gt;4,000) </a:t>
             </a:r>
           </a:p>
           <a:p>
@@ -32394,8 +32002,10 @@
             </a:r>
             <a:r>
               <a:rPr lang="en-US" i="1" dirty="0"/>
-              <a:t>']&lt;300000)].index).</a:t>
+              <a:t>']&lt;300,000)].index).</a:t>
             </a:r>
+          </a:p>
+          <a:p>
             <a:r>
               <a:rPr lang="en-US" i="1" dirty="0" err="1"/>
               <a:t>reset_index</a:t>
@@ -32411,141 +32021,6 @@
     <p:extLst>
       <p:ext uri="{BB962C8B-B14F-4D97-AF65-F5344CB8AC3E}">
         <p14:creationId xmlns:p14="http://schemas.microsoft.com/office/powerpoint/2010/main" val="3743234646"/>
-      </p:ext>
-    </p:extLst>
-  </p:cSld>
-  <p:clrMapOvr>
-    <a:masterClrMapping/>
-  </p:clrMapOvr>
-</p:sld>
-</file>
-
-<file path=ppt/slides/slide9.xml><?xml version="1.0" encoding="utf-8"?>
-<p:sld xmlns:a="http://schemas.openxmlformats.org/drawingml/2006/main" xmlns:r="http://schemas.openxmlformats.org/officeDocument/2006/relationships" xmlns:p="http://schemas.openxmlformats.org/presentationml/2006/main">
-  <p:cSld>
-    <p:spTree>
-      <p:nvGrpSpPr>
-        <p:cNvPr id="1" name=""/>
-        <p:cNvGrpSpPr/>
-        <p:nvPr/>
-      </p:nvGrpSpPr>
-      <p:grpSpPr>
-        <a:xfrm>
-          <a:off x="0" y="0"/>
-          <a:ext cx="0" cy="0"/>
-          <a:chOff x="0" y="0"/>
-          <a:chExt cx="0" cy="0"/>
-        </a:xfrm>
-      </p:grpSpPr>
-      <p:sp>
-        <p:nvSpPr>
-          <p:cNvPr id="2" name="Title 1">
-            <a:extLst>
-              <a:ext uri="{FF2B5EF4-FFF2-40B4-BE49-F238E27FC236}">
-                <a16:creationId xmlns:a16="http://schemas.microsoft.com/office/drawing/2014/main" id="{6A013F7B-1A02-9D72-1DC8-86B73CC0F005}"/>
-              </a:ext>
-            </a:extLst>
-          </p:cNvPr>
-          <p:cNvSpPr>
-            <a:spLocks noGrp="1"/>
-          </p:cNvSpPr>
-          <p:nvPr>
-            <p:ph type="title"/>
-          </p:nvPr>
-        </p:nvSpPr>
-        <p:spPr/>
-        <p:txBody>
-          <a:bodyPr/>
-          <a:lstStyle/>
-          <a:p>
-            <a:r>
-              <a:rPr lang="en-US" dirty="0" err="1"/>
-              <a:t>GarageCars</a:t>
-            </a:r>
-            <a:r>
-              <a:rPr lang="en-US" dirty="0"/>
-              <a:t>… similarly other outliers were removed from columns that are of interest</a:t>
-            </a:r>
-          </a:p>
-        </p:txBody>
-      </p:sp>
-      <p:sp>
-        <p:nvSpPr>
-          <p:cNvPr id="3" name="Content Placeholder 2">
-            <a:extLst>
-              <a:ext uri="{FF2B5EF4-FFF2-40B4-BE49-F238E27FC236}">
-                <a16:creationId xmlns:a16="http://schemas.microsoft.com/office/drawing/2014/main" id="{3AC8E0B9-5F86-8ABE-F537-88E069ACCE42}"/>
-              </a:ext>
-            </a:extLst>
-          </p:cNvPr>
-          <p:cNvSpPr>
-            <a:spLocks noGrp="1"/>
-          </p:cNvSpPr>
-          <p:nvPr>
-            <p:ph idx="1"/>
-          </p:nvPr>
-        </p:nvSpPr>
-        <p:spPr/>
-        <p:txBody>
-          <a:bodyPr>
-            <a:normAutofit/>
-          </a:bodyPr>
-          <a:lstStyle/>
-          <a:p>
-            <a:r>
-              <a:rPr lang="en-US" sz="2000" b="0" i="0" dirty="0">
-                <a:effectLst/>
-                <a:latin typeface="-apple-system"/>
-              </a:rPr>
-              <a:t>4-car garages result in less Sale Price? That doesn't make much sense. Let's remove those outliers.</a:t>
-            </a:r>
-          </a:p>
-          <a:p>
-            <a:r>
-              <a:rPr lang="en-US" sz="1400" b="0" i="0" dirty="0">
-                <a:effectLst/>
-                <a:latin typeface="-apple-system"/>
-              </a:rPr>
-              <a:t>Note: removal of data is totally discretionary and may or may not help in modeling. Use at your own preference.</a:t>
-            </a:r>
-            <a:endParaRPr lang="en-US" sz="2000" dirty="0"/>
-          </a:p>
-        </p:txBody>
-      </p:sp>
-      <p:pic>
-        <p:nvPicPr>
-          <p:cNvPr id="5" name="Picture 4">
-            <a:extLst>
-              <a:ext uri="{FF2B5EF4-FFF2-40B4-BE49-F238E27FC236}">
-                <a16:creationId xmlns:a16="http://schemas.microsoft.com/office/drawing/2014/main" id="{04BA3498-4BC1-DEC0-E858-95068D6D802E}"/>
-              </a:ext>
-            </a:extLst>
-          </p:cNvPr>
-          <p:cNvPicPr>
-            <a:picLocks noChangeAspect="1"/>
-          </p:cNvPicPr>
-          <p:nvPr/>
-        </p:nvPicPr>
-        <p:blipFill>
-          <a:blip r:embed="rId2"/>
-          <a:stretch>
-            <a:fillRect/>
-          </a:stretch>
-        </p:blipFill>
-        <p:spPr>
-          <a:xfrm>
-            <a:off x="2673661" y="2961958"/>
-            <a:ext cx="5444813" cy="3530917"/>
-          </a:xfrm>
-          <a:prstGeom prst="rect">
-            <a:avLst/>
-          </a:prstGeom>
-        </p:spPr>
-      </p:pic>
-    </p:spTree>
-    <p:extLst>
-      <p:ext uri="{BB962C8B-B14F-4D97-AF65-F5344CB8AC3E}">
-        <p14:creationId xmlns:p14="http://schemas.microsoft.com/office/powerpoint/2010/main" val="1894136970"/>
       </p:ext>
     </p:extLst>
   </p:cSld>
@@ -32868,4 +32343,39 @@
     </a:ext>
   </a:extLst>
 </a:theme>
+</file>
+
+<file path=ppt/webextensions/taskpanes.xml><?xml version="1.0" encoding="utf-8"?>
+<wetp:taskpanes xmlns:wetp="http://schemas.microsoft.com/office/webextensions/taskpanes/2010/11">
+  <wetp:taskpane dockstate="right" visibility="0" width="525" row="1">
+    <wetp:webextensionref xmlns:r="http://schemas.openxmlformats.org/officeDocument/2006/relationships" r:id="rId1"/>
+  </wetp:taskpane>
+  <wetp:taskpane dockstate="right" visibility="0" width="525" row="2">
+    <wetp:webextensionref xmlns:r="http://schemas.openxmlformats.org/officeDocument/2006/relationships" r:id="rId2"/>
+  </wetp:taskpane>
+</wetp:taskpanes>
+</file>
+
+<file path=ppt/webextensions/webextension1.xml><?xml version="1.0" encoding="utf-8"?>
+<we:webextension xmlns:we="http://schemas.microsoft.com/office/webextensions/webextension/2010/11" id="{D2FA5E91-8C26-4E8B-B81D-4A2183866FC6}">
+  <we:reference id="wa200005566" version="3.0.0.2" store="en-US" storeType="OMEX"/>
+  <we:alternateReferences>
+    <we:reference id="wa200005566" version="3.0.0.2" store="wa200005566" storeType="OMEX"/>
+  </we:alternateReferences>
+  <we:properties/>
+  <we:bindings/>
+  <we:snapshot xmlns:r="http://schemas.openxmlformats.org/officeDocument/2006/relationships"/>
+</we:webextension>
+</file>
+
+<file path=ppt/webextensions/webextension2.xml><?xml version="1.0" encoding="utf-8"?>
+<we:webextension xmlns:we="http://schemas.microsoft.com/office/webextensions/webextension/2010/11" id="{91207847-E155-4394-8284-B238344612F3}">
+  <we:reference id="wa104380907" version="3.1.0.0" store="en-US" storeType="OMEX"/>
+  <we:alternateReferences>
+    <we:reference id="WA104380907" version="3.1.0.0" store="WA104380907" storeType="OMEX"/>
+  </we:alternateReferences>
+  <we:properties/>
+  <we:bindings/>
+  <we:snapshot xmlns:r="http://schemas.openxmlformats.org/officeDocument/2006/relationships"/>
+</we:webextension>
 </file>